--- a/Slides/Lesson 4.2 The Observer Template for List Data.pptx
+++ b/Slides/Lesson 4.2 The Observer Template for List Data.pptx
@@ -5,7 +5,7 @@
     <p:sldMasterId id="2147483660" r:id="rId1"/>
   </p:sldMasterIdLst>
   <p:notesMasterIdLst>
-    <p:notesMasterId r:id="rId43"/>
+    <p:notesMasterId r:id="rId45"/>
   </p:notesMasterIdLst>
   <p:sldIdLst>
     <p:sldId id="298" r:id="rId2"/>
@@ -16,44 +16,46 @@
     <p:sldId id="414" r:id="rId7"/>
     <p:sldId id="302" r:id="rId8"/>
     <p:sldId id="413" r:id="rId9"/>
-    <p:sldId id="420" r:id="rId10"/>
-    <p:sldId id="308" r:id="rId11"/>
-    <p:sldId id="309" r:id="rId12"/>
-    <p:sldId id="433" r:id="rId13"/>
-    <p:sldId id="310" r:id="rId14"/>
-    <p:sldId id="311" r:id="rId15"/>
-    <p:sldId id="312" r:id="rId16"/>
-    <p:sldId id="313" r:id="rId17"/>
-    <p:sldId id="423" r:id="rId18"/>
-    <p:sldId id="314" r:id="rId19"/>
-    <p:sldId id="315" r:id="rId20"/>
-    <p:sldId id="316" r:id="rId21"/>
-    <p:sldId id="317" r:id="rId22"/>
-    <p:sldId id="318" r:id="rId23"/>
-    <p:sldId id="424" r:id="rId24"/>
-    <p:sldId id="319" r:id="rId25"/>
-    <p:sldId id="320" r:id="rId26"/>
-    <p:sldId id="321" r:id="rId27"/>
-    <p:sldId id="322" r:id="rId28"/>
-    <p:sldId id="323" r:id="rId29"/>
-    <p:sldId id="324" r:id="rId30"/>
-    <p:sldId id="325" r:id="rId31"/>
-    <p:sldId id="326" r:id="rId32"/>
-    <p:sldId id="432" r:id="rId33"/>
-    <p:sldId id="425" r:id="rId34"/>
-    <p:sldId id="426" r:id="rId35"/>
-    <p:sldId id="427" r:id="rId36"/>
-    <p:sldId id="428" r:id="rId37"/>
-    <p:sldId id="429" r:id="rId38"/>
-    <p:sldId id="430" r:id="rId39"/>
-    <p:sldId id="431" r:id="rId40"/>
-    <p:sldId id="327" r:id="rId41"/>
-    <p:sldId id="328" r:id="rId42"/>
+    <p:sldId id="434" r:id="rId10"/>
+    <p:sldId id="435" r:id="rId11"/>
+    <p:sldId id="420" r:id="rId12"/>
+    <p:sldId id="309" r:id="rId13"/>
+    <p:sldId id="308" r:id="rId14"/>
+    <p:sldId id="433" r:id="rId15"/>
+    <p:sldId id="310" r:id="rId16"/>
+    <p:sldId id="311" r:id="rId17"/>
+    <p:sldId id="312" r:id="rId18"/>
+    <p:sldId id="313" r:id="rId19"/>
+    <p:sldId id="423" r:id="rId20"/>
+    <p:sldId id="314" r:id="rId21"/>
+    <p:sldId id="315" r:id="rId22"/>
+    <p:sldId id="316" r:id="rId23"/>
+    <p:sldId id="317" r:id="rId24"/>
+    <p:sldId id="318" r:id="rId25"/>
+    <p:sldId id="424" r:id="rId26"/>
+    <p:sldId id="319" r:id="rId27"/>
+    <p:sldId id="320" r:id="rId28"/>
+    <p:sldId id="321" r:id="rId29"/>
+    <p:sldId id="322" r:id="rId30"/>
+    <p:sldId id="323" r:id="rId31"/>
+    <p:sldId id="324" r:id="rId32"/>
+    <p:sldId id="325" r:id="rId33"/>
+    <p:sldId id="326" r:id="rId34"/>
+    <p:sldId id="432" r:id="rId35"/>
+    <p:sldId id="425" r:id="rId36"/>
+    <p:sldId id="426" r:id="rId37"/>
+    <p:sldId id="427" r:id="rId38"/>
+    <p:sldId id="428" r:id="rId39"/>
+    <p:sldId id="429" r:id="rId40"/>
+    <p:sldId id="430" r:id="rId41"/>
+    <p:sldId id="431" r:id="rId42"/>
+    <p:sldId id="327" r:id="rId43"/>
+    <p:sldId id="328" r:id="rId44"/>
   </p:sldIdLst>
   <p:sldSz cx="9144000" cy="6858000" type="screen4x3"/>
   <p:notesSz cx="6858000" cy="9144000"/>
   <p:custDataLst>
-    <p:tags r:id="rId44"/>
+    <p:tags r:id="rId46"/>
   </p:custDataLst>
   <p:defaultTextStyle>
     <a:defPPr>
@@ -163,9 +165,11 @@
             <p14:sldId id="414"/>
             <p14:sldId id="302"/>
             <p14:sldId id="413"/>
+            <p14:sldId id="434"/>
+            <p14:sldId id="435"/>
             <p14:sldId id="420"/>
+            <p14:sldId id="309"/>
             <p14:sldId id="308"/>
-            <p14:sldId id="309"/>
             <p14:sldId id="433"/>
             <p14:sldId id="310"/>
             <p14:sldId id="311"/>
@@ -301,7 +305,7 @@
             <a:fld id="{CF8F25F6-E1EF-4065-8525-42EDEBD9BD22}" type="datetimeFigureOut">
               <a:rPr lang="en-US" smtClean="0"/>
               <a:pPr/>
-              <a:t>8/3/2017</a:t>
+              <a:t>8/6/2017</a:t>
             </a:fld>
             <a:endParaRPr lang="en-US"/>
           </a:p>
@@ -837,7 +841,7 @@
           <a:p>
             <a:fld id="{2F1F79F5-7BEC-496A-AFC7-876E38F64D71}" type="datetime1">
               <a:rPr lang="en-US" smtClean="0"/>
-              <a:t>8/3/2017</a:t>
+              <a:t>8/6/2017</a:t>
             </a:fld>
             <a:endParaRPr lang="en-US"/>
           </a:p>
@@ -932,7 +936,7 @@
           <a:p>
             <a:fld id="{0A05703A-7669-4FEA-9056-25299B4D29D4}" type="datetime1">
               <a:rPr lang="en-US" smtClean="0"/>
-              <a:t>8/3/2017</a:t>
+              <a:t>8/6/2017</a:t>
             </a:fld>
             <a:endParaRPr lang="en-US"/>
           </a:p>
@@ -1207,7 +1211,7 @@
           <a:p>
             <a:fld id="{6E5077B5-BB57-49DB-88CA-226A139E5C01}" type="datetime1">
               <a:rPr lang="en-US" smtClean="0"/>
-              <a:t>8/3/2017</a:t>
+              <a:t>8/6/2017</a:t>
             </a:fld>
             <a:endParaRPr lang="en-US"/>
           </a:p>
@@ -1459,7 +1463,7 @@
           <a:p>
             <a:fld id="{C48D9447-CBD6-49A1-89FD-8512A8CF8999}" type="datetime1">
               <a:rPr lang="en-US" smtClean="0"/>
-              <a:t>8/3/2017</a:t>
+              <a:t>8/6/2017</a:t>
             </a:fld>
             <a:endParaRPr lang="en-US"/>
           </a:p>
@@ -1627,7 +1631,7 @@
           <a:p>
             <a:fld id="{A3639A2A-823D-48B7-9ACE-7FAF42870BA9}" type="datetime1">
               <a:rPr lang="en-US" smtClean="0"/>
-              <a:t>8/3/2017</a:t>
+              <a:t>8/6/2017</a:t>
             </a:fld>
             <a:endParaRPr lang="en-US"/>
           </a:p>
@@ -1805,7 +1809,7 @@
           <a:p>
             <a:fld id="{ED1B6996-82E9-463C-972C-7B56056E426C}" type="datetime1">
               <a:rPr lang="en-US" smtClean="0"/>
-              <a:t>8/3/2017</a:t>
+              <a:t>8/6/2017</a:t>
             </a:fld>
             <a:endParaRPr lang="en-US"/>
           </a:p>
@@ -1979,7 +1983,7 @@
           <a:p>
             <a:fld id="{E22ED4DA-448D-4BB1-B935-CC112220207B}" type="datetime1">
               <a:rPr lang="en-US" smtClean="0"/>
-              <a:t>8/3/2017</a:t>
+              <a:t>8/6/2017</a:t>
             </a:fld>
             <a:endParaRPr lang="en-US"/>
           </a:p>
@@ -2152,7 +2156,7 @@
           <a:p>
             <a:fld id="{E22ED4DA-448D-4BB1-B935-CC112220207B}" type="datetime1">
               <a:rPr lang="en-US" smtClean="0"/>
-              <a:t>8/3/2017</a:t>
+              <a:t>8/6/2017</a:t>
             </a:fld>
             <a:endParaRPr lang="en-US"/>
           </a:p>
@@ -2412,7 +2416,7 @@
           <a:p>
             <a:fld id="{FF5D65A6-AB94-4435-B0B7-3743215FA46C}" type="datetime1">
               <a:rPr lang="en-US" smtClean="0"/>
-              <a:t>8/3/2017</a:t>
+              <a:t>8/6/2017</a:t>
             </a:fld>
             <a:endParaRPr lang="en-US"/>
           </a:p>
@@ -2588,7 +2592,7 @@
           <a:p>
             <a:fld id="{FF5D65A6-AB94-4435-B0B7-3743215FA46C}" type="datetime1">
               <a:rPr lang="en-US" smtClean="0"/>
-              <a:t>8/3/2017</a:t>
+              <a:t>8/6/2017</a:t>
             </a:fld>
             <a:endParaRPr lang="en-US"/>
           </a:p>
@@ -2882,7 +2886,7 @@
           <a:p>
             <a:fld id="{7C193DC4-6EF0-48C9-B29C-616106A645E1}" type="datetime1">
               <a:rPr lang="en-US" smtClean="0"/>
-              <a:t>8/3/2017</a:t>
+              <a:t>8/6/2017</a:t>
             </a:fld>
             <a:endParaRPr lang="en-US"/>
           </a:p>
@@ -3167,7 +3171,7 @@
           <a:p>
             <a:fld id="{5D1846AD-9252-4647-9435-4C2AC365653A}" type="datetime1">
               <a:rPr lang="en-US" smtClean="0"/>
-              <a:t>8/3/2017</a:t>
+              <a:t>8/6/2017</a:t>
             </a:fld>
             <a:endParaRPr lang="en-US"/>
           </a:p>
@@ -3586,7 +3590,7 @@
           <a:p>
             <a:fld id="{CE56DC10-3561-4063-A6AF-C1CC7A41040A}" type="datetime1">
               <a:rPr lang="en-US" smtClean="0"/>
-              <a:t>8/3/2017</a:t>
+              <a:t>8/6/2017</a:t>
             </a:fld>
             <a:endParaRPr lang="en-US"/>
           </a:p>
@@ -3703,7 +3707,7 @@
           <a:p>
             <a:fld id="{2F7B77F5-1464-4F6B-92A8-64FC8A508293}" type="datetime1">
               <a:rPr lang="en-US" smtClean="0"/>
-              <a:t>8/3/2017</a:t>
+              <a:t>8/6/2017</a:t>
             </a:fld>
             <a:endParaRPr lang="en-US"/>
           </a:p>
@@ -3926,7 +3930,7 @@
           <a:p>
             <a:fld id="{02B3F677-983B-48DB-ADFD-63FE6CBC7FB2}" type="datetime1">
               <a:rPr lang="en-US" smtClean="0"/>
-              <a:t>8/3/2017</a:t>
+              <a:t>8/6/2017</a:t>
             </a:fld>
             <a:endParaRPr lang="en-US"/>
           </a:p>
@@ -4594,6 +4598,941 @@
       </p:grpSpPr>
       <p:sp>
         <p:nvSpPr>
+          <p:cNvPr id="3" name="TextBox 2"/>
+          <p:cNvSpPr txBox="1"/>
+          <p:nvPr/>
+        </p:nvSpPr>
+        <p:spPr>
+          <a:xfrm>
+            <a:off x="2860637" y="2553601"/>
+            <a:ext cx="1847850" cy="369332"/>
+          </a:xfrm>
+          <a:prstGeom prst="rect">
+            <a:avLst/>
+          </a:prstGeom>
+          <a:noFill/>
+        </p:spPr>
+        <p:txBody>
+          <a:bodyPr wrap="square" rtlCol="0">
+            <a:spAutoFit/>
+          </a:bodyPr>
+          <a:lstStyle/>
+          <a:p>
+            <a:r>
+              <a:rPr lang="en-US" dirty="0"/>
+              <a:t>is-component-of</a:t>
+            </a:r>
+          </a:p>
+        </p:txBody>
+      </p:sp>
+      <p:sp>
+        <p:nvSpPr>
+          <p:cNvPr id="2" name="Title 1"/>
+          <p:cNvSpPr>
+            <a:spLocks noGrp="1"/>
+          </p:cNvSpPr>
+          <p:nvPr>
+            <p:ph type="title"/>
+          </p:nvPr>
+        </p:nvSpPr>
+        <p:spPr>
+          <a:ln w="25400">
+            <a:solidFill>
+              <a:schemeClr val="accent1"/>
+            </a:solidFill>
+          </a:ln>
+        </p:spPr>
+        <p:txBody>
+          <a:bodyPr vert="horz" lIns="91440" tIns="45720" rIns="91440" bIns="45720" rtlCol="0" anchor="ctr">
+            <a:normAutofit fontScale="90000"/>
+          </a:bodyPr>
+          <a:lstStyle/>
+          <a:p>
+            <a:r>
+              <a:rPr lang="en-US" dirty="0"/>
+              <a:t>Remember: The Shape of the Program Follows the Shape of the Data</a:t>
+            </a:r>
+          </a:p>
+        </p:txBody>
+      </p:sp>
+      <p:sp>
+        <p:nvSpPr>
+          <p:cNvPr id="4" name="Slide Number Placeholder 3"/>
+          <p:cNvSpPr>
+            <a:spLocks noGrp="1"/>
+          </p:cNvSpPr>
+          <p:nvPr>
+            <p:ph type="sldNum" sz="quarter" idx="12"/>
+          </p:nvPr>
+        </p:nvSpPr>
+        <p:spPr/>
+        <p:txBody>
+          <a:bodyPr/>
+          <a:lstStyle/>
+          <a:p>
+            <a:fld id="{8D704B19-8EED-495A-99FA-12E5518CCC54}" type="slidenum">
+              <a:rPr lang="en-US" smtClean="0"/>
+              <a:pPr/>
+              <a:t>10</a:t>
+            </a:fld>
+            <a:endParaRPr lang="en-US"/>
+          </a:p>
+        </p:txBody>
+      </p:sp>
+      <p:sp>
+        <p:nvSpPr>
+          <p:cNvPr id="27" name="TextBox 26"/>
+          <p:cNvSpPr txBox="1"/>
+          <p:nvPr/>
+        </p:nvSpPr>
+        <p:spPr>
+          <a:xfrm>
+            <a:off x="1295400" y="4648200"/>
+            <a:ext cx="2209800" cy="1200329"/>
+          </a:xfrm>
+          <a:prstGeom prst="rect">
+            <a:avLst/>
+          </a:prstGeom>
+          <a:solidFill>
+            <a:schemeClr val="accent1">
+              <a:lumMod val="20000"/>
+              <a:lumOff val="80000"/>
+            </a:schemeClr>
+          </a:solidFill>
+        </p:spPr>
+        <p:txBody>
+          <a:bodyPr wrap="square" rtlCol="0">
+            <a:spAutoFit/>
+          </a:bodyPr>
+          <a:lstStyle/>
+          <a:p>
+            <a:r>
+              <a:rPr lang="en-US" dirty="0"/>
+              <a:t>Data Hierarchy (a non-empty </a:t>
+            </a:r>
+            <a:r>
+              <a:rPr lang="en-US" dirty="0" err="1"/>
+              <a:t>Xlist</a:t>
+            </a:r>
+            <a:r>
+              <a:rPr lang="en-US" dirty="0"/>
+              <a:t> contains another </a:t>
+            </a:r>
+            <a:r>
+              <a:rPr lang="en-US" dirty="0" err="1"/>
+              <a:t>Xlist</a:t>
+            </a:r>
+            <a:r>
+              <a:rPr lang="en-US" dirty="0"/>
+              <a:t>)</a:t>
+            </a:r>
+          </a:p>
+        </p:txBody>
+      </p:sp>
+      <p:sp>
+        <p:nvSpPr>
+          <p:cNvPr id="28" name="TextBox 27"/>
+          <p:cNvSpPr txBox="1"/>
+          <p:nvPr/>
+        </p:nvSpPr>
+        <p:spPr>
+          <a:xfrm flipH="1">
+            <a:off x="5682515" y="4660404"/>
+            <a:ext cx="2057400" cy="923330"/>
+          </a:xfrm>
+          <a:prstGeom prst="rect">
+            <a:avLst/>
+          </a:prstGeom>
+          <a:solidFill>
+            <a:schemeClr val="accent1">
+              <a:lumMod val="20000"/>
+              <a:lumOff val="80000"/>
+            </a:schemeClr>
+          </a:solidFill>
+        </p:spPr>
+        <p:txBody>
+          <a:bodyPr wrap="square" rtlCol="0">
+            <a:spAutoFit/>
+          </a:bodyPr>
+          <a:lstStyle/>
+          <a:p>
+            <a:r>
+              <a:rPr lang="en-US" dirty="0"/>
+              <a:t>Call Tree (</a:t>
+            </a:r>
+            <a:r>
+              <a:rPr lang="en-US" b="1" dirty="0" err="1"/>
+              <a:t>xlist-fn</a:t>
+            </a:r>
+            <a:r>
+              <a:rPr lang="en-US" dirty="0"/>
+              <a:t> calls itself on the component)</a:t>
+            </a:r>
+          </a:p>
+        </p:txBody>
+      </p:sp>
+      <p:grpSp>
+        <p:nvGrpSpPr>
+          <p:cNvPr id="5" name="Group 4"/>
+          <p:cNvGrpSpPr/>
+          <p:nvPr/>
+        </p:nvGrpSpPr>
+        <p:grpSpPr>
+          <a:xfrm>
+            <a:off x="6139715" y="2341504"/>
+            <a:ext cx="1143000" cy="1244897"/>
+            <a:chOff x="6139715" y="2341504"/>
+            <a:chExt cx="1143000" cy="1244897"/>
+          </a:xfrm>
+        </p:grpSpPr>
+        <p:sp>
+          <p:nvSpPr>
+            <p:cNvPr id="13" name="Rectangle 12"/>
+            <p:cNvSpPr/>
+            <p:nvPr/>
+          </p:nvSpPr>
+          <p:spPr>
+            <a:xfrm>
+              <a:off x="6139715" y="2341504"/>
+              <a:ext cx="1143000" cy="762000"/>
+            </a:xfrm>
+            <a:prstGeom prst="rect">
+              <a:avLst/>
+            </a:prstGeom>
+          </p:spPr>
+          <p:style>
+            <a:lnRef idx="2">
+              <a:schemeClr val="dk1"/>
+            </a:lnRef>
+            <a:fillRef idx="1">
+              <a:schemeClr val="lt1"/>
+            </a:fillRef>
+            <a:effectRef idx="0">
+              <a:schemeClr val="dk1"/>
+            </a:effectRef>
+            <a:fontRef idx="minor">
+              <a:schemeClr val="dk1"/>
+            </a:fontRef>
+          </p:style>
+          <p:txBody>
+            <a:bodyPr rtlCol="0" anchor="ctr"/>
+            <a:lstStyle/>
+            <a:p>
+              <a:pPr algn="ctr"/>
+              <a:r>
+                <a:rPr lang="en-US" dirty="0" err="1"/>
+                <a:t>xlist-fn</a:t>
+              </a:r>
+              <a:endParaRPr lang="en-US" dirty="0"/>
+            </a:p>
+          </p:txBody>
+        </p:sp>
+        <p:cxnSp>
+          <p:nvCxnSpPr>
+            <p:cNvPr id="20" name="Straight Arrow Connector 19"/>
+            <p:cNvCxnSpPr/>
+            <p:nvPr/>
+          </p:nvCxnSpPr>
+          <p:spPr>
+            <a:xfrm>
+              <a:off x="6730265" y="3114120"/>
+              <a:ext cx="0" cy="472281"/>
+            </a:xfrm>
+            <a:prstGeom prst="straightConnector1">
+              <a:avLst/>
+            </a:prstGeom>
+            <a:ln w="19050">
+              <a:solidFill>
+                <a:schemeClr val="tx1"/>
+              </a:solidFill>
+              <a:tailEnd type="triangle"/>
+            </a:ln>
+          </p:spPr>
+          <p:style>
+            <a:lnRef idx="1">
+              <a:schemeClr val="accent1"/>
+            </a:lnRef>
+            <a:fillRef idx="0">
+              <a:schemeClr val="accent1"/>
+            </a:fillRef>
+            <a:effectRef idx="0">
+              <a:schemeClr val="accent1"/>
+            </a:effectRef>
+            <a:fontRef idx="minor">
+              <a:schemeClr val="tx1"/>
+            </a:fontRef>
+          </p:style>
+        </p:cxnSp>
+      </p:grpSp>
+      <p:grpSp>
+        <p:nvGrpSpPr>
+          <p:cNvPr id="22" name="Group 21"/>
+          <p:cNvGrpSpPr/>
+          <p:nvPr/>
+        </p:nvGrpSpPr>
+        <p:grpSpPr>
+          <a:xfrm>
+            <a:off x="1731008" y="2336194"/>
+            <a:ext cx="1143000" cy="1250207"/>
+            <a:chOff x="6139715" y="2341504"/>
+            <a:chExt cx="1143000" cy="1250207"/>
+          </a:xfrm>
+        </p:grpSpPr>
+        <p:sp>
+          <p:nvSpPr>
+            <p:cNvPr id="25" name="Rectangle 24"/>
+            <p:cNvSpPr/>
+            <p:nvPr/>
+          </p:nvSpPr>
+          <p:spPr>
+            <a:xfrm>
+              <a:off x="6139715" y="2341504"/>
+              <a:ext cx="1143000" cy="762000"/>
+            </a:xfrm>
+            <a:prstGeom prst="rect">
+              <a:avLst/>
+            </a:prstGeom>
+          </p:spPr>
+          <p:style>
+            <a:lnRef idx="2">
+              <a:schemeClr val="dk1"/>
+            </a:lnRef>
+            <a:fillRef idx="1">
+              <a:schemeClr val="lt1"/>
+            </a:fillRef>
+            <a:effectRef idx="0">
+              <a:schemeClr val="dk1"/>
+            </a:effectRef>
+            <a:fontRef idx="minor">
+              <a:schemeClr val="dk1"/>
+            </a:fontRef>
+          </p:style>
+          <p:txBody>
+            <a:bodyPr rtlCol="0" anchor="ctr"/>
+            <a:lstStyle/>
+            <a:p>
+              <a:pPr algn="ctr"/>
+              <a:r>
+                <a:rPr lang="en-US" dirty="0" err="1"/>
+                <a:t>Xlist</a:t>
+              </a:r>
+              <a:endParaRPr lang="en-US" dirty="0"/>
+            </a:p>
+          </p:txBody>
+        </p:sp>
+        <p:cxnSp>
+          <p:nvCxnSpPr>
+            <p:cNvPr id="30" name="Straight Arrow Connector 29"/>
+            <p:cNvCxnSpPr/>
+            <p:nvPr/>
+          </p:nvCxnSpPr>
+          <p:spPr>
+            <a:xfrm flipV="1">
+              <a:off x="6711215" y="3119430"/>
+              <a:ext cx="0" cy="472281"/>
+            </a:xfrm>
+            <a:prstGeom prst="straightConnector1">
+              <a:avLst/>
+            </a:prstGeom>
+            <a:ln w="19050">
+              <a:solidFill>
+                <a:schemeClr val="tx1"/>
+              </a:solidFill>
+              <a:tailEnd type="triangle"/>
+            </a:ln>
+          </p:spPr>
+          <p:style>
+            <a:lnRef idx="1">
+              <a:schemeClr val="accent1"/>
+            </a:lnRef>
+            <a:fillRef idx="0">
+              <a:schemeClr val="accent1"/>
+            </a:fillRef>
+            <a:effectRef idx="0">
+              <a:schemeClr val="accent1"/>
+            </a:effectRef>
+            <a:fontRef idx="minor">
+              <a:schemeClr val="tx1"/>
+            </a:fontRef>
+          </p:style>
+        </p:cxnSp>
+      </p:grpSp>
+      <p:sp>
+        <p:nvSpPr>
+          <p:cNvPr id="17" name="TextBox 16"/>
+          <p:cNvSpPr txBox="1"/>
+          <p:nvPr/>
+        </p:nvSpPr>
+        <p:spPr>
+          <a:xfrm>
+            <a:off x="7326680" y="2547455"/>
+            <a:ext cx="586640" cy="369332"/>
+          </a:xfrm>
+          <a:prstGeom prst="rect">
+            <a:avLst/>
+          </a:prstGeom>
+          <a:noFill/>
+        </p:spPr>
+        <p:txBody>
+          <a:bodyPr wrap="square" rtlCol="0">
+            <a:spAutoFit/>
+          </a:bodyPr>
+          <a:lstStyle/>
+          <a:p>
+            <a:r>
+              <a:rPr lang="en-US" dirty="0"/>
+              <a:t>calls</a:t>
+            </a:r>
+          </a:p>
+        </p:txBody>
+      </p:sp>
+      <p:grpSp>
+        <p:nvGrpSpPr>
+          <p:cNvPr id="10" name="Group 9"/>
+          <p:cNvGrpSpPr/>
+          <p:nvPr/>
+        </p:nvGrpSpPr>
+        <p:grpSpPr>
+          <a:xfrm>
+            <a:off x="2300585" y="1841227"/>
+            <a:ext cx="914400" cy="2201819"/>
+            <a:chOff x="2302508" y="1841227"/>
+            <a:chExt cx="914400" cy="2201819"/>
+          </a:xfrm>
+        </p:grpSpPr>
+        <p:sp>
+          <p:nvSpPr>
+            <p:cNvPr id="6" name="Arc 5"/>
+            <p:cNvSpPr/>
+            <p:nvPr/>
+          </p:nvSpPr>
+          <p:spPr>
+            <a:xfrm flipV="1">
+              <a:off x="2302508" y="3128646"/>
+              <a:ext cx="914400" cy="914400"/>
+            </a:xfrm>
+            <a:prstGeom prst="arc">
+              <a:avLst>
+                <a:gd name="adj1" fmla="val 10800000"/>
+                <a:gd name="adj2" fmla="val 109657"/>
+              </a:avLst>
+            </a:prstGeom>
+            <a:ln w="19050">
+              <a:solidFill>
+                <a:schemeClr val="tx1"/>
+              </a:solidFill>
+              <a:tailEnd type="none"/>
+            </a:ln>
+          </p:spPr>
+          <p:style>
+            <a:lnRef idx="1">
+              <a:schemeClr val="accent1"/>
+            </a:lnRef>
+            <a:fillRef idx="0">
+              <a:schemeClr val="accent1"/>
+            </a:fillRef>
+            <a:effectRef idx="0">
+              <a:schemeClr val="accent1"/>
+            </a:effectRef>
+            <a:fontRef idx="minor">
+              <a:schemeClr val="tx1"/>
+            </a:fontRef>
+          </p:style>
+          <p:txBody>
+            <a:bodyPr rtlCol="0" anchor="ctr"/>
+            <a:lstStyle/>
+            <a:p>
+              <a:pPr algn="ctr"/>
+              <a:endParaRPr lang="en-US"/>
+            </a:p>
+          </p:txBody>
+        </p:sp>
+        <p:sp>
+          <p:nvSpPr>
+            <p:cNvPr id="19" name="Arc 18"/>
+            <p:cNvSpPr/>
+            <p:nvPr/>
+          </p:nvSpPr>
+          <p:spPr>
+            <a:xfrm flipH="1">
+              <a:off x="2302508" y="1841227"/>
+              <a:ext cx="914400" cy="914400"/>
+            </a:xfrm>
+            <a:prstGeom prst="arc">
+              <a:avLst>
+                <a:gd name="adj1" fmla="val 10800000"/>
+                <a:gd name="adj2" fmla="val 109657"/>
+              </a:avLst>
+            </a:prstGeom>
+            <a:ln w="19050">
+              <a:solidFill>
+                <a:schemeClr val="tx1"/>
+              </a:solidFill>
+              <a:tailEnd type="none"/>
+            </a:ln>
+          </p:spPr>
+          <p:style>
+            <a:lnRef idx="1">
+              <a:schemeClr val="accent1"/>
+            </a:lnRef>
+            <a:fillRef idx="0">
+              <a:schemeClr val="accent1"/>
+            </a:fillRef>
+            <a:effectRef idx="0">
+              <a:schemeClr val="accent1"/>
+            </a:effectRef>
+            <a:fontRef idx="minor">
+              <a:schemeClr val="tx1"/>
+            </a:fontRef>
+          </p:style>
+          <p:txBody>
+            <a:bodyPr rtlCol="0" anchor="ctr"/>
+            <a:lstStyle/>
+            <a:p>
+              <a:pPr algn="ctr"/>
+              <a:endParaRPr lang="en-US"/>
+            </a:p>
+          </p:txBody>
+        </p:sp>
+      </p:grpSp>
+      <p:cxnSp>
+        <p:nvCxnSpPr>
+          <p:cNvPr id="8" name="Straight Connector 7"/>
+          <p:cNvCxnSpPr>
+            <a:endCxn id="6" idx="2"/>
+          </p:cNvCxnSpPr>
+          <p:nvPr/>
+        </p:nvCxnSpPr>
+        <p:spPr>
+          <a:xfrm>
+            <a:off x="3214752" y="2298427"/>
+            <a:ext cx="0" cy="1272838"/>
+          </a:xfrm>
+          <a:prstGeom prst="line">
+            <a:avLst/>
+          </a:prstGeom>
+          <a:ln w="25400">
+            <a:solidFill>
+              <a:schemeClr val="tx1"/>
+            </a:solidFill>
+            <a:tailEnd type="none"/>
+          </a:ln>
+        </p:spPr>
+        <p:style>
+          <a:lnRef idx="1">
+            <a:schemeClr val="accent1"/>
+          </a:lnRef>
+          <a:fillRef idx="0">
+            <a:schemeClr val="accent1"/>
+          </a:fillRef>
+          <a:effectRef idx="0">
+            <a:schemeClr val="accent1"/>
+          </a:effectRef>
+          <a:fontRef idx="minor">
+            <a:schemeClr val="tx1"/>
+          </a:fontRef>
+        </p:style>
+      </p:cxnSp>
+      <p:grpSp>
+        <p:nvGrpSpPr>
+          <p:cNvPr id="23" name="Group 22"/>
+          <p:cNvGrpSpPr/>
+          <p:nvPr/>
+        </p:nvGrpSpPr>
+        <p:grpSpPr>
+          <a:xfrm>
+            <a:off x="6730265" y="1854203"/>
+            <a:ext cx="914400" cy="2201819"/>
+            <a:chOff x="2302508" y="1841227"/>
+            <a:chExt cx="914400" cy="2201819"/>
+          </a:xfrm>
+        </p:grpSpPr>
+        <p:sp>
+          <p:nvSpPr>
+            <p:cNvPr id="24" name="Arc 23"/>
+            <p:cNvSpPr/>
+            <p:nvPr/>
+          </p:nvSpPr>
+          <p:spPr>
+            <a:xfrm flipV="1">
+              <a:off x="2302508" y="3128646"/>
+              <a:ext cx="914400" cy="914400"/>
+            </a:xfrm>
+            <a:prstGeom prst="arc">
+              <a:avLst>
+                <a:gd name="adj1" fmla="val 10800000"/>
+                <a:gd name="adj2" fmla="val 109657"/>
+              </a:avLst>
+            </a:prstGeom>
+            <a:ln w="19050">
+              <a:solidFill>
+                <a:schemeClr val="tx1"/>
+              </a:solidFill>
+              <a:tailEnd type="none"/>
+            </a:ln>
+          </p:spPr>
+          <p:style>
+            <a:lnRef idx="1">
+              <a:schemeClr val="accent1"/>
+            </a:lnRef>
+            <a:fillRef idx="0">
+              <a:schemeClr val="accent1"/>
+            </a:fillRef>
+            <a:effectRef idx="0">
+              <a:schemeClr val="accent1"/>
+            </a:effectRef>
+            <a:fontRef idx="minor">
+              <a:schemeClr val="tx1"/>
+            </a:fontRef>
+          </p:style>
+          <p:txBody>
+            <a:bodyPr rtlCol="0" anchor="ctr"/>
+            <a:lstStyle/>
+            <a:p>
+              <a:pPr algn="ctr"/>
+              <a:endParaRPr lang="en-US"/>
+            </a:p>
+          </p:txBody>
+        </p:sp>
+        <p:sp>
+          <p:nvSpPr>
+            <p:cNvPr id="29" name="Arc 28"/>
+            <p:cNvSpPr/>
+            <p:nvPr/>
+          </p:nvSpPr>
+          <p:spPr>
+            <a:xfrm flipH="1">
+              <a:off x="2302508" y="1841227"/>
+              <a:ext cx="914400" cy="914400"/>
+            </a:xfrm>
+            <a:prstGeom prst="arc">
+              <a:avLst>
+                <a:gd name="adj1" fmla="val 10800000"/>
+                <a:gd name="adj2" fmla="val 109657"/>
+              </a:avLst>
+            </a:prstGeom>
+            <a:ln w="19050">
+              <a:solidFill>
+                <a:schemeClr val="tx1"/>
+              </a:solidFill>
+              <a:tailEnd type="none"/>
+            </a:ln>
+          </p:spPr>
+          <p:style>
+            <a:lnRef idx="1">
+              <a:schemeClr val="accent1"/>
+            </a:lnRef>
+            <a:fillRef idx="0">
+              <a:schemeClr val="accent1"/>
+            </a:fillRef>
+            <a:effectRef idx="0">
+              <a:schemeClr val="accent1"/>
+            </a:effectRef>
+            <a:fontRef idx="minor">
+              <a:schemeClr val="tx1"/>
+            </a:fontRef>
+          </p:style>
+          <p:txBody>
+            <a:bodyPr rtlCol="0" anchor="ctr"/>
+            <a:lstStyle/>
+            <a:p>
+              <a:pPr algn="ctr"/>
+              <a:endParaRPr lang="en-US"/>
+            </a:p>
+          </p:txBody>
+        </p:sp>
+      </p:grpSp>
+      <p:cxnSp>
+        <p:nvCxnSpPr>
+          <p:cNvPr id="31" name="Straight Connector 30"/>
+          <p:cNvCxnSpPr>
+            <a:endCxn id="24" idx="2"/>
+          </p:cNvCxnSpPr>
+          <p:nvPr/>
+        </p:nvCxnSpPr>
+        <p:spPr>
+          <a:xfrm flipH="1">
+            <a:off x="7644432" y="2311403"/>
+            <a:ext cx="233" cy="1272838"/>
+          </a:xfrm>
+          <a:prstGeom prst="line">
+            <a:avLst/>
+          </a:prstGeom>
+          <a:ln w="25400">
+            <a:solidFill>
+              <a:schemeClr val="tx1"/>
+            </a:solidFill>
+            <a:tailEnd type="none"/>
+          </a:ln>
+        </p:spPr>
+        <p:style>
+          <a:lnRef idx="1">
+            <a:schemeClr val="accent1"/>
+          </a:lnRef>
+          <a:fillRef idx="0">
+            <a:schemeClr val="accent1"/>
+          </a:fillRef>
+          <a:effectRef idx="0">
+            <a:schemeClr val="accent1"/>
+          </a:effectRef>
+          <a:fontRef idx="minor">
+            <a:schemeClr val="tx1"/>
+          </a:fontRef>
+        </p:style>
+      </p:cxnSp>
+    </p:spTree>
+    <p:extLst>
+      <p:ext uri="{BB962C8B-B14F-4D97-AF65-F5344CB8AC3E}">
+        <p14:creationId xmlns:p14="http://schemas.microsoft.com/office/powerpoint/2010/main" val="3493423876"/>
+      </p:ext>
+    </p:extLst>
+  </p:cSld>
+  <p:clrMapOvr>
+    <a:masterClrMapping/>
+  </p:clrMapOvr>
+</p:sld>
+</file>
+
+<file path=ppt/slides/slide11.xml><?xml version="1.0" encoding="utf-8"?>
+<p:sld xmlns:a="http://schemas.openxmlformats.org/drawingml/2006/main" xmlns:r="http://schemas.openxmlformats.org/officeDocument/2006/relationships" xmlns:p="http://schemas.openxmlformats.org/presentationml/2006/main">
+  <p:cSld>
+    <p:spTree>
+      <p:nvGrpSpPr>
+        <p:cNvPr id="1" name=""/>
+        <p:cNvGrpSpPr/>
+        <p:nvPr/>
+      </p:nvGrpSpPr>
+      <p:grpSpPr>
+        <a:xfrm>
+          <a:off x="0" y="0"/>
+          <a:ext cx="0" cy="0"/>
+          <a:chOff x="0" y="0"/>
+          <a:chExt cx="0" cy="0"/>
+        </a:xfrm>
+      </p:grpSpPr>
+      <p:sp>
+        <p:nvSpPr>
+          <p:cNvPr id="2" name="Title 1"/>
+          <p:cNvSpPr>
+            <a:spLocks noGrp="1"/>
+          </p:cNvSpPr>
+          <p:nvPr>
+            <p:ph type="title"/>
+          </p:nvPr>
+        </p:nvSpPr>
+        <p:spPr/>
+        <p:txBody>
+          <a:bodyPr>
+            <a:normAutofit fontScale="90000"/>
+          </a:bodyPr>
+          <a:lstStyle/>
+          <a:p>
+            <a:r>
+              <a:rPr lang="en-US" dirty="0"/>
+              <a:t>From Observer Template to Function Definition</a:t>
+            </a:r>
+          </a:p>
+        </p:txBody>
+      </p:sp>
+      <p:sp>
+        <p:nvSpPr>
+          <p:cNvPr id="3" name="Content Placeholder 2"/>
+          <p:cNvSpPr>
+            <a:spLocks noGrp="1"/>
+          </p:cNvSpPr>
+          <p:nvPr>
+            <p:ph idx="1"/>
+          </p:nvPr>
+        </p:nvSpPr>
+        <p:spPr/>
+        <p:txBody>
+          <a:bodyPr/>
+          <a:lstStyle/>
+          <a:p>
+            <a:r>
+              <a:rPr lang="en-US" dirty="0"/>
+              <a:t>The observer template has two blanks in it.</a:t>
+            </a:r>
+          </a:p>
+          <a:p>
+            <a:r>
+              <a:rPr lang="en-US" dirty="0"/>
+              <a:t>Often we can get our function definition by simply filling in the blanks.</a:t>
+            </a:r>
+          </a:p>
+          <a:p>
+            <a:r>
+              <a:rPr lang="en-US" dirty="0"/>
+              <a:t>Each blank corresponds to a question</a:t>
+            </a:r>
+          </a:p>
+          <a:p>
+            <a:r>
+              <a:rPr lang="en-US" dirty="0"/>
+              <a:t>It's the same question for every function:</a:t>
+            </a:r>
+          </a:p>
+        </p:txBody>
+      </p:sp>
+      <p:sp>
+        <p:nvSpPr>
+          <p:cNvPr id="4" name="Slide Number Placeholder 3"/>
+          <p:cNvSpPr>
+            <a:spLocks noGrp="1"/>
+          </p:cNvSpPr>
+          <p:nvPr>
+            <p:ph type="sldNum" sz="quarter" idx="12"/>
+          </p:nvPr>
+        </p:nvSpPr>
+        <p:spPr/>
+        <p:txBody>
+          <a:bodyPr/>
+          <a:lstStyle/>
+          <a:p>
+            <a:fld id="{2AF3B5EA-18B6-4040-9F78-6052AF49C681}" type="slidenum">
+              <a:rPr lang="en-US" smtClean="0"/>
+              <a:t>11</a:t>
+            </a:fld>
+            <a:endParaRPr lang="en-US"/>
+          </a:p>
+        </p:txBody>
+      </p:sp>
+    </p:spTree>
+    <p:extLst>
+      <p:ext uri="{BB962C8B-B14F-4D97-AF65-F5344CB8AC3E}">
+        <p14:creationId xmlns:p14="http://schemas.microsoft.com/office/powerpoint/2010/main" val="1232661916"/>
+      </p:ext>
+    </p:extLst>
+  </p:cSld>
+  <p:clrMapOvr>
+    <a:masterClrMapping/>
+  </p:clrMapOvr>
+</p:sld>
+</file>
+
+<file path=ppt/slides/slide12.xml><?xml version="1.0" encoding="utf-8"?>
+<p:sld xmlns:a="http://schemas.openxmlformats.org/drawingml/2006/main" xmlns:r="http://schemas.openxmlformats.org/officeDocument/2006/relationships" xmlns:p="http://schemas.openxmlformats.org/presentationml/2006/main">
+  <p:cSld>
+    <p:spTree>
+      <p:nvGrpSpPr>
+        <p:cNvPr id="1" name=""/>
+        <p:cNvGrpSpPr/>
+        <p:nvPr/>
+      </p:nvGrpSpPr>
+      <p:grpSpPr>
+        <a:xfrm>
+          <a:off x="0" y="0"/>
+          <a:ext cx="0" cy="0"/>
+          <a:chOff x="0" y="0"/>
+          <a:chExt cx="0" cy="0"/>
+        </a:xfrm>
+      </p:grpSpPr>
+      <p:sp>
+        <p:nvSpPr>
+          <p:cNvPr id="2" name="Title 1"/>
+          <p:cNvSpPr>
+            <a:spLocks noGrp="1"/>
+          </p:cNvSpPr>
+          <p:nvPr>
+            <p:ph type="title"/>
+          </p:nvPr>
+        </p:nvSpPr>
+        <p:spPr/>
+        <p:txBody>
+          <a:bodyPr/>
+          <a:lstStyle/>
+          <a:p>
+            <a:r>
+              <a:rPr lang="en-US" dirty="0"/>
+              <a:t>Let’s do some examples</a:t>
+            </a:r>
+          </a:p>
+        </p:txBody>
+      </p:sp>
+      <p:sp>
+        <p:nvSpPr>
+          <p:cNvPr id="3" name="Content Placeholder 2"/>
+          <p:cNvSpPr>
+            <a:spLocks noGrp="1"/>
+          </p:cNvSpPr>
+          <p:nvPr>
+            <p:ph idx="1"/>
+          </p:nvPr>
+        </p:nvSpPr>
+        <p:spPr/>
+        <p:txBody>
+          <a:bodyPr/>
+          <a:lstStyle/>
+          <a:p>
+            <a:r>
+              <a:rPr lang="en-US" dirty="0"/>
+              <a:t>We’ll be working with the list template a lot, so let’s do some examples to illustrate how it goes.</a:t>
+            </a:r>
+          </a:p>
+          <a:p>
+            <a:r>
+              <a:rPr lang="en-US" dirty="0"/>
+              <a:t>We’ll do 5 examples, starting with one that’s very simple and working up to more complicated ones.</a:t>
+            </a:r>
+          </a:p>
+        </p:txBody>
+      </p:sp>
+      <p:sp>
+        <p:nvSpPr>
+          <p:cNvPr id="4" name="Slide Number Placeholder 3"/>
+          <p:cNvSpPr>
+            <a:spLocks noGrp="1"/>
+          </p:cNvSpPr>
+          <p:nvPr>
+            <p:ph type="sldNum" sz="quarter" idx="12"/>
+          </p:nvPr>
+        </p:nvSpPr>
+        <p:spPr/>
+        <p:txBody>
+          <a:bodyPr/>
+          <a:lstStyle/>
+          <a:p>
+            <a:fld id="{9F4492BD-6A9C-48FC-AC76-0B4FE11194A1}" type="slidenum">
+              <a:rPr lang="en-US" smtClean="0"/>
+              <a:pPr/>
+              <a:t>12</a:t>
+            </a:fld>
+            <a:endParaRPr lang="en-US"/>
+          </a:p>
+        </p:txBody>
+      </p:sp>
+    </p:spTree>
+    <p:extLst>
+      <p:ext uri="{BB962C8B-B14F-4D97-AF65-F5344CB8AC3E}">
+        <p14:creationId xmlns:p14="http://schemas.microsoft.com/office/powerpoint/2010/main" val="1982620030"/>
+      </p:ext>
+    </p:extLst>
+  </p:cSld>
+  <p:clrMapOvr>
+    <a:masterClrMapping/>
+  </p:clrMapOvr>
+</p:sld>
+</file>
+
+<file path=ppt/slides/slide13.xml><?xml version="1.0" encoding="utf-8"?>
+<p:sld xmlns:a="http://schemas.openxmlformats.org/drawingml/2006/main" xmlns:r="http://schemas.openxmlformats.org/officeDocument/2006/relationships" xmlns:p="http://schemas.openxmlformats.org/presentationml/2006/main">
+  <p:cSld>
+    <p:spTree>
+      <p:nvGrpSpPr>
+        <p:cNvPr id="1" name=""/>
+        <p:cNvGrpSpPr/>
+        <p:nvPr/>
+      </p:nvGrpSpPr>
+      <p:grpSpPr>
+        <a:xfrm>
+          <a:off x="0" y="0"/>
+          <a:ext cx="0" cy="0"/>
+          <a:chOff x="0" y="0"/>
+          <a:chExt cx="0" cy="0"/>
+        </a:xfrm>
+      </p:grpSpPr>
+      <p:sp>
+        <p:nvSpPr>
           <p:cNvPr id="3" name="Content Placeholder 2"/>
           <p:cNvSpPr>
             <a:spLocks noGrp="1"/>
@@ -4843,7 +5782,7 @@
             <a:fld id="{9F4492BD-6A9C-48FC-AC76-0B4FE11194A1}" type="slidenum">
               <a:rPr lang="en-US" smtClean="0"/>
               <a:pPr/>
-              <a:t>10</a:t>
+              <a:t>13</a:t>
             </a:fld>
             <a:endParaRPr lang="en-US"/>
           </a:p>
@@ -5266,7 +6205,7 @@
 </p:sld>
 </file>
 
-<file path=ppt/slides/slide11.xml><?xml version="1.0" encoding="utf-8"?>
+<file path=ppt/slides/slide14.xml><?xml version="1.0" encoding="utf-8"?>
 <p:sld xmlns:a="http://schemas.openxmlformats.org/drawingml/2006/main" xmlns:r="http://schemas.openxmlformats.org/officeDocument/2006/relationships" xmlns:p="http://schemas.openxmlformats.org/presentationml/2006/main">
   <p:cSld>
     <p:spTree>
@@ -5300,7 +6239,7 @@
           <a:p>
             <a:r>
               <a:rPr lang="en-US" dirty="0"/>
-              <a:t>Let’s do some examples</a:t>
+              <a:t>Data Definitions</a:t>
             </a:r>
           </a:p>
         </p:txBody>
@@ -5317,18 +6256,190 @@
         </p:nvSpPr>
         <p:spPr/>
         <p:txBody>
-          <a:bodyPr/>
+          <a:bodyPr>
+            <a:normAutofit fontScale="47500" lnSpcReduction="20000"/>
+          </a:bodyPr>
           <a:lstStyle/>
           <a:p>
             <a:r>
               <a:rPr lang="en-US" dirty="0"/>
-              <a:t>We’ll be working with the list template a lot, so let’s do some examples to illustrate how it goes.</a:t>
-            </a:r>
-          </a:p>
-          <a:p>
+              <a:t>;; A </a:t>
+            </a:r>
+            <a:r>
+              <a:rPr lang="en-US" dirty="0" err="1"/>
+              <a:t>NumberList</a:t>
+            </a:r>
             <a:r>
               <a:rPr lang="en-US" dirty="0"/>
-              <a:t>We’ll do 5 examples, starting with one that’s very simple and working up to more complicated ones.</a:t>
+              <a:t> is represented as a list of Number.</a:t>
+            </a:r>
+          </a:p>
+          <a:p>
+            <a:endParaRPr lang="en-US" dirty="0"/>
+          </a:p>
+          <a:p>
+            <a:r>
+              <a:rPr lang="en-US" dirty="0"/>
+              <a:t>;; CONSTRUCTOR TEMPLATE AND INTERPRETATION</a:t>
+            </a:r>
+          </a:p>
+          <a:p>
+            <a:r>
+              <a:rPr lang="en-US" dirty="0"/>
+              <a:t>;; empty                  -- the empty sequence</a:t>
+            </a:r>
+          </a:p>
+          <a:p>
+            <a:r>
+              <a:rPr lang="en-US" dirty="0"/>
+              <a:t>;; (cons n ns)</a:t>
+            </a:r>
+          </a:p>
+          <a:p>
+            <a:r>
+              <a:rPr lang="en-US" dirty="0"/>
+              <a:t>;;   WHERE:</a:t>
+            </a:r>
+          </a:p>
+          <a:p>
+            <a:r>
+              <a:rPr lang="en-US" dirty="0"/>
+              <a:t>;;    n  is a Number      -- the first number</a:t>
+            </a:r>
+          </a:p>
+          <a:p>
+            <a:r>
+              <a:rPr lang="en-US" dirty="0"/>
+              <a:t>;;                           in the sequence</a:t>
+            </a:r>
+          </a:p>
+          <a:p>
+            <a:r>
+              <a:rPr lang="en-US" dirty="0"/>
+              <a:t>;;    ns is a </a:t>
+            </a:r>
+            <a:r>
+              <a:rPr lang="en-US" dirty="0" err="1"/>
+              <a:t>NumberList</a:t>
+            </a:r>
+            <a:r>
+              <a:rPr lang="en-US" dirty="0"/>
+              <a:t>  -- the rest of the </a:t>
+            </a:r>
+          </a:p>
+          <a:p>
+            <a:r>
+              <a:rPr lang="en-US" dirty="0"/>
+              <a:t>;;                           numbers in the sequence</a:t>
+            </a:r>
+          </a:p>
+          <a:p>
+            <a:endParaRPr lang="en-US" dirty="0"/>
+          </a:p>
+          <a:p>
+            <a:r>
+              <a:rPr lang="en-US" dirty="0"/>
+              <a:t>;; OBSERVER TEMPLATE:</a:t>
+            </a:r>
+          </a:p>
+          <a:p>
+            <a:r>
+              <a:rPr lang="en-US" dirty="0"/>
+              <a:t>;; </a:t>
+            </a:r>
+            <a:r>
+              <a:rPr lang="en-US" dirty="0" err="1"/>
+              <a:t>nl-fn</a:t>
+            </a:r>
+            <a:r>
+              <a:rPr lang="en-US" dirty="0"/>
+              <a:t> : </a:t>
+            </a:r>
+            <a:r>
+              <a:rPr lang="en-US" dirty="0" err="1"/>
+              <a:t>NumberList</a:t>
+            </a:r>
+            <a:r>
+              <a:rPr lang="en-US" dirty="0"/>
+              <a:t> -&gt; ??</a:t>
+            </a:r>
+          </a:p>
+          <a:p>
+            <a:r>
+              <a:rPr lang="en-US" dirty="0"/>
+              <a:t>(define (</a:t>
+            </a:r>
+            <a:r>
+              <a:rPr lang="en-US" dirty="0" err="1"/>
+              <a:t>nl-fn</a:t>
+            </a:r>
+            <a:r>
+              <a:rPr lang="en-US" dirty="0"/>
+              <a:t> </a:t>
+            </a:r>
+            <a:r>
+              <a:rPr lang="en-US" dirty="0" err="1"/>
+              <a:t>lst</a:t>
+            </a:r>
+            <a:r>
+              <a:rPr lang="en-US" dirty="0"/>
+              <a:t>)</a:t>
+            </a:r>
+          </a:p>
+          <a:p>
+            <a:r>
+              <a:rPr lang="en-US" dirty="0"/>
+              <a:t>  (cond</a:t>
+            </a:r>
+          </a:p>
+          <a:p>
+            <a:r>
+              <a:rPr lang="en-US" dirty="0"/>
+              <a:t>    [(empty? </a:t>
+            </a:r>
+            <a:r>
+              <a:rPr lang="en-US" dirty="0" err="1"/>
+              <a:t>lst</a:t>
+            </a:r>
+            <a:r>
+              <a:rPr lang="en-US" dirty="0"/>
+              <a:t>) ...]</a:t>
+            </a:r>
+          </a:p>
+          <a:p>
+            <a:r>
+              <a:rPr lang="en-US" dirty="0"/>
+              <a:t>    [else (... (first </a:t>
+            </a:r>
+            <a:r>
+              <a:rPr lang="en-US" dirty="0" err="1"/>
+              <a:t>lst</a:t>
+            </a:r>
+            <a:r>
+              <a:rPr lang="en-US" dirty="0"/>
+              <a:t>)</a:t>
+            </a:r>
+          </a:p>
+          <a:p>
+            <a:r>
+              <a:rPr lang="en-US" dirty="0"/>
+              <a:t>               (</a:t>
+            </a:r>
+            <a:r>
+              <a:rPr lang="en-US" dirty="0" err="1"/>
+              <a:t>nl-fn</a:t>
+            </a:r>
+            <a:r>
+              <a:rPr lang="en-US" dirty="0"/>
+              <a:t> (rest </a:t>
+            </a:r>
+            <a:r>
+              <a:rPr lang="en-US" dirty="0" err="1"/>
+              <a:t>lst</a:t>
+            </a:r>
+            <a:r>
+              <a:rPr lang="en-US" dirty="0"/>
+              <a:t>)))]))</a:t>
             </a:r>
           </a:p>
         </p:txBody>
@@ -5348,10 +6459,9 @@
           <a:bodyPr/>
           <a:lstStyle/>
           <a:p>
-            <a:fld id="{9F4492BD-6A9C-48FC-AC76-0B4FE11194A1}" type="slidenum">
+            <a:fld id="{2AF3B5EA-18B6-4040-9F78-6052AF49C681}" type="slidenum">
               <a:rPr lang="en-US" smtClean="0"/>
-              <a:pPr/>
-              <a:t>11</a:t>
+              <a:t>14</a:t>
             </a:fld>
             <a:endParaRPr lang="en-US"/>
           </a:p>
@@ -5360,7 +6470,7 @@
     </p:spTree>
     <p:extLst>
       <p:ext uri="{BB962C8B-B14F-4D97-AF65-F5344CB8AC3E}">
-        <p14:creationId xmlns:p14="http://schemas.microsoft.com/office/powerpoint/2010/main" val="1982620030"/>
+        <p14:creationId xmlns:p14="http://schemas.microsoft.com/office/powerpoint/2010/main" val="2049377706"/>
       </p:ext>
     </p:extLst>
   </p:cSld>
@@ -5370,7 +6480,7 @@
 </p:sld>
 </file>
 
-<file path=ppt/slides/slide12.xml><?xml version="1.0" encoding="utf-8"?>
+<file path=ppt/slides/slide15.xml><?xml version="1.0" encoding="utf-8"?>
 <p:sld xmlns:a="http://schemas.openxmlformats.org/drawingml/2006/main" xmlns:r="http://schemas.openxmlformats.org/officeDocument/2006/relationships" xmlns:p="http://schemas.openxmlformats.org/presentationml/2006/main">
   <p:cSld>
     <p:spTree>
@@ -5404,282 +6514,6 @@
           <a:p>
             <a:r>
               <a:rPr lang="en-US" dirty="0"/>
-              <a:t>Data Definitions</a:t>
-            </a:r>
-          </a:p>
-        </p:txBody>
-      </p:sp>
-      <p:sp>
-        <p:nvSpPr>
-          <p:cNvPr id="3" name="Content Placeholder 2"/>
-          <p:cNvSpPr>
-            <a:spLocks noGrp="1"/>
-          </p:cNvSpPr>
-          <p:nvPr>
-            <p:ph idx="1"/>
-          </p:nvPr>
-        </p:nvSpPr>
-        <p:spPr/>
-        <p:txBody>
-          <a:bodyPr>
-            <a:normAutofit fontScale="47500" lnSpcReduction="20000"/>
-          </a:bodyPr>
-          <a:lstStyle/>
-          <a:p>
-            <a:r>
-              <a:rPr lang="en-US" dirty="0"/>
-              <a:t>;; A </a:t>
-            </a:r>
-            <a:r>
-              <a:rPr lang="en-US" dirty="0" err="1"/>
-              <a:t>NumberList</a:t>
-            </a:r>
-            <a:r>
-              <a:rPr lang="en-US" dirty="0"/>
-              <a:t> is represented as a list of Number.</a:t>
-            </a:r>
-          </a:p>
-          <a:p>
-            <a:endParaRPr lang="en-US" dirty="0"/>
-          </a:p>
-          <a:p>
-            <a:r>
-              <a:rPr lang="en-US" dirty="0"/>
-              <a:t>;; CONSTRUCTOR TEMPLATE AND INTERPRETATION</a:t>
-            </a:r>
-          </a:p>
-          <a:p>
-            <a:r>
-              <a:rPr lang="en-US" dirty="0"/>
-              <a:t>;; empty                  -- the empty sequence</a:t>
-            </a:r>
-          </a:p>
-          <a:p>
-            <a:r>
-              <a:rPr lang="en-US" dirty="0"/>
-              <a:t>;; (cons n ns)</a:t>
-            </a:r>
-          </a:p>
-          <a:p>
-            <a:r>
-              <a:rPr lang="en-US" dirty="0"/>
-              <a:t>;;   WHERE:</a:t>
-            </a:r>
-          </a:p>
-          <a:p>
-            <a:r>
-              <a:rPr lang="en-US" dirty="0"/>
-              <a:t>;;    n  is a Number      -- the first number</a:t>
-            </a:r>
-          </a:p>
-          <a:p>
-            <a:r>
-              <a:rPr lang="en-US" dirty="0"/>
-              <a:t>;;                           in the sequence</a:t>
-            </a:r>
-          </a:p>
-          <a:p>
-            <a:r>
-              <a:rPr lang="en-US" dirty="0"/>
-              <a:t>;;    ns is a </a:t>
-            </a:r>
-            <a:r>
-              <a:rPr lang="en-US" dirty="0" err="1"/>
-              <a:t>NumberList</a:t>
-            </a:r>
-            <a:r>
-              <a:rPr lang="en-US" dirty="0"/>
-              <a:t>  -- the rest of the </a:t>
-            </a:r>
-          </a:p>
-          <a:p>
-            <a:r>
-              <a:rPr lang="en-US" dirty="0"/>
-              <a:t>;;                           numbers in the sequence</a:t>
-            </a:r>
-          </a:p>
-          <a:p>
-            <a:endParaRPr lang="en-US" dirty="0"/>
-          </a:p>
-          <a:p>
-            <a:r>
-              <a:rPr lang="en-US" dirty="0"/>
-              <a:t>;; OBSERVER TEMPLATE:</a:t>
-            </a:r>
-          </a:p>
-          <a:p>
-            <a:r>
-              <a:rPr lang="en-US" dirty="0"/>
-              <a:t>;; </a:t>
-            </a:r>
-            <a:r>
-              <a:rPr lang="en-US" dirty="0" err="1"/>
-              <a:t>nl-fn</a:t>
-            </a:r>
-            <a:r>
-              <a:rPr lang="en-US" dirty="0"/>
-              <a:t> : </a:t>
-            </a:r>
-            <a:r>
-              <a:rPr lang="en-US" dirty="0" err="1"/>
-              <a:t>NumberList</a:t>
-            </a:r>
-            <a:r>
-              <a:rPr lang="en-US" dirty="0"/>
-              <a:t> -&gt; ??</a:t>
-            </a:r>
-          </a:p>
-          <a:p>
-            <a:r>
-              <a:rPr lang="en-US" dirty="0"/>
-              <a:t>(define (</a:t>
-            </a:r>
-            <a:r>
-              <a:rPr lang="en-US" dirty="0" err="1"/>
-              <a:t>nl-fn</a:t>
-            </a:r>
-            <a:r>
-              <a:rPr lang="en-US" dirty="0"/>
-              <a:t> </a:t>
-            </a:r>
-            <a:r>
-              <a:rPr lang="en-US" dirty="0" err="1"/>
-              <a:t>lst</a:t>
-            </a:r>
-            <a:r>
-              <a:rPr lang="en-US" dirty="0"/>
-              <a:t>)</a:t>
-            </a:r>
-          </a:p>
-          <a:p>
-            <a:r>
-              <a:rPr lang="en-US" dirty="0"/>
-              <a:t>  (cond</a:t>
-            </a:r>
-          </a:p>
-          <a:p>
-            <a:r>
-              <a:rPr lang="en-US" dirty="0"/>
-              <a:t>    [(empty? </a:t>
-            </a:r>
-            <a:r>
-              <a:rPr lang="en-US" dirty="0" err="1"/>
-              <a:t>lst</a:t>
-            </a:r>
-            <a:r>
-              <a:rPr lang="en-US" dirty="0"/>
-              <a:t>) ...]</a:t>
-            </a:r>
-          </a:p>
-          <a:p>
-            <a:r>
-              <a:rPr lang="en-US" dirty="0"/>
-              <a:t>    [else (... (first </a:t>
-            </a:r>
-            <a:r>
-              <a:rPr lang="en-US" dirty="0" err="1"/>
-              <a:t>lst</a:t>
-            </a:r>
-            <a:r>
-              <a:rPr lang="en-US" dirty="0"/>
-              <a:t>)</a:t>
-            </a:r>
-          </a:p>
-          <a:p>
-            <a:r>
-              <a:rPr lang="en-US" dirty="0"/>
-              <a:t>               (</a:t>
-            </a:r>
-            <a:r>
-              <a:rPr lang="en-US" dirty="0" err="1"/>
-              <a:t>nl-fn</a:t>
-            </a:r>
-            <a:r>
-              <a:rPr lang="en-US" dirty="0"/>
-              <a:t> (rest </a:t>
-            </a:r>
-            <a:r>
-              <a:rPr lang="en-US" dirty="0" err="1"/>
-              <a:t>lst</a:t>
-            </a:r>
-            <a:r>
-              <a:rPr lang="en-US" dirty="0"/>
-              <a:t>)))]))</a:t>
-            </a:r>
-            <a:endParaRPr lang="en-US" dirty="0"/>
-          </a:p>
-        </p:txBody>
-      </p:sp>
-      <p:sp>
-        <p:nvSpPr>
-          <p:cNvPr id="4" name="Slide Number Placeholder 3"/>
-          <p:cNvSpPr>
-            <a:spLocks noGrp="1"/>
-          </p:cNvSpPr>
-          <p:nvPr>
-            <p:ph type="sldNum" sz="quarter" idx="12"/>
-          </p:nvPr>
-        </p:nvSpPr>
-        <p:spPr/>
-        <p:txBody>
-          <a:bodyPr/>
-          <a:lstStyle/>
-          <a:p>
-            <a:fld id="{2AF3B5EA-18B6-4040-9F78-6052AF49C681}" type="slidenum">
-              <a:rPr lang="en-US" smtClean="0"/>
-              <a:t>12</a:t>
-            </a:fld>
-            <a:endParaRPr lang="en-US"/>
-          </a:p>
-        </p:txBody>
-      </p:sp>
-    </p:spTree>
-    <p:extLst>
-      <p:ext uri="{BB962C8B-B14F-4D97-AF65-F5344CB8AC3E}">
-        <p14:creationId xmlns:p14="http://schemas.microsoft.com/office/powerpoint/2010/main" val="2049377706"/>
-      </p:ext>
-    </p:extLst>
-  </p:cSld>
-  <p:clrMapOvr>
-    <a:masterClrMapping/>
-  </p:clrMapOvr>
-</p:sld>
-</file>
-
-<file path=ppt/slides/slide13.xml><?xml version="1.0" encoding="utf-8"?>
-<p:sld xmlns:a="http://schemas.openxmlformats.org/drawingml/2006/main" xmlns:r="http://schemas.openxmlformats.org/officeDocument/2006/relationships" xmlns:p="http://schemas.openxmlformats.org/presentationml/2006/main">
-  <p:cSld>
-    <p:spTree>
-      <p:nvGrpSpPr>
-        <p:cNvPr id="1" name=""/>
-        <p:cNvGrpSpPr/>
-        <p:nvPr/>
-      </p:nvGrpSpPr>
-      <p:grpSpPr>
-        <a:xfrm>
-          <a:off x="0" y="0"/>
-          <a:ext cx="0" cy="0"/>
-          <a:chOff x="0" y="0"/>
-          <a:chExt cx="0" cy="0"/>
-        </a:xfrm>
-      </p:grpSpPr>
-      <p:sp>
-        <p:nvSpPr>
-          <p:cNvPr id="2" name="Title 1"/>
-          <p:cNvSpPr>
-            <a:spLocks noGrp="1"/>
-          </p:cNvSpPr>
-          <p:nvPr>
-            <p:ph type="title"/>
-          </p:nvPr>
-        </p:nvSpPr>
-        <p:spPr/>
-        <p:txBody>
-          <a:bodyPr/>
-          <a:lstStyle/>
-          <a:p>
-            <a:r>
-              <a:rPr lang="en-US" dirty="0"/>
               <a:t>Example 1: </a:t>
             </a:r>
             <a:r>
@@ -5936,7 +6770,7 @@
             <a:fld id="{9F4492BD-6A9C-48FC-AC76-0B4FE11194A1}" type="slidenum">
               <a:rPr lang="en-US" smtClean="0"/>
               <a:pPr/>
-              <a:t>13</a:t>
+              <a:t>15</a:t>
             </a:fld>
             <a:endParaRPr lang="en-US"/>
           </a:p>
@@ -6051,7 +6885,7 @@
 </p:sld>
 </file>
 
-<file path=ppt/slides/slide14.xml><?xml version="1.0" encoding="utf-8"?>
+<file path=ppt/slides/slide16.xml><?xml version="1.0" encoding="utf-8"?>
 <p:sld xmlns:a="http://schemas.openxmlformats.org/drawingml/2006/main" xmlns:r="http://schemas.openxmlformats.org/officeDocument/2006/relationships" xmlns:p="http://schemas.openxmlformats.org/presentationml/2006/main">
   <p:cSld>
     <p:spTree>
@@ -6364,7 +7198,7 @@
             <a:fld id="{9F4492BD-6A9C-48FC-AC76-0B4FE11194A1}" type="slidenum">
               <a:rPr lang="en-US" smtClean="0"/>
               <a:pPr/>
-              <a:t>14</a:t>
+              <a:t>16</a:t>
             </a:fld>
             <a:endParaRPr lang="en-US"/>
           </a:p>
@@ -6466,7 +7300,7 @@
 </p:sld>
 </file>
 
-<file path=ppt/slides/slide15.xml><?xml version="1.0" encoding="utf-8"?>
+<file path=ppt/slides/slide17.xml><?xml version="1.0" encoding="utf-8"?>
 <p:sld xmlns:a="http://schemas.openxmlformats.org/drawingml/2006/main" xmlns:r="http://schemas.openxmlformats.org/officeDocument/2006/relationships" xmlns:p="http://schemas.openxmlformats.org/presentationml/2006/main">
   <p:cSld>
     <p:spTree>
@@ -6833,7 +7667,7 @@
             <a:fld id="{9F4492BD-6A9C-48FC-AC76-0B4FE11194A1}" type="slidenum">
               <a:rPr lang="en-US" smtClean="0"/>
               <a:pPr/>
-              <a:t>15</a:t>
+              <a:t>17</a:t>
             </a:fld>
             <a:endParaRPr lang="en-US"/>
           </a:p>
@@ -7785,7 +8619,7 @@
 </p:sld>
 </file>
 
-<file path=ppt/slides/slide16.xml><?xml version="1.0" encoding="utf-8"?>
+<file path=ppt/slides/slide18.xml><?xml version="1.0" encoding="utf-8"?>
 <p:sld xmlns:a="http://schemas.openxmlformats.org/drawingml/2006/main" xmlns:r="http://schemas.openxmlformats.org/officeDocument/2006/relationships" xmlns:p="http://schemas.openxmlformats.org/presentationml/2006/main">
   <p:cSld>
     <p:spTree>
@@ -8138,7 +8972,7 @@
             <a:fld id="{9F4492BD-6A9C-48FC-AC76-0B4FE11194A1}" type="slidenum">
               <a:rPr lang="en-US" smtClean="0"/>
               <a:pPr/>
-              <a:t>16</a:t>
+              <a:t>18</a:t>
             </a:fld>
             <a:endParaRPr lang="en-US"/>
           </a:p>
@@ -8405,7 +9239,7 @@
 </p:sld>
 </file>
 
-<file path=ppt/slides/slide17.xml><?xml version="1.0" encoding="utf-8"?>
+<file path=ppt/slides/slide19.xml><?xml version="1.0" encoding="utf-8"?>
 <p:sld xmlns:a="http://schemas.openxmlformats.org/drawingml/2006/main" xmlns:r="http://schemas.openxmlformats.org/officeDocument/2006/relationships" xmlns:p="http://schemas.openxmlformats.org/presentationml/2006/main">
   <p:cSld>
     <p:spTree>
@@ -8691,7 +9525,7 @@
             <a:fld id="{9F4492BD-6A9C-48FC-AC76-0B4FE11194A1}" type="slidenum">
               <a:rPr lang="en-US" smtClean="0"/>
               <a:pPr/>
-              <a:t>17</a:t>
+              <a:t>19</a:t>
             </a:fld>
             <a:endParaRPr lang="en-US"/>
           </a:p>
@@ -9166,7 +10000,7 @@
 </p:sld>
 </file>
 
-<file path=ppt/slides/slide18.xml><?xml version="1.0" encoding="utf-8"?>
+<file path=ppt/slides/slide2.xml><?xml version="1.0" encoding="utf-8"?>
 <p:sld xmlns:a="http://schemas.openxmlformats.org/drawingml/2006/main" xmlns:r="http://schemas.openxmlformats.org/officeDocument/2006/relationships" xmlns:p="http://schemas.openxmlformats.org/presentationml/2006/main">
   <p:cSld>
     <p:spTree>
@@ -9200,6 +10034,120 @@
           <a:p>
             <a:r>
               <a:rPr lang="en-US" dirty="0"/>
+              <a:t>Key Points for Lesson 4.2</a:t>
+            </a:r>
+          </a:p>
+        </p:txBody>
+      </p:sp>
+      <p:sp>
+        <p:nvSpPr>
+          <p:cNvPr id="3" name="Content Placeholder 2"/>
+          <p:cNvSpPr>
+            <a:spLocks noGrp="1"/>
+          </p:cNvSpPr>
+          <p:nvPr>
+            <p:ph idx="1"/>
+          </p:nvPr>
+        </p:nvSpPr>
+        <p:spPr/>
+        <p:txBody>
+          <a:bodyPr/>
+          <a:lstStyle/>
+          <a:p>
+            <a:pPr marL="0" indent="0">
+              <a:buNone/>
+            </a:pPr>
+            <a:r>
+              <a:rPr lang="en-US" dirty="0"/>
+              <a:t>At the end of this lesson you should be able to:</a:t>
+            </a:r>
+          </a:p>
+          <a:p>
+            <a:r>
+              <a:rPr lang="en-US" dirty="0"/>
+              <a:t>Write down the observer template for list data.</a:t>
+            </a:r>
+          </a:p>
+          <a:p>
+            <a:pPr lvl="0"/>
+            <a:r>
+              <a:rPr lang="en-US" dirty="0"/>
+              <a:t>Use the observer template for list data to write simple functions on lists. </a:t>
+            </a:r>
+          </a:p>
+        </p:txBody>
+      </p:sp>
+      <p:sp>
+        <p:nvSpPr>
+          <p:cNvPr id="4" name="Slide Number Placeholder 3"/>
+          <p:cNvSpPr>
+            <a:spLocks noGrp="1"/>
+          </p:cNvSpPr>
+          <p:nvPr>
+            <p:ph type="sldNum" sz="quarter" idx="12"/>
+          </p:nvPr>
+        </p:nvSpPr>
+        <p:spPr/>
+        <p:txBody>
+          <a:bodyPr/>
+          <a:lstStyle/>
+          <a:p>
+            <a:fld id="{9F4492BD-6A9C-48FC-AC76-0B4FE11194A1}" type="slidenum">
+              <a:rPr lang="en-US" smtClean="0"/>
+              <a:pPr/>
+              <a:t>2</a:t>
+            </a:fld>
+            <a:endParaRPr lang="en-US"/>
+          </a:p>
+        </p:txBody>
+      </p:sp>
+    </p:spTree>
+    <p:extLst>
+      <p:ext uri="{BB962C8B-B14F-4D97-AF65-F5344CB8AC3E}">
+        <p14:creationId xmlns:p14="http://schemas.microsoft.com/office/powerpoint/2010/main" val="33054906"/>
+      </p:ext>
+    </p:extLst>
+  </p:cSld>
+  <p:clrMapOvr>
+    <a:masterClrMapping/>
+  </p:clrMapOvr>
+</p:sld>
+</file>
+
+<file path=ppt/slides/slide20.xml><?xml version="1.0" encoding="utf-8"?>
+<p:sld xmlns:a="http://schemas.openxmlformats.org/drawingml/2006/main" xmlns:r="http://schemas.openxmlformats.org/officeDocument/2006/relationships" xmlns:p="http://schemas.openxmlformats.org/presentationml/2006/main">
+  <p:cSld>
+    <p:spTree>
+      <p:nvGrpSpPr>
+        <p:cNvPr id="1" name=""/>
+        <p:cNvGrpSpPr/>
+        <p:nvPr/>
+      </p:nvGrpSpPr>
+      <p:grpSpPr>
+        <a:xfrm>
+          <a:off x="0" y="0"/>
+          <a:ext cx="0" cy="0"/>
+          <a:chOff x="0" y="0"/>
+          <a:chExt cx="0" cy="0"/>
+        </a:xfrm>
+      </p:grpSpPr>
+      <p:sp>
+        <p:nvSpPr>
+          <p:cNvPr id="2" name="Title 1"/>
+          <p:cNvSpPr>
+            <a:spLocks noGrp="1"/>
+          </p:cNvSpPr>
+          <p:nvPr>
+            <p:ph type="title"/>
+          </p:nvPr>
+        </p:nvSpPr>
+        <p:spPr/>
+        <p:txBody>
+          <a:bodyPr/>
+          <a:lstStyle/>
+          <a:p>
+            <a:r>
+              <a:rPr lang="en-US" dirty="0"/>
               <a:t>Example 2: </a:t>
             </a:r>
             <a:r>
@@ -9464,7 +10412,7 @@
             <a:fld id="{9F4492BD-6A9C-48FC-AC76-0B4FE11194A1}" type="slidenum">
               <a:rPr lang="en-US" smtClean="0"/>
               <a:pPr/>
-              <a:t>18</a:t>
+              <a:t>20</a:t>
             </a:fld>
             <a:endParaRPr lang="en-US"/>
           </a:p>
@@ -9542,7 +10490,7 @@
 </p:sld>
 </file>
 
-<file path=ppt/slides/slide19.xml><?xml version="1.0" encoding="utf-8"?>
+<file path=ppt/slides/slide21.xml><?xml version="1.0" encoding="utf-8"?>
 <p:sld xmlns:a="http://schemas.openxmlformats.org/drawingml/2006/main" xmlns:r="http://schemas.openxmlformats.org/officeDocument/2006/relationships" xmlns:p="http://schemas.openxmlformats.org/presentationml/2006/main">
   <p:cSld>
     <p:spTree>
@@ -9834,7 +10782,7 @@
             <a:fld id="{9F4492BD-6A9C-48FC-AC76-0B4FE11194A1}" type="slidenum">
               <a:rPr lang="en-US" smtClean="0"/>
               <a:pPr/>
-              <a:t>19</a:t>
+              <a:t>21</a:t>
             </a:fld>
             <a:endParaRPr lang="en-US"/>
           </a:p>
@@ -10734,7 +11682,7 @@
 </p:sld>
 </file>
 
-<file path=ppt/slides/slide2.xml><?xml version="1.0" encoding="utf-8"?>
+<file path=ppt/slides/slide22.xml><?xml version="1.0" encoding="utf-8"?>
 <p:sld xmlns:a="http://schemas.openxmlformats.org/drawingml/2006/main" xmlns:r="http://schemas.openxmlformats.org/officeDocument/2006/relationships" xmlns:p="http://schemas.openxmlformats.org/presentationml/2006/main">
   <p:cSld>
     <p:spTree>
@@ -10768,120 +11716,6 @@
           <a:p>
             <a:r>
               <a:rPr lang="en-US" dirty="0"/>
-              <a:t>Key Points for Lesson 4.2</a:t>
-            </a:r>
-          </a:p>
-        </p:txBody>
-      </p:sp>
-      <p:sp>
-        <p:nvSpPr>
-          <p:cNvPr id="3" name="Content Placeholder 2"/>
-          <p:cNvSpPr>
-            <a:spLocks noGrp="1"/>
-          </p:cNvSpPr>
-          <p:nvPr>
-            <p:ph idx="1"/>
-          </p:nvPr>
-        </p:nvSpPr>
-        <p:spPr/>
-        <p:txBody>
-          <a:bodyPr/>
-          <a:lstStyle/>
-          <a:p>
-            <a:pPr marL="0" indent="0">
-              <a:buNone/>
-            </a:pPr>
-            <a:r>
-              <a:rPr lang="en-US" dirty="0"/>
-              <a:t>At the end of this lesson you should be able to:</a:t>
-            </a:r>
-          </a:p>
-          <a:p>
-            <a:r>
-              <a:rPr lang="en-US" dirty="0"/>
-              <a:t>Write down the observer template for list data.</a:t>
-            </a:r>
-          </a:p>
-          <a:p>
-            <a:pPr lvl="0"/>
-            <a:r>
-              <a:rPr lang="en-US" dirty="0"/>
-              <a:t>Use the observer template for list data to write simple functions on lists. </a:t>
-            </a:r>
-          </a:p>
-        </p:txBody>
-      </p:sp>
-      <p:sp>
-        <p:nvSpPr>
-          <p:cNvPr id="4" name="Slide Number Placeholder 3"/>
-          <p:cNvSpPr>
-            <a:spLocks noGrp="1"/>
-          </p:cNvSpPr>
-          <p:nvPr>
-            <p:ph type="sldNum" sz="quarter" idx="12"/>
-          </p:nvPr>
-        </p:nvSpPr>
-        <p:spPr/>
-        <p:txBody>
-          <a:bodyPr/>
-          <a:lstStyle/>
-          <a:p>
-            <a:fld id="{9F4492BD-6A9C-48FC-AC76-0B4FE11194A1}" type="slidenum">
-              <a:rPr lang="en-US" smtClean="0"/>
-              <a:pPr/>
-              <a:t>2</a:t>
-            </a:fld>
-            <a:endParaRPr lang="en-US"/>
-          </a:p>
-        </p:txBody>
-      </p:sp>
-    </p:spTree>
-    <p:extLst>
-      <p:ext uri="{BB962C8B-B14F-4D97-AF65-F5344CB8AC3E}">
-        <p14:creationId xmlns:p14="http://schemas.microsoft.com/office/powerpoint/2010/main" val="33054906"/>
-      </p:ext>
-    </p:extLst>
-  </p:cSld>
-  <p:clrMapOvr>
-    <a:masterClrMapping/>
-  </p:clrMapOvr>
-</p:sld>
-</file>
-
-<file path=ppt/slides/slide20.xml><?xml version="1.0" encoding="utf-8"?>
-<p:sld xmlns:a="http://schemas.openxmlformats.org/drawingml/2006/main" xmlns:r="http://schemas.openxmlformats.org/officeDocument/2006/relationships" xmlns:p="http://schemas.openxmlformats.org/presentationml/2006/main">
-  <p:cSld>
-    <p:spTree>
-      <p:nvGrpSpPr>
-        <p:cNvPr id="1" name=""/>
-        <p:cNvGrpSpPr/>
-        <p:nvPr/>
-      </p:nvGrpSpPr>
-      <p:grpSpPr>
-        <a:xfrm>
-          <a:off x="0" y="0"/>
-          <a:ext cx="0" cy="0"/>
-          <a:chOff x="0" y="0"/>
-          <a:chExt cx="0" cy="0"/>
-        </a:xfrm>
-      </p:grpSpPr>
-      <p:sp>
-        <p:nvSpPr>
-          <p:cNvPr id="2" name="Title 1"/>
-          <p:cNvSpPr>
-            <a:spLocks noGrp="1"/>
-          </p:cNvSpPr>
-          <p:nvPr>
-            <p:ph type="title"/>
-          </p:nvPr>
-        </p:nvSpPr>
-        <p:spPr/>
-        <p:txBody>
-          <a:bodyPr/>
-          <a:lstStyle/>
-          <a:p>
-            <a:r>
-              <a:rPr lang="en-US" dirty="0"/>
               <a:t>Watch this work:</a:t>
             </a:r>
           </a:p>
@@ -11127,7 +11961,7 @@
             <a:fld id="{9F4492BD-6A9C-48FC-AC76-0B4FE11194A1}" type="slidenum">
               <a:rPr lang="en-US" smtClean="0"/>
               <a:pPr/>
-              <a:t>20</a:t>
+              <a:t>22</a:t>
             </a:fld>
             <a:endParaRPr lang="en-US"/>
           </a:p>
@@ -11519,7 +12353,7 @@
 </p:sld>
 </file>
 
-<file path=ppt/slides/slide21.xml><?xml version="1.0" encoding="utf-8"?>
+<file path=ppt/slides/slide23.xml><?xml version="1.0" encoding="utf-8"?>
 <p:sld xmlns:a="http://schemas.openxmlformats.org/drawingml/2006/main" xmlns:r="http://schemas.openxmlformats.org/officeDocument/2006/relationships" xmlns:p="http://schemas.openxmlformats.org/presentationml/2006/main">
   <p:cSld>
     <p:spTree>
@@ -11793,7 +12627,7 @@
             <a:fld id="{9F4492BD-6A9C-48FC-AC76-0B4FE11194A1}" type="slidenum">
               <a:rPr lang="en-US" smtClean="0"/>
               <a:pPr/>
-              <a:t>21</a:t>
+              <a:t>23</a:t>
             </a:fld>
             <a:endParaRPr lang="en-US"/>
           </a:p>
@@ -11812,7 +12646,7 @@
 </p:sld>
 </file>
 
-<file path=ppt/slides/slide22.xml><?xml version="1.0" encoding="utf-8"?>
+<file path=ppt/slides/slide24.xml><?xml version="1.0" encoding="utf-8"?>
 <p:sld xmlns:a="http://schemas.openxmlformats.org/drawingml/2006/main" xmlns:r="http://schemas.openxmlformats.org/officeDocument/2006/relationships" xmlns:p="http://schemas.openxmlformats.org/presentationml/2006/main">
   <p:cSld>
     <p:spTree>
@@ -12065,7 +12899,7 @@
             <a:fld id="{9F4492BD-6A9C-48FC-AC76-0B4FE11194A1}" type="slidenum">
               <a:rPr lang="en-US" smtClean="0"/>
               <a:pPr/>
-              <a:t>22</a:t>
+              <a:t>24</a:t>
             </a:fld>
             <a:endParaRPr lang="en-US"/>
           </a:p>
@@ -12933,7 +13767,7 @@
 </p:sld>
 </file>
 
-<file path=ppt/slides/slide23.xml><?xml version="1.0" encoding="utf-8"?>
+<file path=ppt/slides/slide25.xml><?xml version="1.0" encoding="utf-8"?>
 <p:sld xmlns:a="http://schemas.openxmlformats.org/drawingml/2006/main" xmlns:r="http://schemas.openxmlformats.org/officeDocument/2006/relationships" xmlns:p="http://schemas.openxmlformats.org/presentationml/2006/main">
   <p:cSld>
     <p:spTree>
@@ -13150,7 +13984,7 @@
             <a:fld id="{9F4492BD-6A9C-48FC-AC76-0B4FE11194A1}" type="slidenum">
               <a:rPr lang="en-US" smtClean="0"/>
               <a:pPr/>
-              <a:t>23</a:t>
+              <a:t>25</a:t>
             </a:fld>
             <a:endParaRPr lang="en-US"/>
           </a:p>
@@ -13395,7 +14229,7 @@
 </p:sld>
 </file>
 
-<file path=ppt/slides/slide24.xml><?xml version="1.0" encoding="utf-8"?>
+<file path=ppt/slides/slide26.xml><?xml version="1.0" encoding="utf-8"?>
 <p:sld xmlns:a="http://schemas.openxmlformats.org/drawingml/2006/main" xmlns:r="http://schemas.openxmlformats.org/officeDocument/2006/relationships" xmlns:p="http://schemas.openxmlformats.org/presentationml/2006/main">
   <p:cSld>
     <p:spTree>
@@ -13541,7 +14375,7 @@
             <a:fld id="{9F4492BD-6A9C-48FC-AC76-0B4FE11194A1}" type="slidenum">
               <a:rPr lang="en-US" smtClean="0"/>
               <a:pPr/>
-              <a:t>24</a:t>
+              <a:t>26</a:t>
             </a:fld>
             <a:endParaRPr lang="en-US"/>
           </a:p>
@@ -13560,7 +14394,7 @@
 </p:sld>
 </file>
 
-<file path=ppt/slides/slide25.xml><?xml version="1.0" encoding="utf-8"?>
+<file path=ppt/slides/slide27.xml><?xml version="1.0" encoding="utf-8"?>
 <p:sld xmlns:a="http://schemas.openxmlformats.org/drawingml/2006/main" xmlns:r="http://schemas.openxmlformats.org/officeDocument/2006/relationships" xmlns:p="http://schemas.openxmlformats.org/presentationml/2006/main">
   <p:cSld>
     <p:spTree>
@@ -13829,7 +14663,7 @@
             <a:fld id="{9F4492BD-6A9C-48FC-AC76-0B4FE11194A1}" type="slidenum">
               <a:rPr lang="en-US" smtClean="0"/>
               <a:pPr/>
-              <a:t>25</a:t>
+              <a:t>27</a:t>
             </a:fld>
             <a:endParaRPr lang="en-US"/>
           </a:p>
@@ -13914,7 +14748,7 @@
 </p:sld>
 </file>
 
-<file path=ppt/slides/slide26.xml><?xml version="1.0" encoding="utf-8"?>
+<file path=ppt/slides/slide28.xml><?xml version="1.0" encoding="utf-8"?>
 <p:sld xmlns:a="http://schemas.openxmlformats.org/drawingml/2006/main" xmlns:r="http://schemas.openxmlformats.org/officeDocument/2006/relationships" xmlns:p="http://schemas.openxmlformats.org/presentationml/2006/main">
   <p:cSld>
     <p:spTree>
@@ -14696,7 +15530,7 @@
             <a:fld id="{9F4492BD-6A9C-48FC-AC76-0B4FE11194A1}" type="slidenum">
               <a:rPr lang="en-US" smtClean="0"/>
               <a:pPr/>
-              <a:t>26</a:t>
+              <a:t>28</a:t>
             </a:fld>
             <a:endParaRPr lang="en-US"/>
           </a:p>
@@ -15191,7 +16025,7 @@
 </p:sld>
 </file>
 
-<file path=ppt/slides/slide27.xml><?xml version="1.0" encoding="utf-8"?>
+<file path=ppt/slides/slide29.xml><?xml version="1.0" encoding="utf-8"?>
 <p:sld xmlns:a="http://schemas.openxmlformats.org/drawingml/2006/main" xmlns:r="http://schemas.openxmlformats.org/officeDocument/2006/relationships" xmlns:p="http://schemas.openxmlformats.org/presentationml/2006/main">
   <p:cSld>
     <p:spTree>
@@ -15591,7 +16425,7 @@
             <a:fld id="{9F4492BD-6A9C-48FC-AC76-0B4FE11194A1}" type="slidenum">
               <a:rPr lang="en-US" smtClean="0"/>
               <a:pPr/>
-              <a:t>27</a:t>
+              <a:t>29</a:t>
             </a:fld>
             <a:endParaRPr lang="en-US"/>
           </a:p>
@@ -15758,7 +16592,205 @@
 </p:sld>
 </file>
 
-<file path=ppt/slides/slide28.xml><?xml version="1.0" encoding="utf-8"?>
+<file path=ppt/slides/slide3.xml><?xml version="1.0" encoding="utf-8"?>
+<p:sld xmlns:a="http://schemas.openxmlformats.org/drawingml/2006/main" xmlns:r="http://schemas.openxmlformats.org/officeDocument/2006/relationships" xmlns:p="http://schemas.openxmlformats.org/presentationml/2006/main">
+  <p:cSld>
+    <p:spTree>
+      <p:nvGrpSpPr>
+        <p:cNvPr id="1" name=""/>
+        <p:cNvGrpSpPr/>
+        <p:nvPr/>
+      </p:nvGrpSpPr>
+      <p:grpSpPr>
+        <a:xfrm>
+          <a:off x="0" y="0"/>
+          <a:ext cx="0" cy="0"/>
+          <a:chOff x="0" y="0"/>
+          <a:chExt cx="0" cy="0"/>
+        </a:xfrm>
+      </p:grpSpPr>
+      <p:sp>
+        <p:nvSpPr>
+          <p:cNvPr id="2" name="Title 1"/>
+          <p:cNvSpPr>
+            <a:spLocks noGrp="1"/>
+          </p:cNvSpPr>
+          <p:nvPr>
+            <p:ph type="title"/>
+          </p:nvPr>
+        </p:nvSpPr>
+        <p:spPr/>
+        <p:txBody>
+          <a:bodyPr>
+            <a:normAutofit fontScale="90000"/>
+          </a:bodyPr>
+          <a:lstStyle/>
+          <a:p>
+            <a:r>
+              <a:rPr lang="en-US" dirty="0"/>
+              <a:t>Review: The Constructor Templates for </a:t>
+            </a:r>
+            <a:r>
+              <a:rPr lang="en-US" dirty="0" err="1"/>
+              <a:t>XList</a:t>
+            </a:r>
+            <a:endParaRPr lang="en-US" dirty="0"/>
+          </a:p>
+        </p:txBody>
+      </p:sp>
+      <p:sp>
+        <p:nvSpPr>
+          <p:cNvPr id="4" name="Content Placeholder 3"/>
+          <p:cNvSpPr>
+            <a:spLocks noGrp="1"/>
+          </p:cNvSpPr>
+          <p:nvPr>
+            <p:ph idx="1"/>
+          </p:nvPr>
+        </p:nvSpPr>
+        <p:spPr/>
+        <p:txBody>
+          <a:bodyPr>
+            <a:normAutofit/>
+          </a:bodyPr>
+          <a:lstStyle/>
+          <a:p>
+            <a:r>
+              <a:rPr lang="en-US" dirty="0"/>
+              <a:t>A </a:t>
+            </a:r>
+            <a:r>
+              <a:rPr lang="en-US" dirty="0" err="1"/>
+              <a:t>XList</a:t>
+            </a:r>
+            <a:r>
+              <a:rPr lang="en-US" dirty="0"/>
+              <a:t> is one of</a:t>
+            </a:r>
+          </a:p>
+          <a:p>
+            <a:r>
+              <a:rPr lang="en-US" dirty="0"/>
+              <a:t>-- empty   </a:t>
+            </a:r>
+          </a:p>
+          <a:p>
+            <a:r>
+              <a:rPr lang="en-US" dirty="0"/>
+              <a:t>-- (cons X </a:t>
+            </a:r>
+            <a:r>
+              <a:rPr lang="en-US" dirty="0" err="1"/>
+              <a:t>XList</a:t>
+            </a:r>
+            <a:r>
+              <a:rPr lang="en-US" dirty="0"/>
+              <a:t>)</a:t>
+            </a:r>
+          </a:p>
+          <a:p>
+            <a:endParaRPr lang="en-US" dirty="0"/>
+          </a:p>
+        </p:txBody>
+      </p:sp>
+      <p:sp>
+        <p:nvSpPr>
+          <p:cNvPr id="3" name="Slide Number Placeholder 2"/>
+          <p:cNvSpPr>
+            <a:spLocks noGrp="1"/>
+          </p:cNvSpPr>
+          <p:nvPr>
+            <p:ph type="sldNum" sz="quarter" idx="12"/>
+          </p:nvPr>
+        </p:nvSpPr>
+        <p:spPr/>
+        <p:txBody>
+          <a:bodyPr/>
+          <a:lstStyle/>
+          <a:p>
+            <a:fld id="{2AF3B5EA-18B6-4040-9F78-6052AF49C681}" type="slidenum">
+              <a:rPr lang="en-US" smtClean="0"/>
+              <a:t>3</a:t>
+            </a:fld>
+            <a:endParaRPr lang="en-US"/>
+          </a:p>
+        </p:txBody>
+      </p:sp>
+      <p:sp>
+        <p:nvSpPr>
+          <p:cNvPr id="6" name="Rectangle 5"/>
+          <p:cNvSpPr/>
+          <p:nvPr/>
+        </p:nvSpPr>
+        <p:spPr>
+          <a:xfrm>
+            <a:off x="5132173" y="1681305"/>
+            <a:ext cx="3554627" cy="2016051"/>
+          </a:xfrm>
+          <a:prstGeom prst="rect">
+            <a:avLst/>
+          </a:prstGeom>
+          <a:solidFill>
+            <a:schemeClr val="accent1">
+              <a:lumMod val="20000"/>
+              <a:lumOff val="80000"/>
+            </a:schemeClr>
+          </a:solidFill>
+          <a:ln>
+            <a:noFill/>
+          </a:ln>
+        </p:spPr>
+        <p:style>
+          <a:lnRef idx="2">
+            <a:schemeClr val="accent1"/>
+          </a:lnRef>
+          <a:fillRef idx="1">
+            <a:schemeClr val="lt1"/>
+          </a:fillRef>
+          <a:effectRef idx="0">
+            <a:schemeClr val="accent1"/>
+          </a:effectRef>
+          <a:fontRef idx="minor">
+            <a:schemeClr val="dk1"/>
+          </a:fontRef>
+        </p:style>
+        <p:txBody>
+          <a:bodyPr rot="0" spcFirstLastPara="0" vertOverflow="overflow" horzOverflow="overflow" vert="horz" wrap="square" lIns="91440" tIns="45720" rIns="91440" bIns="45720" numCol="1" spcCol="0" rtlCol="0" fromWordArt="0" anchor="ctr" anchorCtr="0" forceAA="0" compatLnSpc="1">
+            <a:prstTxWarp prst="textNoShape">
+              <a:avLst/>
+            </a:prstTxWarp>
+            <a:noAutofit/>
+          </a:bodyPr>
+          <a:lstStyle/>
+          <a:p>
+            <a:pPr>
+              <a:defRPr/>
+            </a:pPr>
+            <a:r>
+              <a:rPr lang="en-US" sz="2400" dirty="0">
+                <a:solidFill>
+                  <a:schemeClr val="tx1"/>
+                </a:solidFill>
+              </a:rPr>
+              <a:t>Here are the constructor templates for a list of X's.  This means that any XList must look like one of these two forms</a:t>
+            </a:r>
+          </a:p>
+        </p:txBody>
+      </p:sp>
+    </p:spTree>
+    <p:extLst>
+      <p:ext uri="{BB962C8B-B14F-4D97-AF65-F5344CB8AC3E}">
+        <p14:creationId xmlns:p14="http://schemas.microsoft.com/office/powerpoint/2010/main" val="3295361202"/>
+      </p:ext>
+    </p:extLst>
+  </p:cSld>
+  <p:clrMapOvr>
+    <a:masterClrMapping/>
+  </p:clrMapOvr>
+</p:sld>
+</file>
+
+<file path=ppt/slides/slide30.xml><?xml version="1.0" encoding="utf-8"?>
 <p:sld xmlns:a="http://schemas.openxmlformats.org/drawingml/2006/main" xmlns:r="http://schemas.openxmlformats.org/officeDocument/2006/relationships" xmlns:p="http://schemas.openxmlformats.org/presentationml/2006/main">
   <p:cSld>
     <p:spTree>
@@ -16165,7 +17197,7 @@
             <a:fld id="{9F4492BD-6A9C-48FC-AC76-0B4FE11194A1}" type="slidenum">
               <a:rPr lang="en-US" smtClean="0"/>
               <a:pPr/>
-              <a:t>28</a:t>
+              <a:t>30</a:t>
             </a:fld>
             <a:endParaRPr lang="en-US"/>
           </a:p>
@@ -16243,7 +17275,7 @@
 </p:sld>
 </file>
 
-<file path=ppt/slides/slide29.xml><?xml version="1.0" encoding="utf-8"?>
+<file path=ppt/slides/slide31.xml><?xml version="1.0" encoding="utf-8"?>
 <p:sld xmlns:a="http://schemas.openxmlformats.org/drawingml/2006/main" xmlns:r="http://schemas.openxmlformats.org/officeDocument/2006/relationships" xmlns:p="http://schemas.openxmlformats.org/presentationml/2006/main">
   <p:cSld>
     <p:spTree>
@@ -16526,7 +17558,7 @@
             <a:fld id="{9F4492BD-6A9C-48FC-AC76-0B4FE11194A1}" type="slidenum">
               <a:rPr lang="en-US" smtClean="0"/>
               <a:pPr/>
-              <a:t>29</a:t>
+              <a:t>31</a:t>
             </a:fld>
             <a:endParaRPr lang="en-US"/>
           </a:p>
@@ -16749,205 +17781,7 @@
 </p:sld>
 </file>
 
-<file path=ppt/slides/slide3.xml><?xml version="1.0" encoding="utf-8"?>
-<p:sld xmlns:a="http://schemas.openxmlformats.org/drawingml/2006/main" xmlns:r="http://schemas.openxmlformats.org/officeDocument/2006/relationships" xmlns:p="http://schemas.openxmlformats.org/presentationml/2006/main">
-  <p:cSld>
-    <p:spTree>
-      <p:nvGrpSpPr>
-        <p:cNvPr id="1" name=""/>
-        <p:cNvGrpSpPr/>
-        <p:nvPr/>
-      </p:nvGrpSpPr>
-      <p:grpSpPr>
-        <a:xfrm>
-          <a:off x="0" y="0"/>
-          <a:ext cx="0" cy="0"/>
-          <a:chOff x="0" y="0"/>
-          <a:chExt cx="0" cy="0"/>
-        </a:xfrm>
-      </p:grpSpPr>
-      <p:sp>
-        <p:nvSpPr>
-          <p:cNvPr id="2" name="Title 1"/>
-          <p:cNvSpPr>
-            <a:spLocks noGrp="1"/>
-          </p:cNvSpPr>
-          <p:nvPr>
-            <p:ph type="title"/>
-          </p:nvPr>
-        </p:nvSpPr>
-        <p:spPr/>
-        <p:txBody>
-          <a:bodyPr>
-            <a:normAutofit fontScale="90000"/>
-          </a:bodyPr>
-          <a:lstStyle/>
-          <a:p>
-            <a:r>
-              <a:rPr lang="en-US" dirty="0"/>
-              <a:t>Review: The Constructor Templates for </a:t>
-            </a:r>
-            <a:r>
-              <a:rPr lang="en-US" dirty="0" err="1"/>
-              <a:t>XList</a:t>
-            </a:r>
-            <a:endParaRPr lang="en-US" dirty="0"/>
-          </a:p>
-        </p:txBody>
-      </p:sp>
-      <p:sp>
-        <p:nvSpPr>
-          <p:cNvPr id="4" name="Content Placeholder 3"/>
-          <p:cNvSpPr>
-            <a:spLocks noGrp="1"/>
-          </p:cNvSpPr>
-          <p:nvPr>
-            <p:ph idx="1"/>
-          </p:nvPr>
-        </p:nvSpPr>
-        <p:spPr/>
-        <p:txBody>
-          <a:bodyPr>
-            <a:normAutofit/>
-          </a:bodyPr>
-          <a:lstStyle/>
-          <a:p>
-            <a:r>
-              <a:rPr lang="en-US" dirty="0"/>
-              <a:t>A </a:t>
-            </a:r>
-            <a:r>
-              <a:rPr lang="en-US" dirty="0" err="1"/>
-              <a:t>XList</a:t>
-            </a:r>
-            <a:r>
-              <a:rPr lang="en-US" dirty="0"/>
-              <a:t> is one of</a:t>
-            </a:r>
-          </a:p>
-          <a:p>
-            <a:r>
-              <a:rPr lang="en-US" dirty="0"/>
-              <a:t>-- empty   </a:t>
-            </a:r>
-          </a:p>
-          <a:p>
-            <a:r>
-              <a:rPr lang="en-US" dirty="0"/>
-              <a:t>-- (cons X </a:t>
-            </a:r>
-            <a:r>
-              <a:rPr lang="en-US" dirty="0" err="1"/>
-              <a:t>XList</a:t>
-            </a:r>
-            <a:r>
-              <a:rPr lang="en-US" dirty="0"/>
-              <a:t>)</a:t>
-            </a:r>
-          </a:p>
-          <a:p>
-            <a:endParaRPr lang="en-US" dirty="0"/>
-          </a:p>
-        </p:txBody>
-      </p:sp>
-      <p:sp>
-        <p:nvSpPr>
-          <p:cNvPr id="3" name="Slide Number Placeholder 2"/>
-          <p:cNvSpPr>
-            <a:spLocks noGrp="1"/>
-          </p:cNvSpPr>
-          <p:nvPr>
-            <p:ph type="sldNum" sz="quarter" idx="12"/>
-          </p:nvPr>
-        </p:nvSpPr>
-        <p:spPr/>
-        <p:txBody>
-          <a:bodyPr/>
-          <a:lstStyle/>
-          <a:p>
-            <a:fld id="{2AF3B5EA-18B6-4040-9F78-6052AF49C681}" type="slidenum">
-              <a:rPr lang="en-US" smtClean="0"/>
-              <a:t>3</a:t>
-            </a:fld>
-            <a:endParaRPr lang="en-US"/>
-          </a:p>
-        </p:txBody>
-      </p:sp>
-      <p:sp>
-        <p:nvSpPr>
-          <p:cNvPr id="6" name="Rectangle 5"/>
-          <p:cNvSpPr/>
-          <p:nvPr/>
-        </p:nvSpPr>
-        <p:spPr>
-          <a:xfrm>
-            <a:off x="5132173" y="1681305"/>
-            <a:ext cx="3554627" cy="2016051"/>
-          </a:xfrm>
-          <a:prstGeom prst="rect">
-            <a:avLst/>
-          </a:prstGeom>
-          <a:solidFill>
-            <a:schemeClr val="accent1">
-              <a:lumMod val="20000"/>
-              <a:lumOff val="80000"/>
-            </a:schemeClr>
-          </a:solidFill>
-          <a:ln>
-            <a:noFill/>
-          </a:ln>
-        </p:spPr>
-        <p:style>
-          <a:lnRef idx="2">
-            <a:schemeClr val="accent1"/>
-          </a:lnRef>
-          <a:fillRef idx="1">
-            <a:schemeClr val="lt1"/>
-          </a:fillRef>
-          <a:effectRef idx="0">
-            <a:schemeClr val="accent1"/>
-          </a:effectRef>
-          <a:fontRef idx="minor">
-            <a:schemeClr val="dk1"/>
-          </a:fontRef>
-        </p:style>
-        <p:txBody>
-          <a:bodyPr rot="0" spcFirstLastPara="0" vertOverflow="overflow" horzOverflow="overflow" vert="horz" wrap="square" lIns="91440" tIns="45720" rIns="91440" bIns="45720" numCol="1" spcCol="0" rtlCol="0" fromWordArt="0" anchor="ctr" anchorCtr="0" forceAA="0" compatLnSpc="1">
-            <a:prstTxWarp prst="textNoShape">
-              <a:avLst/>
-            </a:prstTxWarp>
-            <a:noAutofit/>
-          </a:bodyPr>
-          <a:lstStyle/>
-          <a:p>
-            <a:pPr>
-              <a:defRPr/>
-            </a:pPr>
-            <a:r>
-              <a:rPr lang="en-US" sz="2400" dirty="0">
-                <a:solidFill>
-                  <a:schemeClr val="tx1"/>
-                </a:solidFill>
-              </a:rPr>
-              <a:t>Here are the constructor templates for a list of X's.  This means that any XList must look like one of these two forms</a:t>
-            </a:r>
-          </a:p>
-        </p:txBody>
-      </p:sp>
-    </p:spTree>
-    <p:extLst>
-      <p:ext uri="{BB962C8B-B14F-4D97-AF65-F5344CB8AC3E}">
-        <p14:creationId xmlns:p14="http://schemas.microsoft.com/office/powerpoint/2010/main" val="3295361202"/>
-      </p:ext>
-    </p:extLst>
-  </p:cSld>
-  <p:clrMapOvr>
-    <a:masterClrMapping/>
-  </p:clrMapOvr>
-</p:sld>
-</file>
-
-<file path=ppt/slides/slide30.xml><?xml version="1.0" encoding="utf-8"?>
+<file path=ppt/slides/slide32.xml><?xml version="1.0" encoding="utf-8"?>
 <p:sld xmlns:a="http://schemas.openxmlformats.org/drawingml/2006/main" xmlns:r="http://schemas.openxmlformats.org/officeDocument/2006/relationships" xmlns:p="http://schemas.openxmlformats.org/presentationml/2006/main">
   <p:cSld>
     <p:spTree>
@@ -17696,7 +18530,7 @@
             <a:fld id="{9F4492BD-6A9C-48FC-AC76-0B4FE11194A1}" type="slidenum">
               <a:rPr lang="en-US" smtClean="0"/>
               <a:pPr/>
-              <a:t>30</a:t>
+              <a:t>32</a:t>
             </a:fld>
             <a:endParaRPr lang="en-US"/>
           </a:p>
@@ -18821,7 +19655,7 @@
 </p:sld>
 </file>
 
-<file path=ppt/slides/slide31.xml><?xml version="1.0" encoding="utf-8"?>
+<file path=ppt/slides/slide33.xml><?xml version="1.0" encoding="utf-8"?>
 <p:sld xmlns:a="http://schemas.openxmlformats.org/drawingml/2006/main" xmlns:r="http://schemas.openxmlformats.org/officeDocument/2006/relationships" xmlns:p="http://schemas.openxmlformats.org/presentationml/2006/main">
   <p:cSld>
     <p:spTree>
@@ -18878,7 +19712,7 @@
             <a:fld id="{9F4492BD-6A9C-48FC-AC76-0B4FE11194A1}" type="slidenum">
               <a:rPr lang="en-US" smtClean="0"/>
               <a:pPr/>
-              <a:t>31</a:t>
+              <a:t>33</a:t>
             </a:fld>
             <a:endParaRPr lang="en-US"/>
           </a:p>
@@ -19563,363 +20397,6 @@
 </p:sld>
 </file>
 
-<file path=ppt/slides/slide32.xml><?xml version="1.0" encoding="utf-8"?>
-<p:sld xmlns:a="http://schemas.openxmlformats.org/drawingml/2006/main" xmlns:r="http://schemas.openxmlformats.org/officeDocument/2006/relationships" xmlns:p="http://schemas.openxmlformats.org/presentationml/2006/main">
-  <p:cSld>
-    <p:spTree>
-      <p:nvGrpSpPr>
-        <p:cNvPr id="1" name=""/>
-        <p:cNvGrpSpPr/>
-        <p:nvPr/>
-      </p:nvGrpSpPr>
-      <p:grpSpPr>
-        <a:xfrm>
-          <a:off x="0" y="0"/>
-          <a:ext cx="0" cy="0"/>
-          <a:chOff x="0" y="0"/>
-          <a:chExt cx="0" cy="0"/>
-        </a:xfrm>
-      </p:grpSpPr>
-      <p:sp>
-        <p:nvSpPr>
-          <p:cNvPr id="2" name="Title 1"/>
-          <p:cNvSpPr>
-            <a:spLocks noGrp="1"/>
-          </p:cNvSpPr>
-          <p:nvPr>
-            <p:ph type="title"/>
-          </p:nvPr>
-        </p:nvSpPr>
-        <p:spPr/>
-        <p:txBody>
-          <a:bodyPr/>
-          <a:lstStyle/>
-          <a:p>
-            <a:r>
-              <a:rPr lang="en-US" dirty="0"/>
-              <a:t>Example 6: insert</a:t>
-            </a:r>
-          </a:p>
-        </p:txBody>
-      </p:sp>
-      <p:sp>
-        <p:nvSpPr>
-          <p:cNvPr id="5" name="Content Placeholder 4"/>
-          <p:cNvSpPr>
-            <a:spLocks noGrp="1"/>
-          </p:cNvSpPr>
-          <p:nvPr>
-            <p:ph idx="1"/>
-          </p:nvPr>
-        </p:nvSpPr>
-        <p:spPr/>
-        <p:txBody>
-          <a:bodyPr>
-            <a:normAutofit/>
-          </a:bodyPr>
-          <a:lstStyle/>
-          <a:p>
-            <a:r>
-              <a:rPr lang="en-US" sz="2000" dirty="0"/>
-              <a:t>;; DATA DEFINITION</a:t>
-            </a:r>
-          </a:p>
-          <a:p>
-            <a:endParaRPr lang="en-US" sz="2000" dirty="0"/>
-          </a:p>
-          <a:p>
-            <a:r>
-              <a:rPr lang="en-US" sz="2000" dirty="0"/>
-              <a:t>;; A </a:t>
-            </a:r>
-            <a:r>
-              <a:rPr lang="en-US" sz="2000" dirty="0" err="1"/>
-              <a:t>SortedIntList</a:t>
-            </a:r>
-            <a:r>
-              <a:rPr lang="en-US" sz="2000" dirty="0"/>
-              <a:t> is an </a:t>
-            </a:r>
-            <a:r>
-              <a:rPr lang="en-US" sz="2000" dirty="0" err="1"/>
-              <a:t>IntList</a:t>
-            </a:r>
-            <a:r>
-              <a:rPr lang="en-US" sz="2000" dirty="0"/>
-              <a:t> that is in ascending</a:t>
-            </a:r>
-          </a:p>
-          <a:p>
-            <a:r>
-              <a:rPr lang="en-US" sz="2000" dirty="0"/>
-              <a:t>;; order.</a:t>
-            </a:r>
-          </a:p>
-        </p:txBody>
-      </p:sp>
-      <p:sp>
-        <p:nvSpPr>
-          <p:cNvPr id="4" name="Slide Number Placeholder 3"/>
-          <p:cNvSpPr>
-            <a:spLocks noGrp="1"/>
-          </p:cNvSpPr>
-          <p:nvPr>
-            <p:ph type="sldNum" sz="quarter" idx="12"/>
-          </p:nvPr>
-        </p:nvSpPr>
-        <p:spPr/>
-        <p:txBody>
-          <a:bodyPr/>
-          <a:lstStyle/>
-          <a:p>
-            <a:fld id="{2AF3B5EA-18B6-4040-9F78-6052AF49C681}" type="slidenum">
-              <a:rPr lang="en-US" smtClean="0"/>
-              <a:t>32</a:t>
-            </a:fld>
-            <a:endParaRPr lang="en-US"/>
-          </a:p>
-        </p:txBody>
-      </p:sp>
-      <p:sp>
-        <p:nvSpPr>
-          <p:cNvPr id="3" name="TextBox 2"/>
-          <p:cNvSpPr txBox="1"/>
-          <p:nvPr/>
-        </p:nvSpPr>
-        <p:spPr>
-          <a:xfrm>
-            <a:off x="5118653" y="3011557"/>
-            <a:ext cx="3568147" cy="707886"/>
-          </a:xfrm>
-          <a:prstGeom prst="rect">
-            <a:avLst/>
-          </a:prstGeom>
-          <a:solidFill>
-            <a:schemeClr val="accent1">
-              <a:lumMod val="20000"/>
-              <a:lumOff val="80000"/>
-            </a:schemeClr>
-          </a:solidFill>
-        </p:spPr>
-        <p:txBody>
-          <a:bodyPr wrap="square" rtlCol="0">
-            <a:spAutoFit/>
-          </a:bodyPr>
-          <a:lstStyle/>
-          <a:p>
-            <a:r>
-              <a:rPr lang="en-US" sz="2000" dirty="0"/>
-              <a:t>This assumes that we already have a definition for </a:t>
-            </a:r>
-            <a:r>
-              <a:rPr lang="en-US" sz="2000" b="1" dirty="0" err="1"/>
-              <a:t>IntList</a:t>
-            </a:r>
-            <a:r>
-              <a:rPr lang="en-US" sz="2000" dirty="0"/>
-              <a:t>.</a:t>
-            </a:r>
-          </a:p>
-        </p:txBody>
-      </p:sp>
-    </p:spTree>
-    <p:extLst>
-      <p:ext uri="{BB962C8B-B14F-4D97-AF65-F5344CB8AC3E}">
-        <p14:creationId xmlns:p14="http://schemas.microsoft.com/office/powerpoint/2010/main" val="3661081109"/>
-      </p:ext>
-    </p:extLst>
-  </p:cSld>
-  <p:clrMapOvr>
-    <a:masterClrMapping/>
-  </p:clrMapOvr>
-</p:sld>
-</file>
-
-<file path=ppt/slides/slide33.xml><?xml version="1.0" encoding="utf-8"?>
-<p:sld xmlns:a="http://schemas.openxmlformats.org/drawingml/2006/main" xmlns:r="http://schemas.openxmlformats.org/officeDocument/2006/relationships" xmlns:p="http://schemas.openxmlformats.org/presentationml/2006/main">
-  <p:cSld>
-    <p:spTree>
-      <p:nvGrpSpPr>
-        <p:cNvPr id="1" name=""/>
-        <p:cNvGrpSpPr/>
-        <p:nvPr/>
-      </p:nvGrpSpPr>
-      <p:grpSpPr>
-        <a:xfrm>
-          <a:off x="0" y="0"/>
-          <a:ext cx="0" cy="0"/>
-          <a:chOff x="0" y="0"/>
-          <a:chExt cx="0" cy="0"/>
-        </a:xfrm>
-      </p:grpSpPr>
-      <p:sp>
-        <p:nvSpPr>
-          <p:cNvPr id="2" name="Title 1"/>
-          <p:cNvSpPr>
-            <a:spLocks noGrp="1"/>
-          </p:cNvSpPr>
-          <p:nvPr>
-            <p:ph type="title"/>
-          </p:nvPr>
-        </p:nvSpPr>
-        <p:spPr/>
-        <p:txBody>
-          <a:bodyPr/>
-          <a:lstStyle/>
-          <a:p>
-            <a:r>
-              <a:rPr lang="en-US" dirty="0"/>
-              <a:t>Example 6: insert</a:t>
-            </a:r>
-          </a:p>
-        </p:txBody>
-      </p:sp>
-      <p:sp>
-        <p:nvSpPr>
-          <p:cNvPr id="5" name="Content Placeholder 4"/>
-          <p:cNvSpPr>
-            <a:spLocks noGrp="1"/>
-          </p:cNvSpPr>
-          <p:nvPr>
-            <p:ph idx="1"/>
-          </p:nvPr>
-        </p:nvSpPr>
-        <p:spPr/>
-        <p:txBody>
-          <a:bodyPr>
-            <a:normAutofit/>
-          </a:bodyPr>
-          <a:lstStyle/>
-          <a:p>
-            <a:r>
-              <a:rPr lang="en-US" sz="2000" dirty="0"/>
-              <a:t>;; insert : Integer </a:t>
-            </a:r>
-            <a:r>
-              <a:rPr lang="en-US" sz="2000" dirty="0" err="1"/>
-              <a:t>SortedIntList</a:t>
-            </a:r>
-            <a:r>
-              <a:rPr lang="en-US" sz="2000" dirty="0"/>
-              <a:t> -&gt; </a:t>
-            </a:r>
-            <a:r>
-              <a:rPr lang="en-US" sz="2000" dirty="0" err="1"/>
-              <a:t>SortedIntList</a:t>
-            </a:r>
-            <a:endParaRPr lang="en-US" sz="2000" dirty="0"/>
-          </a:p>
-          <a:p>
-            <a:r>
-              <a:rPr lang="en-US" sz="2000" dirty="0"/>
-              <a:t>;; GIVEN: An integer and a sorted sequence of integers</a:t>
-            </a:r>
-          </a:p>
-          <a:p>
-            <a:r>
-              <a:rPr lang="en-US" sz="2000" dirty="0"/>
-              <a:t>;; RETURNS: A new </a:t>
-            </a:r>
-            <a:r>
-              <a:rPr lang="en-US" sz="2000" dirty="0" err="1"/>
-              <a:t>SortedIntList</a:t>
-            </a:r>
-            <a:r>
-              <a:rPr lang="en-US" sz="2000" dirty="0"/>
-              <a:t> just like the</a:t>
-            </a:r>
-          </a:p>
-          <a:p>
-            <a:r>
-              <a:rPr lang="en-US" sz="2000" dirty="0"/>
-              <a:t>;;   original, but with the new integer inserted.</a:t>
-            </a:r>
-          </a:p>
-          <a:p>
-            <a:r>
-              <a:rPr lang="en-US" sz="2000" dirty="0"/>
-              <a:t>;; EXAMPLES:</a:t>
-            </a:r>
-          </a:p>
-          <a:p>
-            <a:r>
-              <a:rPr lang="en-US" sz="2000" dirty="0"/>
-              <a:t>;; (insert 3 empty) = (list 3)</a:t>
-            </a:r>
-          </a:p>
-          <a:p>
-            <a:r>
-              <a:rPr lang="en-US" sz="2000" dirty="0"/>
-              <a:t>;; (insert 3 (list 5 6)) = (list 3 5 6)</a:t>
-            </a:r>
-          </a:p>
-          <a:p>
-            <a:r>
-              <a:rPr lang="en-US" sz="2000" dirty="0"/>
-              <a:t>;; (insert 3 (list -1 1 5 6)) </a:t>
-            </a:r>
-          </a:p>
-          <a:p>
-            <a:r>
-              <a:rPr lang="en-US" sz="2000" dirty="0"/>
-              <a:t>;;    = (list -1 1 3 5 6)</a:t>
-            </a:r>
-          </a:p>
-          <a:p>
-            <a:r>
-              <a:rPr lang="en-US" sz="2000" dirty="0"/>
-              <a:t>;; STRATEGY: Use observer template for</a:t>
-            </a:r>
-          </a:p>
-          <a:p>
-            <a:r>
-              <a:rPr lang="en-US" sz="2000" dirty="0"/>
-              <a:t>;; </a:t>
-            </a:r>
-            <a:r>
-              <a:rPr lang="en-US" sz="2000" dirty="0" err="1"/>
-              <a:t>SortedIntList</a:t>
-            </a:r>
-            <a:endParaRPr lang="en-US" sz="2000" dirty="0"/>
-          </a:p>
-        </p:txBody>
-      </p:sp>
-      <p:sp>
-        <p:nvSpPr>
-          <p:cNvPr id="4" name="Slide Number Placeholder 3"/>
-          <p:cNvSpPr>
-            <a:spLocks noGrp="1"/>
-          </p:cNvSpPr>
-          <p:nvPr>
-            <p:ph type="sldNum" sz="quarter" idx="12"/>
-          </p:nvPr>
-        </p:nvSpPr>
-        <p:spPr/>
-        <p:txBody>
-          <a:bodyPr/>
-          <a:lstStyle/>
-          <a:p>
-            <a:fld id="{2AF3B5EA-18B6-4040-9F78-6052AF49C681}" type="slidenum">
-              <a:rPr lang="en-US" smtClean="0"/>
-              <a:t>33</a:t>
-            </a:fld>
-            <a:endParaRPr lang="en-US"/>
-          </a:p>
-        </p:txBody>
-      </p:sp>
-    </p:spTree>
-    <p:extLst>
-      <p:ext uri="{BB962C8B-B14F-4D97-AF65-F5344CB8AC3E}">
-        <p14:creationId xmlns:p14="http://schemas.microsoft.com/office/powerpoint/2010/main" val="2217979012"/>
-      </p:ext>
-    </p:extLst>
-  </p:cSld>
-  <p:clrMapOvr>
-    <a:masterClrMapping/>
-  </p:clrMapOvr>
-</p:sld>
-</file>
-
 <file path=ppt/slides/slide34.xml><?xml version="1.0" encoding="utf-8"?>
 <p:sld xmlns:a="http://schemas.openxmlformats.org/drawingml/2006/main" xmlns:r="http://schemas.openxmlformats.org/officeDocument/2006/relationships" xmlns:p="http://schemas.openxmlformats.org/presentationml/2006/main">
   <p:cSld>
@@ -19954,18 +20431,14 @@
           <a:p>
             <a:r>
               <a:rPr lang="en-US" dirty="0"/>
-              <a:t>Function Definition for </a:t>
-            </a:r>
-            <a:r>
-              <a:rPr lang="en-US" b="1" dirty="0"/>
-              <a:t>insert</a:t>
+              <a:t>Example 6: insert</a:t>
             </a:r>
           </a:p>
         </p:txBody>
       </p:sp>
       <p:sp>
         <p:nvSpPr>
-          <p:cNvPr id="3" name="Content Placeholder 2"/>
+          <p:cNvPr id="5" name="Content Placeholder 4"/>
           <p:cNvSpPr>
             <a:spLocks noGrp="1"/>
           </p:cNvSpPr>
@@ -19975,94 +20448,46 @@
         </p:nvSpPr>
         <p:spPr/>
         <p:txBody>
-          <a:bodyPr/>
+          <a:bodyPr>
+            <a:normAutofit/>
+          </a:bodyPr>
           <a:lstStyle/>
           <a:p>
             <a:r>
               <a:rPr lang="en-US" sz="2000" dirty="0"/>
-              <a:t>(define (insert n </a:t>
+              <a:t>;; DATA DEFINITION</a:t>
+            </a:r>
+          </a:p>
+          <a:p>
+            <a:endParaRPr lang="en-US" sz="2000" dirty="0"/>
+          </a:p>
+          <a:p>
+            <a:r>
+              <a:rPr lang="en-US" sz="2000" dirty="0"/>
+              <a:t>;; A </a:t>
             </a:r>
             <a:r>
               <a:rPr lang="en-US" sz="2000" dirty="0" err="1"/>
-              <a:t>seq</a:t>
+              <a:t>SortedIntList</a:t>
             </a:r>
             <a:r>
               <a:rPr lang="en-US" sz="2000" dirty="0"/>
-              <a:t>)</a:t>
-            </a:r>
-          </a:p>
-          <a:p>
+              <a:t> is an </a:t>
+            </a:r>
+            <a:r>
+              <a:rPr lang="en-US" sz="2000" dirty="0" err="1"/>
+              <a:t>IntList</a:t>
+            </a:r>
             <a:r>
               <a:rPr lang="en-US" sz="2000" dirty="0"/>
-              <a:t>  (cond</a:t>
+              <a:t> that is in ascending</a:t>
             </a:r>
           </a:p>
           <a:p>
             <a:r>
               <a:rPr lang="en-US" sz="2000" dirty="0"/>
-              <a:t>    [(empty? </a:t>
-            </a:r>
-            <a:r>
-              <a:rPr lang="en-US" sz="2000" dirty="0" err="1"/>
-              <a:t>seq</a:t>
-            </a:r>
-            <a:r>
-              <a:rPr lang="en-US" sz="2000" dirty="0"/>
-              <a:t>) (cons n empty)]</a:t>
-            </a:r>
-          </a:p>
-          <a:p>
-            <a:r>
-              <a:rPr lang="en-US" sz="2000" dirty="0"/>
-              <a:t>    [(&lt; n (first </a:t>
-            </a:r>
-            <a:r>
-              <a:rPr lang="en-US" sz="2000" dirty="0" err="1"/>
-              <a:t>seq</a:t>
-            </a:r>
-            <a:r>
-              <a:rPr lang="en-US" sz="2000" dirty="0"/>
-              <a:t>)) (cons n </a:t>
-            </a:r>
-            <a:r>
-              <a:rPr lang="en-US" sz="2000" dirty="0" err="1"/>
-              <a:t>seq</a:t>
-            </a:r>
-            <a:r>
-              <a:rPr lang="en-US" sz="2000" dirty="0"/>
-              <a:t>)]</a:t>
-            </a:r>
-          </a:p>
-          <a:p>
-            <a:r>
-              <a:rPr lang="en-US" sz="2000" dirty="0"/>
-              <a:t>    [else (cons (first </a:t>
-            </a:r>
-            <a:r>
-              <a:rPr lang="en-US" sz="2000" dirty="0" err="1"/>
-              <a:t>seq</a:t>
-            </a:r>
-            <a:r>
-              <a:rPr lang="en-US" sz="2000" dirty="0"/>
-              <a:t>)</a:t>
-            </a:r>
-          </a:p>
-          <a:p>
-            <a:r>
-              <a:rPr lang="en-US" sz="2000" dirty="0"/>
-              <a:t>                (insert n (rest </a:t>
-            </a:r>
-            <a:r>
-              <a:rPr lang="en-US" sz="2000" dirty="0" err="1"/>
-              <a:t>seq</a:t>
-            </a:r>
-            <a:r>
-              <a:rPr lang="en-US" sz="2000" dirty="0"/>
-              <a:t>)))]))</a:t>
-            </a:r>
-          </a:p>
-          <a:p>
-            <a:endParaRPr lang="en-US" dirty="0"/>
+              <a:t>;; order.</a:t>
+            </a:r>
           </a:p>
         </p:txBody>
       </p:sp>
@@ -20089,10 +20514,52 @@
           </a:p>
         </p:txBody>
       </p:sp>
+      <p:sp>
+        <p:nvSpPr>
+          <p:cNvPr id="3" name="TextBox 2"/>
+          <p:cNvSpPr txBox="1"/>
+          <p:nvPr/>
+        </p:nvSpPr>
+        <p:spPr>
+          <a:xfrm>
+            <a:off x="5118653" y="3011557"/>
+            <a:ext cx="3568147" cy="707886"/>
+          </a:xfrm>
+          <a:prstGeom prst="rect">
+            <a:avLst/>
+          </a:prstGeom>
+          <a:solidFill>
+            <a:schemeClr val="accent1">
+              <a:lumMod val="20000"/>
+              <a:lumOff val="80000"/>
+            </a:schemeClr>
+          </a:solidFill>
+        </p:spPr>
+        <p:txBody>
+          <a:bodyPr wrap="square" rtlCol="0">
+            <a:spAutoFit/>
+          </a:bodyPr>
+          <a:lstStyle/>
+          <a:p>
+            <a:r>
+              <a:rPr lang="en-US" sz="2000" dirty="0"/>
+              <a:t>This assumes that we already have a definition for </a:t>
+            </a:r>
+            <a:r>
+              <a:rPr lang="en-US" sz="2000" b="1" dirty="0" err="1"/>
+              <a:t>IntList</a:t>
+            </a:r>
+            <a:r>
+              <a:rPr lang="en-US" sz="2000" dirty="0"/>
+              <a:t>.</a:t>
+            </a:r>
+          </a:p>
+        </p:txBody>
+      </p:sp>
     </p:spTree>
     <p:extLst>
       <p:ext uri="{BB962C8B-B14F-4D97-AF65-F5344CB8AC3E}">
-        <p14:creationId xmlns:p14="http://schemas.microsoft.com/office/powerpoint/2010/main" val="2591878544"/>
+        <p14:creationId xmlns:p14="http://schemas.microsoft.com/office/powerpoint/2010/main" val="3661081109"/>
       </p:ext>
     </p:extLst>
   </p:cSld>
@@ -20136,6 +20603,373 @@
           <a:p>
             <a:r>
               <a:rPr lang="en-US" dirty="0"/>
+              <a:t>Example 6: insert</a:t>
+            </a:r>
+          </a:p>
+        </p:txBody>
+      </p:sp>
+      <p:sp>
+        <p:nvSpPr>
+          <p:cNvPr id="5" name="Content Placeholder 4"/>
+          <p:cNvSpPr>
+            <a:spLocks noGrp="1"/>
+          </p:cNvSpPr>
+          <p:nvPr>
+            <p:ph idx="1"/>
+          </p:nvPr>
+        </p:nvSpPr>
+        <p:spPr/>
+        <p:txBody>
+          <a:bodyPr>
+            <a:normAutofit/>
+          </a:bodyPr>
+          <a:lstStyle/>
+          <a:p>
+            <a:r>
+              <a:rPr lang="en-US" sz="2000" dirty="0"/>
+              <a:t>;; insert : Integer </a:t>
+            </a:r>
+            <a:r>
+              <a:rPr lang="en-US" sz="2000" dirty="0" err="1"/>
+              <a:t>SortedIntList</a:t>
+            </a:r>
+            <a:r>
+              <a:rPr lang="en-US" sz="2000" dirty="0"/>
+              <a:t> -&gt; </a:t>
+            </a:r>
+            <a:r>
+              <a:rPr lang="en-US" sz="2000" dirty="0" err="1"/>
+              <a:t>SortedIntList</a:t>
+            </a:r>
+            <a:endParaRPr lang="en-US" sz="2000" dirty="0"/>
+          </a:p>
+          <a:p>
+            <a:r>
+              <a:rPr lang="en-US" sz="2000" dirty="0"/>
+              <a:t>;; GIVEN: An integer and a sorted sequence of integers</a:t>
+            </a:r>
+          </a:p>
+          <a:p>
+            <a:r>
+              <a:rPr lang="en-US" sz="2000" dirty="0"/>
+              <a:t>;; RETURNS: A new </a:t>
+            </a:r>
+            <a:r>
+              <a:rPr lang="en-US" sz="2000" dirty="0" err="1"/>
+              <a:t>SortedIntList</a:t>
+            </a:r>
+            <a:r>
+              <a:rPr lang="en-US" sz="2000" dirty="0"/>
+              <a:t> just like the</a:t>
+            </a:r>
+          </a:p>
+          <a:p>
+            <a:r>
+              <a:rPr lang="en-US" sz="2000" dirty="0"/>
+              <a:t>;;   original, but with the new integer inserted.</a:t>
+            </a:r>
+          </a:p>
+          <a:p>
+            <a:r>
+              <a:rPr lang="en-US" sz="2000" dirty="0"/>
+              <a:t>;; EXAMPLES:</a:t>
+            </a:r>
+          </a:p>
+          <a:p>
+            <a:r>
+              <a:rPr lang="en-US" sz="2000" dirty="0"/>
+              <a:t>;; (insert 3 empty) = (list 3)</a:t>
+            </a:r>
+          </a:p>
+          <a:p>
+            <a:r>
+              <a:rPr lang="en-US" sz="2000" dirty="0"/>
+              <a:t>;; (insert 3 (list 5 6)) = (list 3 5 6)</a:t>
+            </a:r>
+          </a:p>
+          <a:p>
+            <a:r>
+              <a:rPr lang="en-US" sz="2000" dirty="0"/>
+              <a:t>;; (insert 3 (list -1 1 5 6)) </a:t>
+            </a:r>
+          </a:p>
+          <a:p>
+            <a:r>
+              <a:rPr lang="en-US" sz="2000" dirty="0"/>
+              <a:t>;;    = (list -1 1 3 5 6)</a:t>
+            </a:r>
+          </a:p>
+          <a:p>
+            <a:r>
+              <a:rPr lang="en-US" sz="2000" dirty="0"/>
+              <a:t>;; STRATEGY: Use observer template for</a:t>
+            </a:r>
+          </a:p>
+          <a:p>
+            <a:r>
+              <a:rPr lang="en-US" sz="2000" dirty="0"/>
+              <a:t>;; </a:t>
+            </a:r>
+            <a:r>
+              <a:rPr lang="en-US" sz="2000" dirty="0" err="1"/>
+              <a:t>SortedIntList</a:t>
+            </a:r>
+            <a:endParaRPr lang="en-US" sz="2000" dirty="0"/>
+          </a:p>
+        </p:txBody>
+      </p:sp>
+      <p:sp>
+        <p:nvSpPr>
+          <p:cNvPr id="4" name="Slide Number Placeholder 3"/>
+          <p:cNvSpPr>
+            <a:spLocks noGrp="1"/>
+          </p:cNvSpPr>
+          <p:nvPr>
+            <p:ph type="sldNum" sz="quarter" idx="12"/>
+          </p:nvPr>
+        </p:nvSpPr>
+        <p:spPr/>
+        <p:txBody>
+          <a:bodyPr/>
+          <a:lstStyle/>
+          <a:p>
+            <a:fld id="{2AF3B5EA-18B6-4040-9F78-6052AF49C681}" type="slidenum">
+              <a:rPr lang="en-US" smtClean="0"/>
+              <a:t>35</a:t>
+            </a:fld>
+            <a:endParaRPr lang="en-US"/>
+          </a:p>
+        </p:txBody>
+      </p:sp>
+    </p:spTree>
+    <p:extLst>
+      <p:ext uri="{BB962C8B-B14F-4D97-AF65-F5344CB8AC3E}">
+        <p14:creationId xmlns:p14="http://schemas.microsoft.com/office/powerpoint/2010/main" val="2217979012"/>
+      </p:ext>
+    </p:extLst>
+  </p:cSld>
+  <p:clrMapOvr>
+    <a:masterClrMapping/>
+  </p:clrMapOvr>
+</p:sld>
+</file>
+
+<file path=ppt/slides/slide36.xml><?xml version="1.0" encoding="utf-8"?>
+<p:sld xmlns:a="http://schemas.openxmlformats.org/drawingml/2006/main" xmlns:r="http://schemas.openxmlformats.org/officeDocument/2006/relationships" xmlns:p="http://schemas.openxmlformats.org/presentationml/2006/main">
+  <p:cSld>
+    <p:spTree>
+      <p:nvGrpSpPr>
+        <p:cNvPr id="1" name=""/>
+        <p:cNvGrpSpPr/>
+        <p:nvPr/>
+      </p:nvGrpSpPr>
+      <p:grpSpPr>
+        <a:xfrm>
+          <a:off x="0" y="0"/>
+          <a:ext cx="0" cy="0"/>
+          <a:chOff x="0" y="0"/>
+          <a:chExt cx="0" cy="0"/>
+        </a:xfrm>
+      </p:grpSpPr>
+      <p:sp>
+        <p:nvSpPr>
+          <p:cNvPr id="2" name="Title 1"/>
+          <p:cNvSpPr>
+            <a:spLocks noGrp="1"/>
+          </p:cNvSpPr>
+          <p:nvPr>
+            <p:ph type="title"/>
+          </p:nvPr>
+        </p:nvSpPr>
+        <p:spPr/>
+        <p:txBody>
+          <a:bodyPr/>
+          <a:lstStyle/>
+          <a:p>
+            <a:r>
+              <a:rPr lang="en-US" dirty="0"/>
+              <a:t>Function Definition for </a:t>
+            </a:r>
+            <a:r>
+              <a:rPr lang="en-US" b="1" dirty="0"/>
+              <a:t>insert</a:t>
+            </a:r>
+          </a:p>
+        </p:txBody>
+      </p:sp>
+      <p:sp>
+        <p:nvSpPr>
+          <p:cNvPr id="3" name="Content Placeholder 2"/>
+          <p:cNvSpPr>
+            <a:spLocks noGrp="1"/>
+          </p:cNvSpPr>
+          <p:nvPr>
+            <p:ph idx="1"/>
+          </p:nvPr>
+        </p:nvSpPr>
+        <p:spPr/>
+        <p:txBody>
+          <a:bodyPr/>
+          <a:lstStyle/>
+          <a:p>
+            <a:r>
+              <a:rPr lang="en-US" sz="2000" dirty="0"/>
+              <a:t>(define (insert n </a:t>
+            </a:r>
+            <a:r>
+              <a:rPr lang="en-US" sz="2000" dirty="0" err="1"/>
+              <a:t>seq</a:t>
+            </a:r>
+            <a:r>
+              <a:rPr lang="en-US" sz="2000" dirty="0"/>
+              <a:t>)</a:t>
+            </a:r>
+          </a:p>
+          <a:p>
+            <a:r>
+              <a:rPr lang="en-US" sz="2000" dirty="0"/>
+              <a:t>  (cond</a:t>
+            </a:r>
+          </a:p>
+          <a:p>
+            <a:r>
+              <a:rPr lang="en-US" sz="2000" dirty="0"/>
+              <a:t>    [(empty? </a:t>
+            </a:r>
+            <a:r>
+              <a:rPr lang="en-US" sz="2000" dirty="0" err="1"/>
+              <a:t>seq</a:t>
+            </a:r>
+            <a:r>
+              <a:rPr lang="en-US" sz="2000" dirty="0"/>
+              <a:t>) (cons n empty)]</a:t>
+            </a:r>
+          </a:p>
+          <a:p>
+            <a:r>
+              <a:rPr lang="en-US" sz="2000" dirty="0"/>
+              <a:t>    [(&lt; n (first </a:t>
+            </a:r>
+            <a:r>
+              <a:rPr lang="en-US" sz="2000" dirty="0" err="1"/>
+              <a:t>seq</a:t>
+            </a:r>
+            <a:r>
+              <a:rPr lang="en-US" sz="2000" dirty="0"/>
+              <a:t>)) (cons n </a:t>
+            </a:r>
+            <a:r>
+              <a:rPr lang="en-US" sz="2000" dirty="0" err="1"/>
+              <a:t>seq</a:t>
+            </a:r>
+            <a:r>
+              <a:rPr lang="en-US" sz="2000" dirty="0"/>
+              <a:t>)]</a:t>
+            </a:r>
+          </a:p>
+          <a:p>
+            <a:r>
+              <a:rPr lang="en-US" sz="2000" dirty="0"/>
+              <a:t>    [else (cons (first </a:t>
+            </a:r>
+            <a:r>
+              <a:rPr lang="en-US" sz="2000" dirty="0" err="1"/>
+              <a:t>seq</a:t>
+            </a:r>
+            <a:r>
+              <a:rPr lang="en-US" sz="2000" dirty="0"/>
+              <a:t>)</a:t>
+            </a:r>
+          </a:p>
+          <a:p>
+            <a:r>
+              <a:rPr lang="en-US" sz="2000" dirty="0"/>
+              <a:t>                (insert n (rest </a:t>
+            </a:r>
+            <a:r>
+              <a:rPr lang="en-US" sz="2000" dirty="0" err="1"/>
+              <a:t>seq</a:t>
+            </a:r>
+            <a:r>
+              <a:rPr lang="en-US" sz="2000" dirty="0"/>
+              <a:t>)))]))</a:t>
+            </a:r>
+          </a:p>
+          <a:p>
+            <a:endParaRPr lang="en-US" dirty="0"/>
+          </a:p>
+        </p:txBody>
+      </p:sp>
+      <p:sp>
+        <p:nvSpPr>
+          <p:cNvPr id="4" name="Slide Number Placeholder 3"/>
+          <p:cNvSpPr>
+            <a:spLocks noGrp="1"/>
+          </p:cNvSpPr>
+          <p:nvPr>
+            <p:ph type="sldNum" sz="quarter" idx="12"/>
+          </p:nvPr>
+        </p:nvSpPr>
+        <p:spPr/>
+        <p:txBody>
+          <a:bodyPr/>
+          <a:lstStyle/>
+          <a:p>
+            <a:fld id="{2AF3B5EA-18B6-4040-9F78-6052AF49C681}" type="slidenum">
+              <a:rPr lang="en-US" smtClean="0"/>
+              <a:t>36</a:t>
+            </a:fld>
+            <a:endParaRPr lang="en-US"/>
+          </a:p>
+        </p:txBody>
+      </p:sp>
+    </p:spTree>
+    <p:extLst>
+      <p:ext uri="{BB962C8B-B14F-4D97-AF65-F5344CB8AC3E}">
+        <p14:creationId xmlns:p14="http://schemas.microsoft.com/office/powerpoint/2010/main" val="2591878544"/>
+      </p:ext>
+    </p:extLst>
+  </p:cSld>
+  <p:clrMapOvr>
+    <a:masterClrMapping/>
+  </p:clrMapOvr>
+</p:sld>
+</file>
+
+<file path=ppt/slides/slide37.xml><?xml version="1.0" encoding="utf-8"?>
+<p:sld xmlns:a="http://schemas.openxmlformats.org/drawingml/2006/main" xmlns:r="http://schemas.openxmlformats.org/officeDocument/2006/relationships" xmlns:p="http://schemas.openxmlformats.org/presentationml/2006/main">
+  <p:cSld>
+    <p:spTree>
+      <p:nvGrpSpPr>
+        <p:cNvPr id="1" name=""/>
+        <p:cNvGrpSpPr/>
+        <p:nvPr/>
+      </p:nvGrpSpPr>
+      <p:grpSpPr>
+        <a:xfrm>
+          <a:off x="0" y="0"/>
+          <a:ext cx="0" cy="0"/>
+          <a:chOff x="0" y="0"/>
+          <a:chExt cx="0" cy="0"/>
+        </a:xfrm>
+      </p:grpSpPr>
+      <p:sp>
+        <p:nvSpPr>
+          <p:cNvPr id="2" name="Title 1"/>
+          <p:cNvSpPr>
+            <a:spLocks noGrp="1"/>
+          </p:cNvSpPr>
+          <p:nvPr>
+            <p:ph type="title"/>
+          </p:nvPr>
+        </p:nvSpPr>
+        <p:spPr/>
+        <p:txBody>
+          <a:bodyPr/>
+          <a:lstStyle/>
+          <a:p>
+            <a:r>
+              <a:rPr lang="en-US" dirty="0"/>
               <a:t>Watch this work:</a:t>
             </a:r>
           </a:p>
@@ -20281,7 +21115,7 @@
             <a:fld id="{9F4492BD-6A9C-48FC-AC76-0B4FE11194A1}" type="slidenum">
               <a:rPr lang="en-US" smtClean="0"/>
               <a:pPr/>
-              <a:t>35</a:t>
+              <a:t>37</a:t>
             </a:fld>
             <a:endParaRPr lang="en-US"/>
           </a:p>
@@ -20592,7 +21426,7 @@
 </p:sld>
 </file>
 
-<file path=ppt/slides/slide36.xml><?xml version="1.0" encoding="utf-8"?>
+<file path=ppt/slides/slide38.xml><?xml version="1.0" encoding="utf-8"?>
 <p:sld xmlns:a="http://schemas.openxmlformats.org/drawingml/2006/main" xmlns:r="http://schemas.openxmlformats.org/officeDocument/2006/relationships" xmlns:p="http://schemas.openxmlformats.org/presentationml/2006/main">
   <p:cSld>
     <p:spTree>
@@ -20799,7 +21633,7 @@
           <a:p>
             <a:fld id="{2AF3B5EA-18B6-4040-9F78-6052AF49C681}" type="slidenum">
               <a:rPr lang="en-US" smtClean="0"/>
-              <a:t>36</a:t>
+              <a:t>38</a:t>
             </a:fld>
             <a:endParaRPr lang="en-US"/>
           </a:p>
@@ -20877,7 +21711,7 @@
 </p:sld>
 </file>
 
-<file path=ppt/slides/slide37.xml><?xml version="1.0" encoding="utf-8"?>
+<file path=ppt/slides/slide39.xml><?xml version="1.0" encoding="utf-8"?>
 <p:sld xmlns:a="http://schemas.openxmlformats.org/drawingml/2006/main" xmlns:r="http://schemas.openxmlformats.org/officeDocument/2006/relationships" xmlns:p="http://schemas.openxmlformats.org/presentationml/2006/main">
   <p:cSld>
     <p:spTree>
@@ -21034,7 +21868,7 @@
           <a:p>
             <a:fld id="{2AF3B5EA-18B6-4040-9F78-6052AF49C681}" type="slidenum">
               <a:rPr lang="en-US" smtClean="0"/>
-              <a:t>37</a:t>
+              <a:t>39</a:t>
             </a:fld>
             <a:endParaRPr lang="en-US"/>
           </a:p>
@@ -21159,7 +21993,259 @@
 </p:sld>
 </file>
 
-<file path=ppt/slides/slide38.xml><?xml version="1.0" encoding="utf-8"?>
+<file path=ppt/slides/slide4.xml><?xml version="1.0" encoding="utf-8"?>
+<p:sld xmlns:a="http://schemas.openxmlformats.org/drawingml/2006/main" xmlns:r="http://schemas.openxmlformats.org/officeDocument/2006/relationships" xmlns:p="http://schemas.openxmlformats.org/presentationml/2006/main">
+  <p:cSld>
+    <p:spTree>
+      <p:nvGrpSpPr>
+        <p:cNvPr id="1" name=""/>
+        <p:cNvGrpSpPr/>
+        <p:nvPr/>
+      </p:nvGrpSpPr>
+      <p:grpSpPr>
+        <a:xfrm>
+          <a:off x="0" y="0"/>
+          <a:ext cx="0" cy="0"/>
+          <a:chOff x="0" y="0"/>
+          <a:chExt cx="0" cy="0"/>
+        </a:xfrm>
+      </p:grpSpPr>
+      <p:sp>
+        <p:nvSpPr>
+          <p:cNvPr id="2" name="Title 1"/>
+          <p:cNvSpPr>
+            <a:spLocks noGrp="1"/>
+          </p:cNvSpPr>
+          <p:nvPr>
+            <p:ph type="title"/>
+          </p:nvPr>
+        </p:nvSpPr>
+        <p:spPr/>
+        <p:txBody>
+          <a:bodyPr>
+            <a:normAutofit/>
+          </a:bodyPr>
+          <a:lstStyle/>
+          <a:p>
+            <a:r>
+              <a:rPr lang="en-US" dirty="0"/>
+              <a:t>This definition is self-referential</a:t>
+            </a:r>
+          </a:p>
+        </p:txBody>
+      </p:sp>
+      <p:sp>
+        <p:nvSpPr>
+          <p:cNvPr id="4" name="Content Placeholder 3"/>
+          <p:cNvSpPr>
+            <a:spLocks noGrp="1"/>
+          </p:cNvSpPr>
+          <p:nvPr>
+            <p:ph idx="1"/>
+          </p:nvPr>
+        </p:nvSpPr>
+        <p:spPr/>
+        <p:txBody>
+          <a:bodyPr>
+            <a:normAutofit/>
+          </a:bodyPr>
+          <a:lstStyle/>
+          <a:p>
+            <a:r>
+              <a:rPr lang="en-US" dirty="0"/>
+              <a:t>A </a:t>
+            </a:r>
+            <a:r>
+              <a:rPr lang="en-US" dirty="0" err="1"/>
+              <a:t>XList</a:t>
+            </a:r>
+            <a:r>
+              <a:rPr lang="en-US" dirty="0"/>
+              <a:t> is one of</a:t>
+            </a:r>
+          </a:p>
+          <a:p>
+            <a:r>
+              <a:rPr lang="en-US" dirty="0"/>
+              <a:t>-- empty   </a:t>
+            </a:r>
+          </a:p>
+          <a:p>
+            <a:r>
+              <a:rPr lang="en-US" dirty="0"/>
+              <a:t>-- (cons X </a:t>
+            </a:r>
+            <a:r>
+              <a:rPr lang="en-US" dirty="0" err="1"/>
+              <a:t>XList</a:t>
+            </a:r>
+            <a:r>
+              <a:rPr lang="en-US" dirty="0"/>
+              <a:t>)</a:t>
+            </a:r>
+          </a:p>
+          <a:p>
+            <a:endParaRPr lang="en-US" dirty="0"/>
+          </a:p>
+        </p:txBody>
+      </p:sp>
+      <p:sp>
+        <p:nvSpPr>
+          <p:cNvPr id="3" name="Slide Number Placeholder 2"/>
+          <p:cNvSpPr>
+            <a:spLocks noGrp="1"/>
+          </p:cNvSpPr>
+          <p:nvPr>
+            <p:ph type="sldNum" sz="quarter" idx="12"/>
+          </p:nvPr>
+        </p:nvSpPr>
+        <p:spPr/>
+        <p:txBody>
+          <a:bodyPr/>
+          <a:lstStyle/>
+          <a:p>
+            <a:fld id="{2AF3B5EA-18B6-4040-9F78-6052AF49C681}" type="slidenum">
+              <a:rPr lang="en-US" smtClean="0"/>
+              <a:t>4</a:t>
+            </a:fld>
+            <a:endParaRPr lang="en-US"/>
+          </a:p>
+        </p:txBody>
+      </p:sp>
+      <p:sp>
+        <p:nvSpPr>
+          <p:cNvPr id="7" name="Bent Arrow 4"/>
+          <p:cNvSpPr/>
+          <p:nvPr/>
+        </p:nvSpPr>
+        <p:spPr>
+          <a:xfrm flipH="1">
+            <a:off x="2274116" y="1658922"/>
+            <a:ext cx="1371600" cy="1219201"/>
+          </a:xfrm>
+          <a:prstGeom prst="bentArrow">
+            <a:avLst>
+              <a:gd name="adj1" fmla="val 23858"/>
+              <a:gd name="adj2" fmla="val 23847"/>
+              <a:gd name="adj3" fmla="val 25000"/>
+              <a:gd name="adj4" fmla="val 29957"/>
+            </a:avLst>
+          </a:prstGeom>
+          <a:solidFill>
+            <a:schemeClr val="accent6">
+              <a:alpha val="31000"/>
+            </a:schemeClr>
+          </a:solidFill>
+          <a:ln w="12700">
+            <a:solidFill>
+              <a:schemeClr val="tx1"/>
+            </a:solidFill>
+          </a:ln>
+        </p:spPr>
+        <p:style>
+          <a:lnRef idx="2">
+            <a:schemeClr val="accent1">
+              <a:shade val="50000"/>
+            </a:schemeClr>
+          </a:lnRef>
+          <a:fillRef idx="1">
+            <a:schemeClr val="accent1"/>
+          </a:fillRef>
+          <a:effectRef idx="0">
+            <a:schemeClr val="accent1"/>
+          </a:effectRef>
+          <a:fontRef idx="minor">
+            <a:schemeClr val="lt1"/>
+          </a:fontRef>
+        </p:style>
+        <p:txBody>
+          <a:bodyPr rtlCol="0" anchor="ctr"/>
+          <a:lstStyle/>
+          <a:p>
+            <a:pPr algn="ctr"/>
+            <a:endParaRPr lang="en-US" dirty="0">
+              <a:solidFill>
+                <a:prstClr val="black"/>
+              </a:solidFill>
+            </a:endParaRPr>
+          </a:p>
+        </p:txBody>
+      </p:sp>
+      <p:sp>
+        <p:nvSpPr>
+          <p:cNvPr id="8" name="Rectangle 7"/>
+          <p:cNvSpPr/>
+          <p:nvPr/>
+        </p:nvSpPr>
+        <p:spPr>
+          <a:xfrm>
+            <a:off x="692791" y="3758467"/>
+            <a:ext cx="4149090" cy="1657524"/>
+          </a:xfrm>
+          <a:prstGeom prst="rect">
+            <a:avLst/>
+          </a:prstGeom>
+          <a:solidFill>
+            <a:schemeClr val="accent1">
+              <a:lumMod val="20000"/>
+              <a:lumOff val="80000"/>
+            </a:schemeClr>
+          </a:solidFill>
+          <a:ln>
+            <a:noFill/>
+          </a:ln>
+        </p:spPr>
+        <p:style>
+          <a:lnRef idx="2">
+            <a:schemeClr val="accent1"/>
+          </a:lnRef>
+          <a:fillRef idx="1">
+            <a:schemeClr val="lt1"/>
+          </a:fillRef>
+          <a:effectRef idx="0">
+            <a:schemeClr val="accent1"/>
+          </a:effectRef>
+          <a:fontRef idx="minor">
+            <a:schemeClr val="dk1"/>
+          </a:fontRef>
+        </p:style>
+        <p:txBody>
+          <a:bodyPr rot="0" spcFirstLastPara="0" vertOverflow="overflow" horzOverflow="overflow" vert="horz" wrap="square" lIns="91440" tIns="45720" rIns="91440" bIns="45720" numCol="1" spcCol="0" rtlCol="0" fromWordArt="0" anchor="ctr" anchorCtr="0" forceAA="0" compatLnSpc="1">
+            <a:prstTxWarp prst="textNoShape">
+              <a:avLst/>
+            </a:prstTxWarp>
+            <a:noAutofit/>
+          </a:bodyPr>
+          <a:lstStyle/>
+          <a:p>
+            <a:pPr>
+              <a:defRPr/>
+            </a:pPr>
+            <a:r>
+              <a:rPr lang="en-US" sz="2400" dirty="0">
+                <a:solidFill>
+                  <a:schemeClr val="tx1"/>
+                </a:solidFill>
+              </a:rPr>
+              <a:t>Here are the constructor templates for a list of X's.  This means that any XList must look like one of these two forms</a:t>
+            </a:r>
+          </a:p>
+        </p:txBody>
+      </p:sp>
+    </p:spTree>
+    <p:extLst>
+      <p:ext uri="{BB962C8B-B14F-4D97-AF65-F5344CB8AC3E}">
+        <p14:creationId xmlns:p14="http://schemas.microsoft.com/office/powerpoint/2010/main" val="3525392056"/>
+      </p:ext>
+    </p:extLst>
+  </p:cSld>
+  <p:clrMapOvr>
+    <a:masterClrMapping/>
+  </p:clrMapOvr>
+</p:sld>
+</file>
+
+<file path=ppt/slides/slide40.xml><?xml version="1.0" encoding="utf-8"?>
 <p:sld xmlns:a="http://schemas.openxmlformats.org/drawingml/2006/main" xmlns:r="http://schemas.openxmlformats.org/officeDocument/2006/relationships" xmlns:p="http://schemas.openxmlformats.org/presentationml/2006/main">
   <p:cSld>
     <p:spTree>
@@ -21871,7 +22957,7 @@
             <a:fld id="{9F4492BD-6A9C-48FC-AC76-0B4FE11194A1}" type="slidenum">
               <a:rPr lang="en-US" smtClean="0"/>
               <a:pPr/>
-              <a:t>38</a:t>
+              <a:t>40</a:t>
             </a:fld>
             <a:endParaRPr lang="en-US"/>
           </a:p>
@@ -22361,7 +23447,7 @@
 </p:sld>
 </file>
 
-<file path=ppt/slides/slide39.xml><?xml version="1.0" encoding="utf-8"?>
+<file path=ppt/slides/slide41.xml><?xml version="1.0" encoding="utf-8"?>
 <p:sld xmlns:a="http://schemas.openxmlformats.org/drawingml/2006/main" xmlns:r="http://schemas.openxmlformats.org/officeDocument/2006/relationships" xmlns:p="http://schemas.openxmlformats.org/presentationml/2006/main">
   <p:cSld>
     <p:spTree>
@@ -22637,7 +23723,7 @@
           <a:p>
             <a:fld id="{2AF3B5EA-18B6-4040-9F78-6052AF49C681}" type="slidenum">
               <a:rPr lang="en-US" smtClean="0"/>
-              <a:t>39</a:t>
+              <a:t>41</a:t>
             </a:fld>
             <a:endParaRPr lang="en-US"/>
           </a:p>
@@ -22656,259 +23742,7 @@
 </p:sld>
 </file>
 
-<file path=ppt/slides/slide4.xml><?xml version="1.0" encoding="utf-8"?>
-<p:sld xmlns:a="http://schemas.openxmlformats.org/drawingml/2006/main" xmlns:r="http://schemas.openxmlformats.org/officeDocument/2006/relationships" xmlns:p="http://schemas.openxmlformats.org/presentationml/2006/main">
-  <p:cSld>
-    <p:spTree>
-      <p:nvGrpSpPr>
-        <p:cNvPr id="1" name=""/>
-        <p:cNvGrpSpPr/>
-        <p:nvPr/>
-      </p:nvGrpSpPr>
-      <p:grpSpPr>
-        <a:xfrm>
-          <a:off x="0" y="0"/>
-          <a:ext cx="0" cy="0"/>
-          <a:chOff x="0" y="0"/>
-          <a:chExt cx="0" cy="0"/>
-        </a:xfrm>
-      </p:grpSpPr>
-      <p:sp>
-        <p:nvSpPr>
-          <p:cNvPr id="2" name="Title 1"/>
-          <p:cNvSpPr>
-            <a:spLocks noGrp="1"/>
-          </p:cNvSpPr>
-          <p:nvPr>
-            <p:ph type="title"/>
-          </p:nvPr>
-        </p:nvSpPr>
-        <p:spPr/>
-        <p:txBody>
-          <a:bodyPr>
-            <a:normAutofit/>
-          </a:bodyPr>
-          <a:lstStyle/>
-          <a:p>
-            <a:r>
-              <a:rPr lang="en-US" dirty="0"/>
-              <a:t>This definition is self-referential</a:t>
-            </a:r>
-          </a:p>
-        </p:txBody>
-      </p:sp>
-      <p:sp>
-        <p:nvSpPr>
-          <p:cNvPr id="4" name="Content Placeholder 3"/>
-          <p:cNvSpPr>
-            <a:spLocks noGrp="1"/>
-          </p:cNvSpPr>
-          <p:nvPr>
-            <p:ph idx="1"/>
-          </p:nvPr>
-        </p:nvSpPr>
-        <p:spPr/>
-        <p:txBody>
-          <a:bodyPr>
-            <a:normAutofit/>
-          </a:bodyPr>
-          <a:lstStyle/>
-          <a:p>
-            <a:r>
-              <a:rPr lang="en-US" dirty="0"/>
-              <a:t>A </a:t>
-            </a:r>
-            <a:r>
-              <a:rPr lang="en-US" dirty="0" err="1"/>
-              <a:t>XList</a:t>
-            </a:r>
-            <a:r>
-              <a:rPr lang="en-US" dirty="0"/>
-              <a:t> is one of</a:t>
-            </a:r>
-          </a:p>
-          <a:p>
-            <a:r>
-              <a:rPr lang="en-US" dirty="0"/>
-              <a:t>-- empty   </a:t>
-            </a:r>
-          </a:p>
-          <a:p>
-            <a:r>
-              <a:rPr lang="en-US" dirty="0"/>
-              <a:t>-- (cons X </a:t>
-            </a:r>
-            <a:r>
-              <a:rPr lang="en-US" dirty="0" err="1"/>
-              <a:t>XList</a:t>
-            </a:r>
-            <a:r>
-              <a:rPr lang="en-US" dirty="0"/>
-              <a:t>)</a:t>
-            </a:r>
-          </a:p>
-          <a:p>
-            <a:endParaRPr lang="en-US" dirty="0"/>
-          </a:p>
-        </p:txBody>
-      </p:sp>
-      <p:sp>
-        <p:nvSpPr>
-          <p:cNvPr id="3" name="Slide Number Placeholder 2"/>
-          <p:cNvSpPr>
-            <a:spLocks noGrp="1"/>
-          </p:cNvSpPr>
-          <p:nvPr>
-            <p:ph type="sldNum" sz="quarter" idx="12"/>
-          </p:nvPr>
-        </p:nvSpPr>
-        <p:spPr/>
-        <p:txBody>
-          <a:bodyPr/>
-          <a:lstStyle/>
-          <a:p>
-            <a:fld id="{2AF3B5EA-18B6-4040-9F78-6052AF49C681}" type="slidenum">
-              <a:rPr lang="en-US" smtClean="0"/>
-              <a:t>4</a:t>
-            </a:fld>
-            <a:endParaRPr lang="en-US"/>
-          </a:p>
-        </p:txBody>
-      </p:sp>
-      <p:sp>
-        <p:nvSpPr>
-          <p:cNvPr id="7" name="Bent Arrow 4"/>
-          <p:cNvSpPr/>
-          <p:nvPr/>
-        </p:nvSpPr>
-        <p:spPr>
-          <a:xfrm flipH="1">
-            <a:off x="2274116" y="1658922"/>
-            <a:ext cx="1371600" cy="1219201"/>
-          </a:xfrm>
-          <a:prstGeom prst="bentArrow">
-            <a:avLst>
-              <a:gd name="adj1" fmla="val 23858"/>
-              <a:gd name="adj2" fmla="val 23847"/>
-              <a:gd name="adj3" fmla="val 25000"/>
-              <a:gd name="adj4" fmla="val 29957"/>
-            </a:avLst>
-          </a:prstGeom>
-          <a:solidFill>
-            <a:schemeClr val="accent6">
-              <a:alpha val="31000"/>
-            </a:schemeClr>
-          </a:solidFill>
-          <a:ln w="12700">
-            <a:solidFill>
-              <a:schemeClr val="tx1"/>
-            </a:solidFill>
-          </a:ln>
-        </p:spPr>
-        <p:style>
-          <a:lnRef idx="2">
-            <a:schemeClr val="accent1">
-              <a:shade val="50000"/>
-            </a:schemeClr>
-          </a:lnRef>
-          <a:fillRef idx="1">
-            <a:schemeClr val="accent1"/>
-          </a:fillRef>
-          <a:effectRef idx="0">
-            <a:schemeClr val="accent1"/>
-          </a:effectRef>
-          <a:fontRef idx="minor">
-            <a:schemeClr val="lt1"/>
-          </a:fontRef>
-        </p:style>
-        <p:txBody>
-          <a:bodyPr rtlCol="0" anchor="ctr"/>
-          <a:lstStyle/>
-          <a:p>
-            <a:pPr algn="ctr"/>
-            <a:endParaRPr lang="en-US" dirty="0">
-              <a:solidFill>
-                <a:prstClr val="black"/>
-              </a:solidFill>
-            </a:endParaRPr>
-          </a:p>
-        </p:txBody>
-      </p:sp>
-      <p:sp>
-        <p:nvSpPr>
-          <p:cNvPr id="8" name="Rectangle 7"/>
-          <p:cNvSpPr/>
-          <p:nvPr/>
-        </p:nvSpPr>
-        <p:spPr>
-          <a:xfrm>
-            <a:off x="692791" y="3758467"/>
-            <a:ext cx="4149090" cy="1657524"/>
-          </a:xfrm>
-          <a:prstGeom prst="rect">
-            <a:avLst/>
-          </a:prstGeom>
-          <a:solidFill>
-            <a:schemeClr val="accent1">
-              <a:lumMod val="20000"/>
-              <a:lumOff val="80000"/>
-            </a:schemeClr>
-          </a:solidFill>
-          <a:ln>
-            <a:noFill/>
-          </a:ln>
-        </p:spPr>
-        <p:style>
-          <a:lnRef idx="2">
-            <a:schemeClr val="accent1"/>
-          </a:lnRef>
-          <a:fillRef idx="1">
-            <a:schemeClr val="lt1"/>
-          </a:fillRef>
-          <a:effectRef idx="0">
-            <a:schemeClr val="accent1"/>
-          </a:effectRef>
-          <a:fontRef idx="minor">
-            <a:schemeClr val="dk1"/>
-          </a:fontRef>
-        </p:style>
-        <p:txBody>
-          <a:bodyPr rot="0" spcFirstLastPara="0" vertOverflow="overflow" horzOverflow="overflow" vert="horz" wrap="square" lIns="91440" tIns="45720" rIns="91440" bIns="45720" numCol="1" spcCol="0" rtlCol="0" fromWordArt="0" anchor="ctr" anchorCtr="0" forceAA="0" compatLnSpc="1">
-            <a:prstTxWarp prst="textNoShape">
-              <a:avLst/>
-            </a:prstTxWarp>
-            <a:noAutofit/>
-          </a:bodyPr>
-          <a:lstStyle/>
-          <a:p>
-            <a:pPr>
-              <a:defRPr/>
-            </a:pPr>
-            <a:r>
-              <a:rPr lang="en-US" sz="2400" dirty="0">
-                <a:solidFill>
-                  <a:schemeClr val="tx1"/>
-                </a:solidFill>
-              </a:rPr>
-              <a:t>Here are the constructor templates for a list of X's.  This means that any XList must look like one of these two forms</a:t>
-            </a:r>
-          </a:p>
-        </p:txBody>
-      </p:sp>
-    </p:spTree>
-    <p:extLst>
-      <p:ext uri="{BB962C8B-B14F-4D97-AF65-F5344CB8AC3E}">
-        <p14:creationId xmlns:p14="http://schemas.microsoft.com/office/powerpoint/2010/main" val="3525392056"/>
-      </p:ext>
-    </p:extLst>
-  </p:cSld>
-  <p:clrMapOvr>
-    <a:masterClrMapping/>
-  </p:clrMapOvr>
-</p:sld>
-</file>
-
-<file path=ppt/slides/slide40.xml><?xml version="1.0" encoding="utf-8"?>
+<file path=ppt/slides/slide42.xml><?xml version="1.0" encoding="utf-8"?>
 <p:sld xmlns:a="http://schemas.openxmlformats.org/drawingml/2006/main" xmlns:r="http://schemas.openxmlformats.org/officeDocument/2006/relationships" xmlns:p="http://schemas.openxmlformats.org/presentationml/2006/main">
   <p:cSld>
     <p:spTree>
@@ -23005,7 +23839,7 @@
             <a:fld id="{9F4492BD-6A9C-48FC-AC76-0B4FE11194A1}" type="slidenum">
               <a:rPr lang="en-US" smtClean="0"/>
               <a:pPr/>
-              <a:t>40</a:t>
+              <a:t>42</a:t>
             </a:fld>
             <a:endParaRPr lang="en-US"/>
           </a:p>
@@ -23024,7 +23858,7 @@
 </p:sld>
 </file>
 
-<file path=ppt/slides/slide41.xml><?xml version="1.0" encoding="utf-8"?>
+<file path=ppt/slides/slide43.xml><?xml version="1.0" encoding="utf-8"?>
 <p:sld xmlns:a="http://schemas.openxmlformats.org/drawingml/2006/main" xmlns:r="http://schemas.openxmlformats.org/officeDocument/2006/relationships" xmlns:p="http://schemas.openxmlformats.org/presentationml/2006/main">
   <p:cSld>
     <p:spTree>
@@ -23119,7 +23953,7 @@
             <a:fld id="{9F4492BD-6A9C-48FC-AC76-0B4FE11194A1}" type="slidenum">
               <a:rPr lang="en-US" smtClean="0"/>
               <a:pPr/>
-              <a:t>41</a:t>
+              <a:t>43</a:t>
             </a:fld>
             <a:endParaRPr lang="en-US"/>
           </a:p>
@@ -24817,56 +25651,22 @@
             <p:ph type="title"/>
           </p:nvPr>
         </p:nvSpPr>
-        <p:spPr/>
+        <p:spPr>
+          <a:ln w="25400">
+            <a:solidFill>
+              <a:schemeClr val="accent1"/>
+            </a:solidFill>
+          </a:ln>
+        </p:spPr>
         <p:txBody>
-          <a:bodyPr>
+          <a:bodyPr vert="horz" lIns="91440" tIns="45720" rIns="91440" bIns="45720" rtlCol="0" anchor="ctr">
             <a:normAutofit fontScale="90000"/>
           </a:bodyPr>
           <a:lstStyle/>
           <a:p>
             <a:r>
               <a:rPr lang="en-US" dirty="0"/>
-              <a:t>From Observer Template to Function Definition</a:t>
-            </a:r>
-          </a:p>
-        </p:txBody>
-      </p:sp>
-      <p:sp>
-        <p:nvSpPr>
-          <p:cNvPr id="3" name="Content Placeholder 2"/>
-          <p:cNvSpPr>
-            <a:spLocks noGrp="1"/>
-          </p:cNvSpPr>
-          <p:nvPr>
-            <p:ph idx="1"/>
-          </p:nvPr>
-        </p:nvSpPr>
-        <p:spPr/>
-        <p:txBody>
-          <a:bodyPr/>
-          <a:lstStyle/>
-          <a:p>
-            <a:r>
-              <a:rPr lang="en-US" dirty="0"/>
-              <a:t>The observer template has two blanks in it.</a:t>
-            </a:r>
-          </a:p>
-          <a:p>
-            <a:r>
-              <a:rPr lang="en-US" dirty="0"/>
-              <a:t>Often we can get our function definition by simply filling in the blanks.</a:t>
-            </a:r>
-          </a:p>
-          <a:p>
-            <a:r>
-              <a:rPr lang="en-US" dirty="0"/>
-              <a:t>Each blank corresponds to a question</a:t>
-            </a:r>
-          </a:p>
-          <a:p>
-            <a:r>
-              <a:rPr lang="en-US" dirty="0"/>
-              <a:t>It's the same question for every function:</a:t>
+              <a:t>Remember: The Shape of the Program Follows the Shape of the Data</a:t>
             </a:r>
           </a:p>
         </p:txBody>
@@ -24886,18 +25686,473 @@
           <a:bodyPr/>
           <a:lstStyle/>
           <a:p>
-            <a:fld id="{2AF3B5EA-18B6-4040-9F78-6052AF49C681}" type="slidenum">
+            <a:fld id="{8D704B19-8EED-495A-99FA-12E5518CCC54}" type="slidenum">
               <a:rPr lang="en-US" smtClean="0"/>
+              <a:pPr/>
               <a:t>9</a:t>
             </a:fld>
             <a:endParaRPr lang="en-US"/>
+          </a:p>
+        </p:txBody>
+      </p:sp>
+      <p:sp>
+        <p:nvSpPr>
+          <p:cNvPr id="27" name="TextBox 26"/>
+          <p:cNvSpPr txBox="1"/>
+          <p:nvPr/>
+        </p:nvSpPr>
+        <p:spPr>
+          <a:xfrm>
+            <a:off x="1295400" y="4648200"/>
+            <a:ext cx="2209800" cy="1200329"/>
+          </a:xfrm>
+          <a:prstGeom prst="rect">
+            <a:avLst/>
+          </a:prstGeom>
+          <a:solidFill>
+            <a:schemeClr val="accent1">
+              <a:lumMod val="20000"/>
+              <a:lumOff val="80000"/>
+            </a:schemeClr>
+          </a:solidFill>
+        </p:spPr>
+        <p:txBody>
+          <a:bodyPr wrap="square" rtlCol="0">
+            <a:spAutoFit/>
+          </a:bodyPr>
+          <a:lstStyle/>
+          <a:p>
+            <a:r>
+              <a:rPr lang="en-US" dirty="0"/>
+              <a:t>Data Hierarchy (a non-empty </a:t>
+            </a:r>
+            <a:r>
+              <a:rPr lang="en-US" dirty="0" err="1"/>
+              <a:t>Xlist</a:t>
+            </a:r>
+            <a:r>
+              <a:rPr lang="en-US" dirty="0"/>
+              <a:t> contains another </a:t>
+            </a:r>
+            <a:r>
+              <a:rPr lang="en-US" dirty="0" err="1"/>
+              <a:t>Xlist</a:t>
+            </a:r>
+            <a:r>
+              <a:rPr lang="en-US" dirty="0"/>
+              <a:t>)</a:t>
+            </a:r>
+          </a:p>
+        </p:txBody>
+      </p:sp>
+      <p:sp>
+        <p:nvSpPr>
+          <p:cNvPr id="28" name="TextBox 27"/>
+          <p:cNvSpPr txBox="1"/>
+          <p:nvPr/>
+        </p:nvSpPr>
+        <p:spPr>
+          <a:xfrm flipH="1">
+            <a:off x="5682515" y="4660404"/>
+            <a:ext cx="2057400" cy="923330"/>
+          </a:xfrm>
+          <a:prstGeom prst="rect">
+            <a:avLst/>
+          </a:prstGeom>
+          <a:solidFill>
+            <a:schemeClr val="accent1">
+              <a:lumMod val="20000"/>
+              <a:lumOff val="80000"/>
+            </a:schemeClr>
+          </a:solidFill>
+        </p:spPr>
+        <p:txBody>
+          <a:bodyPr wrap="square" rtlCol="0">
+            <a:spAutoFit/>
+          </a:bodyPr>
+          <a:lstStyle/>
+          <a:p>
+            <a:r>
+              <a:rPr lang="en-US" dirty="0"/>
+              <a:t>Call Tree (</a:t>
+            </a:r>
+            <a:r>
+              <a:rPr lang="en-US" b="1" dirty="0" err="1"/>
+              <a:t>xlist-fn</a:t>
+            </a:r>
+            <a:r>
+              <a:rPr lang="en-US" dirty="0"/>
+              <a:t> calls itself on the component)</a:t>
+            </a:r>
+          </a:p>
+        </p:txBody>
+      </p:sp>
+      <p:grpSp>
+        <p:nvGrpSpPr>
+          <p:cNvPr id="5" name="Group 4"/>
+          <p:cNvGrpSpPr/>
+          <p:nvPr/>
+        </p:nvGrpSpPr>
+        <p:grpSpPr>
+          <a:xfrm>
+            <a:off x="6139715" y="2341504"/>
+            <a:ext cx="1143000" cy="2006897"/>
+            <a:chOff x="6139715" y="2341504"/>
+            <a:chExt cx="1143000" cy="2006897"/>
+          </a:xfrm>
+        </p:grpSpPr>
+        <p:sp>
+          <p:nvSpPr>
+            <p:cNvPr id="13" name="Rectangle 12"/>
+            <p:cNvSpPr/>
+            <p:nvPr/>
+          </p:nvSpPr>
+          <p:spPr>
+            <a:xfrm>
+              <a:off x="6139715" y="2341504"/>
+              <a:ext cx="1143000" cy="762000"/>
+            </a:xfrm>
+            <a:prstGeom prst="rect">
+              <a:avLst/>
+            </a:prstGeom>
+          </p:spPr>
+          <p:style>
+            <a:lnRef idx="2">
+              <a:schemeClr val="dk1"/>
+            </a:lnRef>
+            <a:fillRef idx="1">
+              <a:schemeClr val="lt1"/>
+            </a:fillRef>
+            <a:effectRef idx="0">
+              <a:schemeClr val="dk1"/>
+            </a:effectRef>
+            <a:fontRef idx="minor">
+              <a:schemeClr val="dk1"/>
+            </a:fontRef>
+          </p:style>
+          <p:txBody>
+            <a:bodyPr rtlCol="0" anchor="ctr"/>
+            <a:lstStyle/>
+            <a:p>
+              <a:pPr algn="ctr"/>
+              <a:r>
+                <a:rPr lang="en-US" dirty="0" err="1"/>
+                <a:t>xlist-fn</a:t>
+              </a:r>
+              <a:endParaRPr lang="en-US" dirty="0"/>
+            </a:p>
+          </p:txBody>
+        </p:sp>
+        <p:sp>
+          <p:nvSpPr>
+            <p:cNvPr id="18" name="Rectangle 17"/>
+            <p:cNvSpPr/>
+            <p:nvPr/>
+          </p:nvSpPr>
+          <p:spPr>
+            <a:xfrm>
+              <a:off x="6139715" y="3586401"/>
+              <a:ext cx="1143000" cy="762000"/>
+            </a:xfrm>
+            <a:prstGeom prst="rect">
+              <a:avLst/>
+            </a:prstGeom>
+          </p:spPr>
+          <p:style>
+            <a:lnRef idx="2">
+              <a:schemeClr val="dk1"/>
+            </a:lnRef>
+            <a:fillRef idx="1">
+              <a:schemeClr val="lt1"/>
+            </a:fillRef>
+            <a:effectRef idx="0">
+              <a:schemeClr val="dk1"/>
+            </a:effectRef>
+            <a:fontRef idx="minor">
+              <a:schemeClr val="dk1"/>
+            </a:fontRef>
+          </p:style>
+          <p:txBody>
+            <a:bodyPr rtlCol="0" anchor="ctr"/>
+            <a:lstStyle/>
+            <a:p>
+              <a:pPr algn="ctr"/>
+              <a:r>
+                <a:rPr lang="en-US" dirty="0" err="1"/>
+                <a:t>xlist-fn</a:t>
+              </a:r>
+              <a:endParaRPr lang="en-US" dirty="0"/>
+            </a:p>
+          </p:txBody>
+        </p:sp>
+        <p:cxnSp>
+          <p:nvCxnSpPr>
+            <p:cNvPr id="20" name="Straight Arrow Connector 19"/>
+            <p:cNvCxnSpPr/>
+            <p:nvPr/>
+          </p:nvCxnSpPr>
+          <p:spPr>
+            <a:xfrm>
+              <a:off x="6730265" y="3114120"/>
+              <a:ext cx="0" cy="472281"/>
+            </a:xfrm>
+            <a:prstGeom prst="straightConnector1">
+              <a:avLst/>
+            </a:prstGeom>
+            <a:ln w="19050">
+              <a:solidFill>
+                <a:schemeClr val="tx1"/>
+              </a:solidFill>
+              <a:tailEnd type="triangle"/>
+            </a:ln>
+          </p:spPr>
+          <p:style>
+            <a:lnRef idx="1">
+              <a:schemeClr val="accent1"/>
+            </a:lnRef>
+            <a:fillRef idx="0">
+              <a:schemeClr val="accent1"/>
+            </a:fillRef>
+            <a:effectRef idx="0">
+              <a:schemeClr val="accent1"/>
+            </a:effectRef>
+            <a:fontRef idx="minor">
+              <a:schemeClr val="tx1"/>
+            </a:fontRef>
+          </p:style>
+        </p:cxnSp>
+      </p:grpSp>
+      <p:grpSp>
+        <p:nvGrpSpPr>
+          <p:cNvPr id="22" name="Group 21"/>
+          <p:cNvGrpSpPr/>
+          <p:nvPr/>
+        </p:nvGrpSpPr>
+        <p:grpSpPr>
+          <a:xfrm>
+            <a:off x="1731008" y="2336194"/>
+            <a:ext cx="1143000" cy="2006897"/>
+            <a:chOff x="6139715" y="2341504"/>
+            <a:chExt cx="1143000" cy="2006897"/>
+          </a:xfrm>
+        </p:grpSpPr>
+        <p:sp>
+          <p:nvSpPr>
+            <p:cNvPr id="25" name="Rectangle 24"/>
+            <p:cNvSpPr/>
+            <p:nvPr/>
+          </p:nvSpPr>
+          <p:spPr>
+            <a:xfrm>
+              <a:off x="6139715" y="2341504"/>
+              <a:ext cx="1143000" cy="762000"/>
+            </a:xfrm>
+            <a:prstGeom prst="rect">
+              <a:avLst/>
+            </a:prstGeom>
+          </p:spPr>
+          <p:style>
+            <a:lnRef idx="2">
+              <a:schemeClr val="dk1"/>
+            </a:lnRef>
+            <a:fillRef idx="1">
+              <a:schemeClr val="lt1"/>
+            </a:fillRef>
+            <a:effectRef idx="0">
+              <a:schemeClr val="dk1"/>
+            </a:effectRef>
+            <a:fontRef idx="minor">
+              <a:schemeClr val="dk1"/>
+            </a:fontRef>
+          </p:style>
+          <p:txBody>
+            <a:bodyPr rtlCol="0" anchor="ctr"/>
+            <a:lstStyle/>
+            <a:p>
+              <a:pPr algn="ctr"/>
+              <a:r>
+                <a:rPr lang="en-US" dirty="0" err="1"/>
+                <a:t>Xlist</a:t>
+              </a:r>
+              <a:endParaRPr lang="en-US" dirty="0"/>
+            </a:p>
+          </p:txBody>
+        </p:sp>
+        <p:sp>
+          <p:nvSpPr>
+            <p:cNvPr id="26" name="Rectangle 25"/>
+            <p:cNvSpPr/>
+            <p:nvPr/>
+          </p:nvSpPr>
+          <p:spPr>
+            <a:xfrm>
+              <a:off x="6139715" y="3586401"/>
+              <a:ext cx="1143000" cy="762000"/>
+            </a:xfrm>
+            <a:prstGeom prst="rect">
+              <a:avLst/>
+            </a:prstGeom>
+          </p:spPr>
+          <p:style>
+            <a:lnRef idx="2">
+              <a:schemeClr val="dk1"/>
+            </a:lnRef>
+            <a:fillRef idx="1">
+              <a:schemeClr val="lt1"/>
+            </a:fillRef>
+            <a:effectRef idx="0">
+              <a:schemeClr val="dk1"/>
+            </a:effectRef>
+            <a:fontRef idx="minor">
+              <a:schemeClr val="dk1"/>
+            </a:fontRef>
+          </p:style>
+          <p:txBody>
+            <a:bodyPr rtlCol="0" anchor="ctr"/>
+            <a:lstStyle/>
+            <a:p>
+              <a:pPr algn="ctr"/>
+              <a:r>
+                <a:rPr lang="en-US" dirty="0" err="1"/>
+                <a:t>Xlist</a:t>
+              </a:r>
+              <a:endParaRPr lang="en-US" dirty="0"/>
+            </a:p>
+          </p:txBody>
+        </p:sp>
+        <p:cxnSp>
+          <p:nvCxnSpPr>
+            <p:cNvPr id="30" name="Straight Arrow Connector 29"/>
+            <p:cNvCxnSpPr/>
+            <p:nvPr/>
+          </p:nvCxnSpPr>
+          <p:spPr>
+            <a:xfrm flipV="1">
+              <a:off x="6711215" y="3119430"/>
+              <a:ext cx="0" cy="472281"/>
+            </a:xfrm>
+            <a:prstGeom prst="straightConnector1">
+              <a:avLst/>
+            </a:prstGeom>
+            <a:ln w="19050">
+              <a:solidFill>
+                <a:schemeClr val="tx1"/>
+              </a:solidFill>
+              <a:tailEnd type="triangle"/>
+            </a:ln>
+          </p:spPr>
+          <p:style>
+            <a:lnRef idx="1">
+              <a:schemeClr val="accent1"/>
+            </a:lnRef>
+            <a:fillRef idx="0">
+              <a:schemeClr val="accent1"/>
+            </a:fillRef>
+            <a:effectRef idx="0">
+              <a:schemeClr val="accent1"/>
+            </a:effectRef>
+            <a:fontRef idx="minor">
+              <a:schemeClr val="tx1"/>
+            </a:fontRef>
+          </p:style>
+        </p:cxnSp>
+      </p:grpSp>
+      <p:sp>
+        <p:nvSpPr>
+          <p:cNvPr id="3" name="TextBox 2"/>
+          <p:cNvSpPr txBox="1"/>
+          <p:nvPr/>
+        </p:nvSpPr>
+        <p:spPr>
+          <a:xfrm>
+            <a:off x="2361194" y="3195833"/>
+            <a:ext cx="1847850" cy="369332"/>
+          </a:xfrm>
+          <a:prstGeom prst="rect">
+            <a:avLst/>
+          </a:prstGeom>
+          <a:noFill/>
+        </p:spPr>
+        <p:txBody>
+          <a:bodyPr wrap="square" rtlCol="0">
+            <a:spAutoFit/>
+          </a:bodyPr>
+          <a:lstStyle/>
+          <a:p>
+            <a:r>
+              <a:rPr lang="en-US" dirty="0"/>
+              <a:t>is-component-of</a:t>
+            </a:r>
+          </a:p>
+        </p:txBody>
+      </p:sp>
+      <p:sp>
+        <p:nvSpPr>
+          <p:cNvPr id="17" name="TextBox 16"/>
+          <p:cNvSpPr txBox="1"/>
+          <p:nvPr/>
+        </p:nvSpPr>
+        <p:spPr>
+          <a:xfrm>
+            <a:off x="6696075" y="3160286"/>
+            <a:ext cx="586640" cy="369332"/>
+          </a:xfrm>
+          <a:prstGeom prst="rect">
+            <a:avLst/>
+          </a:prstGeom>
+          <a:noFill/>
+        </p:spPr>
+        <p:txBody>
+          <a:bodyPr wrap="square" rtlCol="0">
+            <a:spAutoFit/>
+          </a:bodyPr>
+          <a:lstStyle/>
+          <a:p>
+            <a:r>
+              <a:rPr lang="en-US" dirty="0"/>
+              <a:t>calls</a:t>
+            </a:r>
+          </a:p>
+        </p:txBody>
+      </p:sp>
+      <p:sp>
+        <p:nvSpPr>
+          <p:cNvPr id="6" name="TextBox 5"/>
+          <p:cNvSpPr txBox="1"/>
+          <p:nvPr/>
+        </p:nvSpPr>
+        <p:spPr>
+          <a:xfrm>
+            <a:off x="5682515" y="6076335"/>
+            <a:ext cx="2939010" cy="369332"/>
+          </a:xfrm>
+          <a:prstGeom prst="rect">
+            <a:avLst/>
+          </a:prstGeom>
+          <a:solidFill>
+            <a:schemeClr val="accent1">
+              <a:lumMod val="20000"/>
+              <a:lumOff val="80000"/>
+            </a:schemeClr>
+          </a:solidFill>
+        </p:spPr>
+        <p:txBody>
+          <a:bodyPr wrap="none" rtlCol="0">
+            <a:spAutoFit/>
+          </a:bodyPr>
+          <a:lstStyle/>
+          <a:p>
+            <a:r>
+              <a:rPr lang="en-US" dirty="0"/>
+              <a:t>or, folding in the recursion....:</a:t>
+            </a:r>
           </a:p>
         </p:txBody>
       </p:sp>
     </p:spTree>
     <p:extLst>
       <p:ext uri="{BB962C8B-B14F-4D97-AF65-F5344CB8AC3E}">
-        <p14:creationId xmlns:p14="http://schemas.microsoft.com/office/powerpoint/2010/main" val="1232661916"/>
+        <p14:creationId xmlns:p14="http://schemas.microsoft.com/office/powerpoint/2010/main" val="3772012202"/>
       </p:ext>
     </p:extLst>
   </p:cSld>

--- a/Slides/Lesson 4.2 The Observer Template for List Data.pptx
+++ b/Slides/Lesson 4.2 The Observer Template for List Data.pptx
@@ -305,7 +305,7 @@
             <a:fld id="{CF8F25F6-E1EF-4065-8525-42EDEBD9BD22}" type="datetimeFigureOut">
               <a:rPr lang="en-US" smtClean="0"/>
               <a:pPr/>
-              <a:t>8/6/2017</a:t>
+              <a:t>8/11/2017</a:t>
             </a:fld>
             <a:endParaRPr lang="en-US"/>
           </a:p>
@@ -841,7 +841,7 @@
           <a:p>
             <a:fld id="{2F1F79F5-7BEC-496A-AFC7-876E38F64D71}" type="datetime1">
               <a:rPr lang="en-US" smtClean="0"/>
-              <a:t>8/6/2017</a:t>
+              <a:t>8/11/2017</a:t>
             </a:fld>
             <a:endParaRPr lang="en-US"/>
           </a:p>
@@ -936,7 +936,7 @@
           <a:p>
             <a:fld id="{0A05703A-7669-4FEA-9056-25299B4D29D4}" type="datetime1">
               <a:rPr lang="en-US" smtClean="0"/>
-              <a:t>8/6/2017</a:t>
+              <a:t>8/11/2017</a:t>
             </a:fld>
             <a:endParaRPr lang="en-US"/>
           </a:p>
@@ -1211,7 +1211,7 @@
           <a:p>
             <a:fld id="{6E5077B5-BB57-49DB-88CA-226A139E5C01}" type="datetime1">
               <a:rPr lang="en-US" smtClean="0"/>
-              <a:t>8/6/2017</a:t>
+              <a:t>8/11/2017</a:t>
             </a:fld>
             <a:endParaRPr lang="en-US"/>
           </a:p>
@@ -1463,7 +1463,7 @@
           <a:p>
             <a:fld id="{C48D9447-CBD6-49A1-89FD-8512A8CF8999}" type="datetime1">
               <a:rPr lang="en-US" smtClean="0"/>
-              <a:t>8/6/2017</a:t>
+              <a:t>8/11/2017</a:t>
             </a:fld>
             <a:endParaRPr lang="en-US"/>
           </a:p>
@@ -1631,7 +1631,7 @@
           <a:p>
             <a:fld id="{A3639A2A-823D-48B7-9ACE-7FAF42870BA9}" type="datetime1">
               <a:rPr lang="en-US" smtClean="0"/>
-              <a:t>8/6/2017</a:t>
+              <a:t>8/11/2017</a:t>
             </a:fld>
             <a:endParaRPr lang="en-US"/>
           </a:p>
@@ -1809,7 +1809,7 @@
           <a:p>
             <a:fld id="{ED1B6996-82E9-463C-972C-7B56056E426C}" type="datetime1">
               <a:rPr lang="en-US" smtClean="0"/>
-              <a:t>8/6/2017</a:t>
+              <a:t>8/11/2017</a:t>
             </a:fld>
             <a:endParaRPr lang="en-US"/>
           </a:p>
@@ -1983,7 +1983,7 @@
           <a:p>
             <a:fld id="{E22ED4DA-448D-4BB1-B935-CC112220207B}" type="datetime1">
               <a:rPr lang="en-US" smtClean="0"/>
-              <a:t>8/6/2017</a:t>
+              <a:t>8/11/2017</a:t>
             </a:fld>
             <a:endParaRPr lang="en-US"/>
           </a:p>
@@ -2156,7 +2156,7 @@
           <a:p>
             <a:fld id="{E22ED4DA-448D-4BB1-B935-CC112220207B}" type="datetime1">
               <a:rPr lang="en-US" smtClean="0"/>
-              <a:t>8/6/2017</a:t>
+              <a:t>8/11/2017</a:t>
             </a:fld>
             <a:endParaRPr lang="en-US"/>
           </a:p>
@@ -2416,7 +2416,7 @@
           <a:p>
             <a:fld id="{FF5D65A6-AB94-4435-B0B7-3743215FA46C}" type="datetime1">
               <a:rPr lang="en-US" smtClean="0"/>
-              <a:t>8/6/2017</a:t>
+              <a:t>8/11/2017</a:t>
             </a:fld>
             <a:endParaRPr lang="en-US"/>
           </a:p>
@@ -2592,7 +2592,7 @@
           <a:p>
             <a:fld id="{FF5D65A6-AB94-4435-B0B7-3743215FA46C}" type="datetime1">
               <a:rPr lang="en-US" smtClean="0"/>
-              <a:t>8/6/2017</a:t>
+              <a:t>8/11/2017</a:t>
             </a:fld>
             <a:endParaRPr lang="en-US"/>
           </a:p>
@@ -2886,7 +2886,7 @@
           <a:p>
             <a:fld id="{7C193DC4-6EF0-48C9-B29C-616106A645E1}" type="datetime1">
               <a:rPr lang="en-US" smtClean="0"/>
-              <a:t>8/6/2017</a:t>
+              <a:t>8/11/2017</a:t>
             </a:fld>
             <a:endParaRPr lang="en-US"/>
           </a:p>
@@ -3171,7 +3171,7 @@
           <a:p>
             <a:fld id="{5D1846AD-9252-4647-9435-4C2AC365653A}" type="datetime1">
               <a:rPr lang="en-US" smtClean="0"/>
-              <a:t>8/6/2017</a:t>
+              <a:t>8/11/2017</a:t>
             </a:fld>
             <a:endParaRPr lang="en-US"/>
           </a:p>
@@ -3590,7 +3590,7 @@
           <a:p>
             <a:fld id="{CE56DC10-3561-4063-A6AF-C1CC7A41040A}" type="datetime1">
               <a:rPr lang="en-US" smtClean="0"/>
-              <a:t>8/6/2017</a:t>
+              <a:t>8/11/2017</a:t>
             </a:fld>
             <a:endParaRPr lang="en-US"/>
           </a:p>
@@ -3707,7 +3707,7 @@
           <a:p>
             <a:fld id="{2F7B77F5-1464-4F6B-92A8-64FC8A508293}" type="datetime1">
               <a:rPr lang="en-US" smtClean="0"/>
-              <a:t>8/6/2017</a:t>
+              <a:t>8/11/2017</a:t>
             </a:fld>
             <a:endParaRPr lang="en-US"/>
           </a:p>
@@ -3930,7 +3930,7 @@
           <a:p>
             <a:fld id="{02B3F677-983B-48DB-ADFD-63FE6CBC7FB2}" type="datetime1">
               <a:rPr lang="en-US" smtClean="0"/>
-              <a:t>8/6/2017</a:t>
+              <a:t>8/11/2017</a:t>
             </a:fld>
             <a:endParaRPr lang="en-US"/>
           </a:p>
@@ -12528,7 +12528,7 @@
                 <a:latin typeface="Consolas" pitchFamily="49" charset="0"/>
                 <a:cs typeface="Consolas" pitchFamily="49" charset="0"/>
               </a:rPr>
-              <a:t>(double-all (cons 11 empty)) </a:t>
+              <a:t>(double-all (cons 12 empty)) </a:t>
             </a:r>
           </a:p>
           <a:p>
@@ -12540,7 +12540,7 @@
                 <a:latin typeface="Consolas" pitchFamily="49" charset="0"/>
                 <a:cs typeface="Consolas" pitchFamily="49" charset="0"/>
               </a:rPr>
-              <a:t>          = (cons 22 empty)</a:t>
+              <a:t>          = (cons 24 empty)</a:t>
             </a:r>
           </a:p>
           <a:p>
@@ -12552,7 +12552,7 @@
                 <a:latin typeface="Consolas" pitchFamily="49" charset="0"/>
                 <a:cs typeface="Consolas" pitchFamily="49" charset="0"/>
               </a:rPr>
-              <a:t>(double-all (cons 33 (cons 11 empty)))</a:t>
+              <a:t>(double-all (cons 33 (cons 12 empty)))</a:t>
             </a:r>
           </a:p>
           <a:p>
@@ -12564,7 +12564,7 @@
                 <a:latin typeface="Consolas" pitchFamily="49" charset="0"/>
                 <a:cs typeface="Consolas" pitchFamily="49" charset="0"/>
               </a:rPr>
-              <a:t>          = (cons 66 (cons 22 empty))</a:t>
+              <a:t>          = (cons 66 (cons 24 empty))</a:t>
             </a:r>
           </a:p>
           <a:p>
@@ -13853,7 +13853,7 @@
                 <a:latin typeface="Consolas" pitchFamily="49" charset="0"/>
                 <a:cs typeface="Consolas" pitchFamily="49" charset="0"/>
               </a:rPr>
-              <a:t> (cons 11 (cons 22 (cons 33 empty))))</a:t>
+              <a:t> (cons 12 (cons 22 (cons 33 empty))))</a:t>
             </a:r>
           </a:p>
           <a:p>
@@ -13865,7 +13865,7 @@
                 <a:latin typeface="Consolas" pitchFamily="49" charset="0"/>
                 <a:cs typeface="Consolas" pitchFamily="49" charset="0"/>
               </a:rPr>
-              <a:t>= (cons 22 (</a:t>
+              <a:t>= (cons 24 (</a:t>
             </a:r>
             <a:r>
               <a:rPr lang="en-US" sz="2400" b="1" dirty="0">
@@ -13894,7 +13894,7 @@
                 <a:latin typeface="Consolas" pitchFamily="49" charset="0"/>
                 <a:cs typeface="Consolas" pitchFamily="49" charset="0"/>
               </a:rPr>
-              <a:t>= (cons 22 (cons 44 (</a:t>
+              <a:t>= (cons 24 (cons 44 (</a:t>
             </a:r>
             <a:r>
               <a:rPr lang="en-US" sz="2400" b="1" dirty="0">
@@ -13923,7 +13923,7 @@
                 <a:latin typeface="Consolas" pitchFamily="49" charset="0"/>
                 <a:cs typeface="Consolas" pitchFamily="49" charset="0"/>
               </a:rPr>
-              <a:t>= (cons 22 (cons 44 (cons 66 (</a:t>
+              <a:t>= (cons 24 (cons 44 (cons 66 (</a:t>
             </a:r>
             <a:r>
               <a:rPr lang="en-US" sz="2400" b="1" dirty="0">
@@ -13952,7 +13952,21 @@
                 <a:latin typeface="Consolas" pitchFamily="49" charset="0"/>
                 <a:cs typeface="Consolas" pitchFamily="49" charset="0"/>
               </a:rPr>
-              <a:t>= (cons 22 (cons 44 (cons 66 empty)))</a:t>
+              <a:t>= (</a:t>
+            </a:r>
+            <a:r>
+              <a:rPr lang="en-US" sz="2400" b="1">
+                <a:latin typeface="Consolas" pitchFamily="49" charset="0"/>
+                <a:cs typeface="Consolas" pitchFamily="49" charset="0"/>
+              </a:rPr>
+              <a:t>cons 24 </a:t>
+            </a:r>
+            <a:r>
+              <a:rPr lang="en-US" sz="2400" b="1" dirty="0">
+                <a:latin typeface="Consolas" pitchFamily="49" charset="0"/>
+                <a:cs typeface="Consolas" pitchFamily="49" charset="0"/>
+              </a:rPr>
+              <a:t>(cons 44 (cons 66 empty)))</a:t>
             </a:r>
           </a:p>
           <a:p>

--- a/Slides/Lesson 4.2 The Observer Template for List Data.pptx
+++ b/Slides/Lesson 4.2 The Observer Template for List Data.pptx
@@ -305,7 +305,7 @@
             <a:fld id="{CF8F25F6-E1EF-4065-8525-42EDEBD9BD22}" type="datetimeFigureOut">
               <a:rPr lang="en-US" smtClean="0"/>
               <a:pPr/>
-              <a:t>8/11/2017</a:t>
+              <a:t>8/28/2017</a:t>
             </a:fld>
             <a:endParaRPr lang="en-US"/>
           </a:p>
@@ -841,7 +841,7 @@
           <a:p>
             <a:fld id="{2F1F79F5-7BEC-496A-AFC7-876E38F64D71}" type="datetime1">
               <a:rPr lang="en-US" smtClean="0"/>
-              <a:t>8/11/2017</a:t>
+              <a:t>8/28/2017</a:t>
             </a:fld>
             <a:endParaRPr lang="en-US"/>
           </a:p>
@@ -936,7 +936,7 @@
           <a:p>
             <a:fld id="{0A05703A-7669-4FEA-9056-25299B4D29D4}" type="datetime1">
               <a:rPr lang="en-US" smtClean="0"/>
-              <a:t>8/11/2017</a:t>
+              <a:t>8/28/2017</a:t>
             </a:fld>
             <a:endParaRPr lang="en-US"/>
           </a:p>
@@ -1211,7 +1211,7 @@
           <a:p>
             <a:fld id="{6E5077B5-BB57-49DB-88CA-226A139E5C01}" type="datetime1">
               <a:rPr lang="en-US" smtClean="0"/>
-              <a:t>8/11/2017</a:t>
+              <a:t>8/28/2017</a:t>
             </a:fld>
             <a:endParaRPr lang="en-US"/>
           </a:p>
@@ -1463,7 +1463,7 @@
           <a:p>
             <a:fld id="{C48D9447-CBD6-49A1-89FD-8512A8CF8999}" type="datetime1">
               <a:rPr lang="en-US" smtClean="0"/>
-              <a:t>8/11/2017</a:t>
+              <a:t>8/28/2017</a:t>
             </a:fld>
             <a:endParaRPr lang="en-US"/>
           </a:p>
@@ -1631,7 +1631,7 @@
           <a:p>
             <a:fld id="{A3639A2A-823D-48B7-9ACE-7FAF42870BA9}" type="datetime1">
               <a:rPr lang="en-US" smtClean="0"/>
-              <a:t>8/11/2017</a:t>
+              <a:t>8/28/2017</a:t>
             </a:fld>
             <a:endParaRPr lang="en-US"/>
           </a:p>
@@ -1809,7 +1809,7 @@
           <a:p>
             <a:fld id="{ED1B6996-82E9-463C-972C-7B56056E426C}" type="datetime1">
               <a:rPr lang="en-US" smtClean="0"/>
-              <a:t>8/11/2017</a:t>
+              <a:t>8/28/2017</a:t>
             </a:fld>
             <a:endParaRPr lang="en-US"/>
           </a:p>
@@ -1983,7 +1983,7 @@
           <a:p>
             <a:fld id="{E22ED4DA-448D-4BB1-B935-CC112220207B}" type="datetime1">
               <a:rPr lang="en-US" smtClean="0"/>
-              <a:t>8/11/2017</a:t>
+              <a:t>8/28/2017</a:t>
             </a:fld>
             <a:endParaRPr lang="en-US"/>
           </a:p>
@@ -2156,7 +2156,7 @@
           <a:p>
             <a:fld id="{E22ED4DA-448D-4BB1-B935-CC112220207B}" type="datetime1">
               <a:rPr lang="en-US" smtClean="0"/>
-              <a:t>8/11/2017</a:t>
+              <a:t>8/28/2017</a:t>
             </a:fld>
             <a:endParaRPr lang="en-US"/>
           </a:p>
@@ -2416,7 +2416,7 @@
           <a:p>
             <a:fld id="{FF5D65A6-AB94-4435-B0B7-3743215FA46C}" type="datetime1">
               <a:rPr lang="en-US" smtClean="0"/>
-              <a:t>8/11/2017</a:t>
+              <a:t>8/28/2017</a:t>
             </a:fld>
             <a:endParaRPr lang="en-US"/>
           </a:p>
@@ -2592,7 +2592,7 @@
           <a:p>
             <a:fld id="{FF5D65A6-AB94-4435-B0B7-3743215FA46C}" type="datetime1">
               <a:rPr lang="en-US" smtClean="0"/>
-              <a:t>8/11/2017</a:t>
+              <a:t>8/28/2017</a:t>
             </a:fld>
             <a:endParaRPr lang="en-US"/>
           </a:p>
@@ -2886,7 +2886,7 @@
           <a:p>
             <a:fld id="{7C193DC4-6EF0-48C9-B29C-616106A645E1}" type="datetime1">
               <a:rPr lang="en-US" smtClean="0"/>
-              <a:t>8/11/2017</a:t>
+              <a:t>8/28/2017</a:t>
             </a:fld>
             <a:endParaRPr lang="en-US"/>
           </a:p>
@@ -3171,7 +3171,7 @@
           <a:p>
             <a:fld id="{5D1846AD-9252-4647-9435-4C2AC365653A}" type="datetime1">
               <a:rPr lang="en-US" smtClean="0"/>
-              <a:t>8/11/2017</a:t>
+              <a:t>8/28/2017</a:t>
             </a:fld>
             <a:endParaRPr lang="en-US"/>
           </a:p>
@@ -3590,7 +3590,7 @@
           <a:p>
             <a:fld id="{CE56DC10-3561-4063-A6AF-C1CC7A41040A}" type="datetime1">
               <a:rPr lang="en-US" smtClean="0"/>
-              <a:t>8/11/2017</a:t>
+              <a:t>8/28/2017</a:t>
             </a:fld>
             <a:endParaRPr lang="en-US"/>
           </a:p>
@@ -3707,7 +3707,7 @@
           <a:p>
             <a:fld id="{2F7B77F5-1464-4F6B-92A8-64FC8A508293}" type="datetime1">
               <a:rPr lang="en-US" smtClean="0"/>
-              <a:t>8/11/2017</a:t>
+              <a:t>8/28/2017</a:t>
             </a:fld>
             <a:endParaRPr lang="en-US"/>
           </a:p>
@@ -3930,7 +3930,7 @@
           <a:p>
             <a:fld id="{02B3F677-983B-48DB-ADFD-63FE6CBC7FB2}" type="datetime1">
               <a:rPr lang="en-US" smtClean="0"/>
-              <a:t>8/11/2017</a:t>
+              <a:t>8/28/2017</a:t>
             </a:fld>
             <a:endParaRPr lang="en-US"/>
           </a:p>
@@ -4604,7 +4604,7 @@
         </p:nvSpPr>
         <p:spPr>
           <a:xfrm>
-            <a:off x="2860637" y="2553601"/>
+            <a:off x="3240997" y="2553601"/>
             <a:ext cx="1847850" cy="369332"/>
           </a:xfrm>
           <a:prstGeom prst="rect">
@@ -4845,7 +4845,7 @@
               <a:solidFill>
                 <a:schemeClr val="tx1"/>
               </a:solidFill>
-              <a:tailEnd type="triangle"/>
+              <a:tailEnd type="none"/>
             </a:ln>
           </p:spPr>
           <p:style>
@@ -4938,7 +4938,7 @@
               <a:solidFill>
                 <a:schemeClr val="tx1"/>
               </a:solidFill>
-              <a:tailEnd type="triangle"/>
+              <a:tailEnd type="none"/>
             </a:ln>
           </p:spPr>
           <p:style>
@@ -4965,7 +4965,7 @@
         </p:nvSpPr>
         <p:spPr>
           <a:xfrm>
-            <a:off x="7326680" y="2547455"/>
+            <a:off x="7633217" y="2543690"/>
             <a:ext cx="586640" cy="369332"/>
           </a:xfrm>
           <a:prstGeom prst="rect">
@@ -5068,7 +5068,7 @@
               <a:solidFill>
                 <a:schemeClr val="tx1"/>
               </a:solidFill>
-              <a:tailEnd type="none"/>
+              <a:tailEnd type="triangle"/>
             </a:ln>
           </p:spPr>
           <p:style>
@@ -5215,7 +5215,7 @@
               <a:solidFill>
                 <a:schemeClr val="tx1"/>
               </a:solidFill>
-              <a:tailEnd type="none"/>
+              <a:tailEnd type="triangle"/>
             </a:ln>
           </p:spPr>
           <p:style>
@@ -5237,7 +5237,7 @@
             <a:lstStyle/>
             <a:p>
               <a:pPr algn="ctr"/>
-              <a:endParaRPr lang="en-US"/>
+              <a:endParaRPr lang="en-US" dirty="0"/>
             </a:p>
           </p:txBody>
         </p:sp>
@@ -26041,7 +26041,7 @@
             <p:nvPr/>
           </p:nvCxnSpPr>
           <p:spPr>
-            <a:xfrm flipV="1">
+            <a:xfrm>
               <a:off x="6711215" y="3119430"/>
               <a:ext cx="0" cy="472281"/>
             </a:xfrm>
@@ -26052,6 +26052,7 @@
               <a:solidFill>
                 <a:schemeClr val="tx1"/>
               </a:solidFill>
+              <a:headEnd type="none"/>
               <a:tailEnd type="triangle"/>
             </a:ln>
           </p:spPr>
@@ -26080,7 +26081,7 @@
         <p:spPr>
           <a:xfrm>
             <a:off x="2361194" y="3195833"/>
-            <a:ext cx="1847850" cy="369332"/>
+            <a:ext cx="2277918" cy="369332"/>
           </a:xfrm>
           <a:prstGeom prst="rect">
             <a:avLst/>
@@ -26095,7 +26096,7 @@
           <a:p>
             <a:r>
               <a:rPr lang="en-US" dirty="0"/>
-              <a:t>is-component-of</a:t>
+              <a:t>has-as-component</a:t>
             </a:r>
           </a:p>
         </p:txBody>

--- a/Slides/Lesson 4.2 The Observer Template for List Data.pptx
+++ b/Slides/Lesson 4.2 The Observer Template for List Data.pptx
@@ -222,6 +222,10 @@
 </p:presentation>
 </file>
 
+<file path=ppt/revisionInfo.xml><?xml version="1.0" encoding="utf-8"?>
+<p1510:revInfo xmlns:a="http://schemas.openxmlformats.org/drawingml/2006/main" xmlns:r="http://schemas.openxmlformats.org/officeDocument/2006/relationships" xmlns:p1510="http://schemas.microsoft.com/office/powerpoint/2015/10/main"/>
+</file>
+
 <file path=ppt/notesMasters/notesMaster1.xml><?xml version="1.0" encoding="utf-8"?>
 <p:notesMaster xmlns:a="http://schemas.openxmlformats.org/drawingml/2006/main" xmlns:r="http://schemas.openxmlformats.org/officeDocument/2006/relationships" xmlns:p="http://schemas.openxmlformats.org/presentationml/2006/main">
   <p:cSld>
@@ -305,7 +309,7 @@
             <a:fld id="{CF8F25F6-E1EF-4065-8525-42EDEBD9BD22}" type="datetimeFigureOut">
               <a:rPr lang="en-US" smtClean="0"/>
               <a:pPr/>
-              <a:t>8/11/2017</a:t>
+              <a:t>10/3/2017</a:t>
             </a:fld>
             <a:endParaRPr lang="en-US"/>
           </a:p>
@@ -841,7 +845,7 @@
           <a:p>
             <a:fld id="{2F1F79F5-7BEC-496A-AFC7-876E38F64D71}" type="datetime1">
               <a:rPr lang="en-US" smtClean="0"/>
-              <a:t>8/11/2017</a:t>
+              <a:t>10/3/2017</a:t>
             </a:fld>
             <a:endParaRPr lang="en-US"/>
           </a:p>
@@ -936,7 +940,7 @@
           <a:p>
             <a:fld id="{0A05703A-7669-4FEA-9056-25299B4D29D4}" type="datetime1">
               <a:rPr lang="en-US" smtClean="0"/>
-              <a:t>8/11/2017</a:t>
+              <a:t>10/3/2017</a:t>
             </a:fld>
             <a:endParaRPr lang="en-US"/>
           </a:p>
@@ -1211,7 +1215,7 @@
           <a:p>
             <a:fld id="{6E5077B5-BB57-49DB-88CA-226A139E5C01}" type="datetime1">
               <a:rPr lang="en-US" smtClean="0"/>
-              <a:t>8/11/2017</a:t>
+              <a:t>10/3/2017</a:t>
             </a:fld>
             <a:endParaRPr lang="en-US"/>
           </a:p>
@@ -1463,7 +1467,7 @@
           <a:p>
             <a:fld id="{C48D9447-CBD6-49A1-89FD-8512A8CF8999}" type="datetime1">
               <a:rPr lang="en-US" smtClean="0"/>
-              <a:t>8/11/2017</a:t>
+              <a:t>10/3/2017</a:t>
             </a:fld>
             <a:endParaRPr lang="en-US"/>
           </a:p>
@@ -1631,7 +1635,7 @@
           <a:p>
             <a:fld id="{A3639A2A-823D-48B7-9ACE-7FAF42870BA9}" type="datetime1">
               <a:rPr lang="en-US" smtClean="0"/>
-              <a:t>8/11/2017</a:t>
+              <a:t>10/3/2017</a:t>
             </a:fld>
             <a:endParaRPr lang="en-US"/>
           </a:p>
@@ -1809,7 +1813,7 @@
           <a:p>
             <a:fld id="{ED1B6996-82E9-463C-972C-7B56056E426C}" type="datetime1">
               <a:rPr lang="en-US" smtClean="0"/>
-              <a:t>8/11/2017</a:t>
+              <a:t>10/3/2017</a:t>
             </a:fld>
             <a:endParaRPr lang="en-US"/>
           </a:p>
@@ -1983,7 +1987,7 @@
           <a:p>
             <a:fld id="{E22ED4DA-448D-4BB1-B935-CC112220207B}" type="datetime1">
               <a:rPr lang="en-US" smtClean="0"/>
-              <a:t>8/11/2017</a:t>
+              <a:t>10/3/2017</a:t>
             </a:fld>
             <a:endParaRPr lang="en-US"/>
           </a:p>
@@ -2156,7 +2160,7 @@
           <a:p>
             <a:fld id="{E22ED4DA-448D-4BB1-B935-CC112220207B}" type="datetime1">
               <a:rPr lang="en-US" smtClean="0"/>
-              <a:t>8/11/2017</a:t>
+              <a:t>10/3/2017</a:t>
             </a:fld>
             <a:endParaRPr lang="en-US"/>
           </a:p>
@@ -2416,7 +2420,7 @@
           <a:p>
             <a:fld id="{FF5D65A6-AB94-4435-B0B7-3743215FA46C}" type="datetime1">
               <a:rPr lang="en-US" smtClean="0"/>
-              <a:t>8/11/2017</a:t>
+              <a:t>10/3/2017</a:t>
             </a:fld>
             <a:endParaRPr lang="en-US"/>
           </a:p>
@@ -2592,7 +2596,7 @@
           <a:p>
             <a:fld id="{FF5D65A6-AB94-4435-B0B7-3743215FA46C}" type="datetime1">
               <a:rPr lang="en-US" smtClean="0"/>
-              <a:t>8/11/2017</a:t>
+              <a:t>10/3/2017</a:t>
             </a:fld>
             <a:endParaRPr lang="en-US"/>
           </a:p>
@@ -2886,7 +2890,7 @@
           <a:p>
             <a:fld id="{7C193DC4-6EF0-48C9-B29C-616106A645E1}" type="datetime1">
               <a:rPr lang="en-US" smtClean="0"/>
-              <a:t>8/11/2017</a:t>
+              <a:t>10/3/2017</a:t>
             </a:fld>
             <a:endParaRPr lang="en-US"/>
           </a:p>
@@ -3171,7 +3175,7 @@
           <a:p>
             <a:fld id="{5D1846AD-9252-4647-9435-4C2AC365653A}" type="datetime1">
               <a:rPr lang="en-US" smtClean="0"/>
-              <a:t>8/11/2017</a:t>
+              <a:t>10/3/2017</a:t>
             </a:fld>
             <a:endParaRPr lang="en-US"/>
           </a:p>
@@ -3590,7 +3594,7 @@
           <a:p>
             <a:fld id="{CE56DC10-3561-4063-A6AF-C1CC7A41040A}" type="datetime1">
               <a:rPr lang="en-US" smtClean="0"/>
-              <a:t>8/11/2017</a:t>
+              <a:t>10/3/2017</a:t>
             </a:fld>
             <a:endParaRPr lang="en-US"/>
           </a:p>
@@ -3707,7 +3711,7 @@
           <a:p>
             <a:fld id="{2F7B77F5-1464-4F6B-92A8-64FC8A508293}" type="datetime1">
               <a:rPr lang="en-US" smtClean="0"/>
-              <a:t>8/11/2017</a:t>
+              <a:t>10/3/2017</a:t>
             </a:fld>
             <a:endParaRPr lang="en-US"/>
           </a:p>
@@ -3930,7 +3934,7 @@
           <a:p>
             <a:fld id="{02B3F677-983B-48DB-ADFD-63FE6CBC7FB2}" type="datetime1">
               <a:rPr lang="en-US" smtClean="0"/>
-              <a:t>8/11/2017</a:t>
+              <a:t>10/3/2017</a:t>
             </a:fld>
             <a:endParaRPr lang="en-US"/>
           </a:p>
@@ -20143,7 +20147,7 @@
                 <a:latin typeface="Consolas" pitchFamily="49" charset="0"/>
                 <a:cs typeface="Consolas" pitchFamily="49" charset="0"/>
               </a:rPr>
-              <a:t>[</a:t>
+              <a:t>[else </a:t>
             </a:r>
             <a:r>
               <a:rPr lang="en-US" sz="2000" b="1" dirty="0">
@@ -20190,7 +20194,7 @@
                 <a:latin typeface="Consolas" pitchFamily="49" charset="0"/>
                 <a:cs typeface="Consolas" pitchFamily="49" charset="0"/>
               </a:rPr>
-              <a:t>           </a:t>
+              <a:t>                </a:t>
             </a:r>
             <a:r>
               <a:rPr lang="en-US" sz="2000" b="1" dirty="0">
@@ -20319,95 +20323,6 @@
   <p:clrMapOvr>
     <a:masterClrMapping/>
   </p:clrMapOvr>
-  <p:timing>
-    <p:tnLst>
-      <p:par>
-        <p:cTn id="1" dur="indefinite" restart="never" nodeType="tmRoot">
-          <p:childTnLst>
-            <p:seq concurrent="1" nextAc="seek">
-              <p:cTn id="2" dur="indefinite" nodeType="mainSeq">
-                <p:childTnLst>
-                  <p:par>
-                    <p:cTn id="3" fill="hold">
-                      <p:stCondLst>
-                        <p:cond delay="indefinite"/>
-                        <p:cond evt="onBegin" delay="0">
-                          <p:tn val="2"/>
-                        </p:cond>
-                      </p:stCondLst>
-                      <p:childTnLst>
-                        <p:par>
-                          <p:cTn id="4" fill="hold">
-                            <p:stCondLst>
-                              <p:cond delay="0"/>
-                            </p:stCondLst>
-                            <p:childTnLst>
-                              <p:par>
-                                <p:cTn id="5" presetID="10" presetClass="entr" presetSubtype="0" fill="hold" grpId="0" nodeType="withEffect">
-                                  <p:stCondLst>
-                                    <p:cond delay="0"/>
-                                  </p:stCondLst>
-                                  <p:childTnLst>
-                                    <p:set>
-                                      <p:cBhvr>
-                                        <p:cTn id="6" dur="1" fill="hold">
-                                          <p:stCondLst>
-                                            <p:cond delay="0"/>
-                                          </p:stCondLst>
-                                        </p:cTn>
-                                        <p:tgtEl>
-                                          <p:spTgt spid="20"/>
-                                        </p:tgtEl>
-                                        <p:attrNameLst>
-                                          <p:attrName>style.visibility</p:attrName>
-                                        </p:attrNameLst>
-                                      </p:cBhvr>
-                                      <p:to>
-                                        <p:strVal val="visible"/>
-                                      </p:to>
-                                    </p:set>
-                                    <p:animEffect transition="in" filter="fade">
-                                      <p:cBhvr>
-                                        <p:cTn id="7" dur="500"/>
-                                        <p:tgtEl>
-                                          <p:spTgt spid="20"/>
-                                        </p:tgtEl>
-                                      </p:cBhvr>
-                                    </p:animEffect>
-                                  </p:childTnLst>
-                                </p:cTn>
-                              </p:par>
-                            </p:childTnLst>
-                          </p:cTn>
-                        </p:par>
-                      </p:childTnLst>
-                    </p:cTn>
-                  </p:par>
-                </p:childTnLst>
-              </p:cTn>
-              <p:prevCondLst>
-                <p:cond evt="onPrev" delay="0">
-                  <p:tgtEl>
-                    <p:sldTgt/>
-                  </p:tgtEl>
-                </p:cond>
-              </p:prevCondLst>
-              <p:nextCondLst>
-                <p:cond evt="onNext" delay="0">
-                  <p:tgtEl>
-                    <p:sldTgt/>
-                  </p:tgtEl>
-                </p:cond>
-              </p:nextCondLst>
-            </p:seq>
-          </p:childTnLst>
-        </p:cTn>
-      </p:par>
-    </p:tnLst>
-    <p:bldLst>
-      <p:bldP spid="20" grpId="0"/>
-    </p:bldLst>
-  </p:timing>
 </p:sld>
 </file>
 
@@ -21019,7 +20934,7 @@
                 <a:latin typeface="Consolas" pitchFamily="49" charset="0"/>
                 <a:cs typeface="Consolas" pitchFamily="49" charset="0"/>
               </a:rPr>
-              <a:t>(</a:t>
+              <a:t>  (</a:t>
             </a:r>
             <a:r>
               <a:rPr lang="en-US" sz="2400" b="1" dirty="0">
@@ -21106,7 +21021,21 @@
                 <a:latin typeface="Consolas" pitchFamily="49" charset="0"/>
                 <a:cs typeface="Consolas" pitchFamily="49" charset="0"/>
               </a:rPr>
-              <a:t>= (cons 11 (cons 22 (cons 27 (cons 33 empty))))</a:t>
+              <a:t>= (cons 11 (cons 22 (cons </a:t>
+            </a:r>
+            <a:r>
+              <a:rPr lang="en-US" sz="2400" b="1">
+                <a:latin typeface="Consolas" pitchFamily="49" charset="0"/>
+                <a:cs typeface="Consolas" pitchFamily="49" charset="0"/>
+              </a:rPr>
+              <a:t>27   (</a:t>
+            </a:r>
+            <a:r>
+              <a:rPr lang="en-US" sz="2400" b="1" dirty="0">
+                <a:latin typeface="Consolas" pitchFamily="49" charset="0"/>
+                <a:cs typeface="Consolas" pitchFamily="49" charset="0"/>
+              </a:rPr>
+              <a:t>cons 33 empty))))</a:t>
             </a:r>
           </a:p>
         </p:txBody>
